--- a/Cycle_07_Arduino/TP_Arduino.pptx
+++ b/Cycle_07_Arduino/TP_Arduino.pptx
@@ -5,10 +5,10 @@
     <p:sldMasterId id="2147483672" r:id="rId1"/>
   </p:sldMasterIdLst>
   <p:notesMasterIdLst>
-    <p:notesMasterId r:id="rId20"/>
+    <p:notesMasterId r:id="rId21"/>
   </p:notesMasterIdLst>
   <p:handoutMasterIdLst>
-    <p:handoutMasterId r:id="rId21"/>
+    <p:handoutMasterId r:id="rId22"/>
   </p:handoutMasterIdLst>
   <p:sldIdLst>
     <p:sldId id="256" r:id="rId2"/>
@@ -20,15 +20,16 @@
     <p:sldId id="264" r:id="rId8"/>
     <p:sldId id="261" r:id="rId9"/>
     <p:sldId id="266" r:id="rId10"/>
-    <p:sldId id="260" r:id="rId11"/>
-    <p:sldId id="270" r:id="rId12"/>
-    <p:sldId id="269" r:id="rId13"/>
-    <p:sldId id="271" r:id="rId14"/>
-    <p:sldId id="273" r:id="rId15"/>
-    <p:sldId id="276" r:id="rId16"/>
-    <p:sldId id="277" r:id="rId17"/>
-    <p:sldId id="274" r:id="rId18"/>
-    <p:sldId id="275" r:id="rId19"/>
+    <p:sldId id="279" r:id="rId11"/>
+    <p:sldId id="260" r:id="rId12"/>
+    <p:sldId id="270" r:id="rId13"/>
+    <p:sldId id="269" r:id="rId14"/>
+    <p:sldId id="271" r:id="rId15"/>
+    <p:sldId id="273" r:id="rId16"/>
+    <p:sldId id="276" r:id="rId17"/>
+    <p:sldId id="277" r:id="rId18"/>
+    <p:sldId id="274" r:id="rId19"/>
+    <p:sldId id="275" r:id="rId20"/>
   </p:sldIdLst>
   <p:sldSz cx="9144000" cy="6858000" type="screen4x3"/>
   <p:notesSz cx="7099300" cy="10234613"/>
@@ -5084,7 +5085,7 @@
           <a:p>
             <a:fld id="{0063AF53-F080-4EED-89A2-71072976191D}" type="datetimeFigureOut">
               <a:rPr lang="fr-FR" smtClean="0"/>
-              <a:t>27/01/2015</a:t>
+              <a:t>29/01/2015</a:t>
             </a:fld>
             <a:endParaRPr lang="fr-FR"/>
           </a:p>
@@ -5250,7 +5251,7 @@
             <a:fld id="{408F55C5-7F94-4427-AC6E-B68A66649CA8}" type="datetimeFigureOut">
               <a:rPr lang="fr-FR" smtClean="0"/>
               <a:pPr/>
-              <a:t>27/01/2015</a:t>
+              <a:t>29/01/2015</a:t>
             </a:fld>
             <a:endParaRPr lang="fr-FR"/>
           </a:p>
@@ -5656,7 +5657,7 @@
           <a:p>
             <a:fld id="{9D56727F-6563-47CD-B250-CBA7B4B4FBDE}" type="datetime1">
               <a:rPr lang="fr-FR" smtClean="0"/>
-              <a:t>27/01/2015</a:t>
+              <a:t>29/01/2015</a:t>
             </a:fld>
             <a:endParaRPr lang="fr-BE"/>
           </a:p>
@@ -6530,7 +6531,7 @@
           <a:p>
             <a:fld id="{19ABCAB6-D49B-46FD-870F-99E10975C18F}" type="datetime1">
               <a:rPr lang="fr-FR" smtClean="0"/>
-              <a:t>27/01/2015</a:t>
+              <a:t>29/01/2015</a:t>
             </a:fld>
             <a:endParaRPr lang="fr-BE"/>
           </a:p>
@@ -6710,7 +6711,7 @@
           <a:p>
             <a:fld id="{DEEDBEA9-D968-4EC1-A19A-1F76B691A58C}" type="datetime1">
               <a:rPr lang="fr-FR" smtClean="0"/>
-              <a:t>27/01/2015</a:t>
+              <a:t>29/01/2015</a:t>
             </a:fld>
             <a:endParaRPr lang="fr-BE"/>
           </a:p>
@@ -6885,7 +6886,7 @@
           <a:p>
             <a:fld id="{9FC95688-4DB0-4F51-94A9-29BA89D545B3}" type="datetime1">
               <a:rPr lang="fr-FR" smtClean="0"/>
-              <a:t>27/01/2015</a:t>
+              <a:t>29/01/2015</a:t>
             </a:fld>
             <a:endParaRPr lang="fr-BE"/>
           </a:p>
@@ -7107,7 +7108,7 @@
           <a:p>
             <a:fld id="{20848678-D788-46FE-B700-C9269C74C891}" type="datetime1">
               <a:rPr lang="fr-FR" smtClean="0"/>
-              <a:t>27/01/2015</a:t>
+              <a:t>29/01/2015</a:t>
             </a:fld>
             <a:endParaRPr lang="fr-BE"/>
           </a:p>
@@ -7926,7 +7927,7 @@
           <a:p>
             <a:fld id="{79C16800-6255-4A73-95D9-53ECCA86BF18}" type="datetime1">
               <a:rPr lang="fr-FR" smtClean="0"/>
-              <a:t>27/01/2015</a:t>
+              <a:t>29/01/2015</a:t>
             </a:fld>
             <a:endParaRPr lang="fr-BE"/>
           </a:p>
@@ -8167,7 +8168,7 @@
           <a:p>
             <a:fld id="{2ECF0889-EA02-48F1-86FE-1B2AAC4C247E}" type="datetime1">
               <a:rPr lang="fr-FR" smtClean="0"/>
-              <a:t>27/01/2015</a:t>
+              <a:t>29/01/2015</a:t>
             </a:fld>
             <a:endParaRPr lang="fr-BE"/>
           </a:p>
@@ -8495,7 +8496,7 @@
           <a:p>
             <a:fld id="{712E9D54-6766-4EFC-BDD9-0C3193CEE8BD}" type="datetime1">
               <a:rPr lang="fr-FR" smtClean="0"/>
-              <a:t>27/01/2015</a:t>
+              <a:t>29/01/2015</a:t>
             </a:fld>
             <a:endParaRPr lang="fr-BE"/>
           </a:p>
@@ -8590,7 +8591,7 @@
           <a:p>
             <a:fld id="{5469AE92-F693-4AF4-B39E-ECB41C1DA14C}" type="datetime1">
               <a:rPr lang="fr-FR" smtClean="0"/>
-              <a:t>27/01/2015</a:t>
+              <a:t>29/01/2015</a:t>
             </a:fld>
             <a:endParaRPr lang="fr-BE"/>
           </a:p>
@@ -9112,7 +9113,7 @@
           <a:p>
             <a:fld id="{15EB620E-D183-4F2A-BD4F-6B1729D1A0DE}" type="datetime1">
               <a:rPr lang="fr-FR" smtClean="0"/>
-              <a:t>27/01/2015</a:t>
+              <a:t>29/01/2015</a:t>
             </a:fld>
             <a:endParaRPr lang="fr-BE"/>
           </a:p>
@@ -9628,7 +9629,7 @@
           <a:p>
             <a:fld id="{2D38B004-A344-4981-8789-E15D3302231A}" type="datetime1">
               <a:rPr lang="fr-FR" smtClean="0"/>
-              <a:t>27/01/2015</a:t>
+              <a:t>29/01/2015</a:t>
             </a:fld>
             <a:endParaRPr lang="fr-BE"/>
           </a:p>
@@ -9878,7 +9879,7 @@
           <a:p>
             <a:fld id="{002E150F-AA26-4E99-A02A-7CA355CA54B4}" type="datetime1">
               <a:rPr lang="fr-FR" smtClean="0"/>
-              <a:t>27/01/2015</a:t>
+              <a:t>29/01/2015</a:t>
             </a:fld>
             <a:endParaRPr lang="fr-BE"/>
           </a:p>
@@ -11140,6 +11141,172 @@
             <p:ph type="title"/>
           </p:nvPr>
         </p:nvSpPr>
+        <p:spPr>
+          <a:xfrm>
+            <a:off x="457200" y="116632"/>
+            <a:ext cx="8147248" cy="864096"/>
+          </a:xfrm>
+        </p:spPr>
+        <p:txBody>
+          <a:bodyPr>
+            <a:normAutofit/>
+          </a:bodyPr>
+          <a:lstStyle/>
+          <a:p>
+            <a:pPr algn="ctr"/>
+            <a:r>
+              <a:rPr lang="fr-FR" sz="4000" b="1" dirty="0">
+                <a:solidFill>
+                  <a:srgbClr val="FF0000"/>
+                </a:solidFill>
+              </a:rPr>
+              <a:t>REMARQUE</a:t>
+            </a:r>
+          </a:p>
+        </p:txBody>
+      </p:sp>
+      <p:sp>
+        <p:nvSpPr>
+          <p:cNvPr id="3" name="Espace réservé du numéro de diapositive 2"/>
+          <p:cNvSpPr>
+            <a:spLocks noGrp="1"/>
+          </p:cNvSpPr>
+          <p:nvPr>
+            <p:ph type="sldNum" sz="quarter" idx="11"/>
+          </p:nvPr>
+        </p:nvSpPr>
+        <p:spPr/>
+        <p:txBody>
+          <a:bodyPr/>
+          <a:lstStyle/>
+          <a:p>
+            <a:fld id="{CF4668DC-857F-487D-BFFA-8C0CA5037977}" type="slidenum">
+              <a:rPr lang="fr-BE" smtClean="0"/>
+              <a:pPr/>
+              <a:t>10</a:t>
+            </a:fld>
+            <a:endParaRPr lang="fr-BE"/>
+          </a:p>
+        </p:txBody>
+      </p:sp>
+      <p:sp>
+        <p:nvSpPr>
+          <p:cNvPr id="4" name="Espace réservé du pied de page 3"/>
+          <p:cNvSpPr>
+            <a:spLocks noGrp="1"/>
+          </p:cNvSpPr>
+          <p:nvPr>
+            <p:ph type="ftr" sz="quarter" idx="12"/>
+          </p:nvPr>
+        </p:nvSpPr>
+        <p:spPr/>
+        <p:txBody>
+          <a:bodyPr/>
+          <a:lstStyle/>
+          <a:p>
+            <a:r>
+              <a:rPr lang="fr-BE" smtClean="0"/>
+              <a:t>Xavier Pessoles - Jean-Pierre Pupier</a:t>
+            </a:r>
+            <a:endParaRPr lang="fr-BE"/>
+          </a:p>
+        </p:txBody>
+      </p:sp>
+      <p:sp>
+        <p:nvSpPr>
+          <p:cNvPr id="5" name="Titre 1"/>
+          <p:cNvSpPr txBox="1">
+            <a:spLocks/>
+          </p:cNvSpPr>
+          <p:nvPr/>
+        </p:nvSpPr>
+        <p:spPr>
+          <a:xfrm>
+            <a:off x="251520" y="1343452"/>
+            <a:ext cx="8352928" cy="4101772"/>
+          </a:xfrm>
+          <a:prstGeom prst="rect">
+            <a:avLst/>
+          </a:prstGeom>
+        </p:spPr>
+        <p:txBody>
+          <a:bodyPr vert="horz" anchor="ctr">
+            <a:normAutofit lnSpcReduction="10000"/>
+          </a:bodyPr>
+          <a:lstStyle>
+            <a:lvl1pPr algn="l" rtl="0" eaLnBrk="1" latinLnBrk="0" hangingPunct="1">
+              <a:spcBef>
+                <a:spcPct val="0"/>
+              </a:spcBef>
+              <a:buNone/>
+              <a:defRPr kumimoji="0" sz="3000" b="0" kern="1200" cap="small" baseline="0">
+                <a:solidFill>
+                  <a:schemeClr val="tx2"/>
+                </a:solidFill>
+                <a:latin typeface="+mj-lt"/>
+                <a:ea typeface="+mj-ea"/>
+                <a:cs typeface="+mj-cs"/>
+              </a:defRPr>
+            </a:lvl1pPr>
+          </a:lstStyle>
+          <a:p>
+            <a:pPr algn="ctr"/>
+            <a:r>
+              <a:rPr lang="fr-FR" sz="4000" b="1" dirty="0" smtClean="0">
+                <a:solidFill>
+                  <a:srgbClr val="FF0000"/>
+                </a:solidFill>
+              </a:rPr>
+              <a:t>DEBRANCHER LA CARTE ARDUINO DU PORT USB AVANT TOUT BRANCHEMENT (POTENTIOMETRE, BATTERIE, CARTE SHIELD…)</a:t>
+            </a:r>
+            <a:endParaRPr lang="fr-FR" sz="4000" b="1" dirty="0">
+              <a:solidFill>
+                <a:srgbClr val="FF0000"/>
+              </a:solidFill>
+            </a:endParaRPr>
+          </a:p>
+        </p:txBody>
+      </p:sp>
+    </p:spTree>
+    <p:extLst>
+      <p:ext uri="{BB962C8B-B14F-4D97-AF65-F5344CB8AC3E}">
+        <p14:creationId xmlns:p14="http://schemas.microsoft.com/office/powerpoint/2010/main" val="2049467250"/>
+      </p:ext>
+    </p:extLst>
+  </p:cSld>
+  <p:clrMapOvr>
+    <a:masterClrMapping/>
+  </p:clrMapOvr>
+</p:sld>
+</file>
+
+<file path=ppt/slides/slide11.xml><?xml version="1.0" encoding="utf-8"?>
+<p:sld xmlns:a="http://schemas.openxmlformats.org/drawingml/2006/main" xmlns:r="http://schemas.openxmlformats.org/officeDocument/2006/relationships" xmlns:p="http://schemas.openxmlformats.org/presentationml/2006/main">
+  <p:cSld>
+    <p:spTree>
+      <p:nvGrpSpPr>
+        <p:cNvPr id="1" name=""/>
+        <p:cNvGrpSpPr/>
+        <p:nvPr/>
+      </p:nvGrpSpPr>
+      <p:grpSpPr>
+        <a:xfrm>
+          <a:off x="0" y="0"/>
+          <a:ext cx="0" cy="0"/>
+          <a:chOff x="0" y="0"/>
+          <a:chExt cx="0" cy="0"/>
+        </a:xfrm>
+      </p:grpSpPr>
+      <p:sp>
+        <p:nvSpPr>
+          <p:cNvPr id="2" name="Titre 1"/>
+          <p:cNvSpPr>
+            <a:spLocks noGrp="1"/>
+          </p:cNvSpPr>
+          <p:nvPr>
+            <p:ph type="title"/>
+          </p:nvPr>
+        </p:nvSpPr>
         <p:spPr/>
         <p:txBody>
           <a:bodyPr/>
@@ -11329,7 +11496,7 @@
             <a:fld id="{CF4668DC-857F-487D-BFFA-8C0CA5037977}" type="slidenum">
               <a:rPr lang="fr-BE" smtClean="0"/>
               <a:pPr/>
-              <a:t>10</a:t>
+              <a:t>11</a:t>
             </a:fld>
             <a:endParaRPr lang="fr-BE"/>
           </a:p>
@@ -11435,7 +11602,7 @@
 </p:sld>
 </file>
 
-<file path=ppt/slides/slide11.xml><?xml version="1.0" encoding="utf-8"?>
+<file path=ppt/slides/slide12.xml><?xml version="1.0" encoding="utf-8"?>
 <p:sld xmlns:a="http://schemas.openxmlformats.org/drawingml/2006/main" xmlns:r="http://schemas.openxmlformats.org/officeDocument/2006/relationships" xmlns:p="http://schemas.openxmlformats.org/presentationml/2006/main">
   <p:cSld>
     <p:spTree>
@@ -11539,7 +11706,7 @@
             <a:fld id="{CF4668DC-857F-487D-BFFA-8C0CA5037977}" type="slidenum">
               <a:rPr lang="fr-BE" smtClean="0"/>
               <a:pPr/>
-              <a:t>11</a:t>
+              <a:t>12</a:t>
             </a:fld>
             <a:endParaRPr lang="fr-BE"/>
           </a:p>
@@ -11622,477 +11789,6 @@
 </p:sld>
 </file>
 
-<file path=ppt/slides/slide12.xml><?xml version="1.0" encoding="utf-8"?>
-<p:sld xmlns:a="http://schemas.openxmlformats.org/drawingml/2006/main" xmlns:r="http://schemas.openxmlformats.org/officeDocument/2006/relationships" xmlns:p="http://schemas.openxmlformats.org/presentationml/2006/main">
-  <p:cSld>
-    <p:spTree>
-      <p:nvGrpSpPr>
-        <p:cNvPr id="1" name=""/>
-        <p:cNvGrpSpPr/>
-        <p:nvPr/>
-      </p:nvGrpSpPr>
-      <p:grpSpPr>
-        <a:xfrm>
-          <a:off x="0" y="0"/>
-          <a:ext cx="0" cy="0"/>
-          <a:chOff x="0" y="0"/>
-          <a:chExt cx="0" cy="0"/>
-        </a:xfrm>
-      </p:grpSpPr>
-      <p:sp>
-        <p:nvSpPr>
-          <p:cNvPr id="2" name="Titre 1"/>
-          <p:cNvSpPr>
-            <a:spLocks noGrp="1"/>
-          </p:cNvSpPr>
-          <p:nvPr>
-            <p:ph type="title"/>
-          </p:nvPr>
-        </p:nvSpPr>
-        <p:spPr/>
-        <p:txBody>
-          <a:bodyPr/>
-          <a:lstStyle/>
-          <a:p>
-            <a:r>
-              <a:rPr lang="fr-FR" dirty="0" smtClean="0"/>
-              <a:t>Travail à réaliser</a:t>
-            </a:r>
-            <a:endParaRPr lang="fr-FR" dirty="0"/>
-          </a:p>
-        </p:txBody>
-      </p:sp>
-      <p:sp>
-        <p:nvSpPr>
-          <p:cNvPr id="3" name="Espace réservé du contenu 2"/>
-          <p:cNvSpPr>
-            <a:spLocks noGrp="1"/>
-          </p:cNvSpPr>
-          <p:nvPr>
-            <p:ph sz="quarter" idx="1"/>
-          </p:nvPr>
-        </p:nvSpPr>
-        <p:spPr/>
-        <p:txBody>
-          <a:bodyPr/>
-          <a:lstStyle/>
-          <a:p>
-            <a:r>
-              <a:rPr lang="fr-FR" dirty="0" smtClean="0"/>
-              <a:t>Réaliser le câblage</a:t>
-            </a:r>
-          </a:p>
-          <a:p>
-            <a:r>
-              <a:rPr lang="fr-FR" dirty="0" smtClean="0"/>
-              <a:t>Écrire et tester le programme</a:t>
-            </a:r>
-          </a:p>
-          <a:p>
-            <a:r>
-              <a:rPr lang="fr-FR" dirty="0"/>
-              <a:t>Expliquer pourquoi A5 est un entier correspondant à la valeur du potentiomètre</a:t>
-            </a:r>
-          </a:p>
-          <a:p>
-            <a:r>
-              <a:rPr lang="fr-FR" dirty="0" smtClean="0"/>
-              <a:t>Trouver une méthode pour écrire les informations dans un fichier texte. Vous vous aiderez de Google… </a:t>
-            </a:r>
-            <a:endParaRPr lang="fr-FR" dirty="0"/>
-          </a:p>
-        </p:txBody>
-      </p:sp>
-      <p:sp>
-        <p:nvSpPr>
-          <p:cNvPr id="4" name="Espace réservé du numéro de diapositive 3"/>
-          <p:cNvSpPr>
-            <a:spLocks noGrp="1"/>
-          </p:cNvSpPr>
-          <p:nvPr>
-            <p:ph type="sldNum" sz="quarter" idx="15"/>
-          </p:nvPr>
-        </p:nvSpPr>
-        <p:spPr/>
-        <p:txBody>
-          <a:bodyPr/>
-          <a:lstStyle/>
-          <a:p>
-            <a:fld id="{CF4668DC-857F-487D-BFFA-8C0CA5037977}" type="slidenum">
-              <a:rPr lang="fr-BE" smtClean="0"/>
-              <a:pPr/>
-              <a:t>12</a:t>
-            </a:fld>
-            <a:endParaRPr lang="fr-BE"/>
-          </a:p>
-        </p:txBody>
-      </p:sp>
-      <p:sp>
-        <p:nvSpPr>
-          <p:cNvPr id="5" name="Espace réservé du pied de page 4"/>
-          <p:cNvSpPr>
-            <a:spLocks noGrp="1"/>
-          </p:cNvSpPr>
-          <p:nvPr>
-            <p:ph type="ftr" sz="quarter" idx="16"/>
-          </p:nvPr>
-        </p:nvSpPr>
-        <p:spPr/>
-        <p:txBody>
-          <a:bodyPr/>
-          <a:lstStyle/>
-          <a:p>
-            <a:r>
-              <a:rPr lang="fr-BE" smtClean="0"/>
-              <a:t>Xavier Pessoles - Jean-Pierre Pupier</a:t>
-            </a:r>
-            <a:endParaRPr lang="fr-BE"/>
-          </a:p>
-        </p:txBody>
-      </p:sp>
-      <p:sp>
-        <p:nvSpPr>
-          <p:cNvPr id="6" name="ZoneTexte 5"/>
-          <p:cNvSpPr txBox="1"/>
-          <p:nvPr/>
-        </p:nvSpPr>
-        <p:spPr>
-          <a:xfrm>
-            <a:off x="611560" y="4293096"/>
-            <a:ext cx="6624736" cy="2123658"/>
-          </a:xfrm>
-          <a:prstGeom prst="rect">
-            <a:avLst/>
-          </a:prstGeom>
-          <a:noFill/>
-        </p:spPr>
-        <p:txBody>
-          <a:bodyPr wrap="square" rtlCol="0">
-            <a:spAutoFit/>
-          </a:bodyPr>
-          <a:lstStyle/>
-          <a:p>
-            <a:r>
-              <a:rPr lang="fr-FR" sz="1100" dirty="0" err="1">
-                <a:latin typeface="Courier New" panose="02070309020205020404" pitchFamily="49" charset="0"/>
-                <a:cs typeface="Courier New" panose="02070309020205020404" pitchFamily="49" charset="0"/>
-              </a:rPr>
-              <a:t>int</a:t>
-            </a:r>
-            <a:r>
-              <a:rPr lang="fr-FR" sz="1100" dirty="0">
-                <a:latin typeface="Courier New" panose="02070309020205020404" pitchFamily="49" charset="0"/>
-                <a:cs typeface="Courier New" panose="02070309020205020404" pitchFamily="49" charset="0"/>
-              </a:rPr>
-              <a:t> </a:t>
-            </a:r>
-            <a:r>
-              <a:rPr lang="fr-FR" sz="1100" dirty="0" err="1" smtClean="0">
-                <a:latin typeface="Courier New" panose="02070309020205020404" pitchFamily="49" charset="0"/>
-                <a:cs typeface="Courier New" panose="02070309020205020404" pitchFamily="49" charset="0"/>
-              </a:rPr>
-              <a:t>IOcapteur</a:t>
-            </a:r>
-            <a:r>
-              <a:rPr lang="fr-FR" sz="1100" dirty="0" smtClean="0">
-                <a:latin typeface="Courier New" panose="02070309020205020404" pitchFamily="49" charset="0"/>
-                <a:cs typeface="Courier New" panose="02070309020205020404" pitchFamily="49" charset="0"/>
-              </a:rPr>
-              <a:t> </a:t>
-            </a:r>
-            <a:r>
-              <a:rPr lang="fr-FR" sz="1100" dirty="0">
-                <a:latin typeface="Courier New" panose="02070309020205020404" pitchFamily="49" charset="0"/>
-                <a:cs typeface="Courier New" panose="02070309020205020404" pitchFamily="49" charset="0"/>
-              </a:rPr>
-              <a:t>= </a:t>
-            </a:r>
-            <a:r>
-              <a:rPr lang="fr-FR" sz="1100" dirty="0" smtClean="0">
-                <a:latin typeface="Courier New" panose="02070309020205020404" pitchFamily="49" charset="0"/>
-                <a:cs typeface="Courier New" panose="02070309020205020404" pitchFamily="49" charset="0"/>
-              </a:rPr>
-              <a:t>A5;    </a:t>
-            </a:r>
-            <a:r>
-              <a:rPr lang="fr-FR" sz="1100" dirty="0">
-                <a:latin typeface="Courier New" panose="02070309020205020404" pitchFamily="49" charset="0"/>
-                <a:cs typeface="Courier New" panose="02070309020205020404" pitchFamily="49" charset="0"/>
-              </a:rPr>
-              <a:t>// </a:t>
-            </a:r>
-            <a:r>
-              <a:rPr lang="fr-FR" sz="1100" dirty="0" smtClean="0">
-                <a:latin typeface="Courier New" panose="02070309020205020404" pitchFamily="49" charset="0"/>
-                <a:cs typeface="Courier New" panose="02070309020205020404" pitchFamily="49" charset="0"/>
-              </a:rPr>
-              <a:t>Déclaration de l’entrée du potentiomètre</a:t>
-            </a:r>
-            <a:endParaRPr lang="fr-FR" sz="1100" dirty="0">
-              <a:latin typeface="Courier New" panose="02070309020205020404" pitchFamily="49" charset="0"/>
-              <a:cs typeface="Courier New" panose="02070309020205020404" pitchFamily="49" charset="0"/>
-            </a:endParaRPr>
-          </a:p>
-          <a:p>
-            <a:r>
-              <a:rPr lang="fr-FR" sz="1100" dirty="0" err="1" smtClean="0">
-                <a:latin typeface="Courier New" panose="02070309020205020404" pitchFamily="49" charset="0"/>
-                <a:cs typeface="Courier New" panose="02070309020205020404" pitchFamily="49" charset="0"/>
-              </a:rPr>
-              <a:t>int</a:t>
-            </a:r>
-            <a:r>
-              <a:rPr lang="fr-FR" sz="1100" dirty="0" smtClean="0">
-                <a:latin typeface="Courier New" panose="02070309020205020404" pitchFamily="49" charset="0"/>
-                <a:cs typeface="Courier New" panose="02070309020205020404" pitchFamily="49" charset="0"/>
-              </a:rPr>
-              <a:t> valeur </a:t>
-            </a:r>
-            <a:r>
-              <a:rPr lang="fr-FR" sz="1100" dirty="0">
-                <a:latin typeface="Courier New" panose="02070309020205020404" pitchFamily="49" charset="0"/>
-                <a:cs typeface="Courier New" panose="02070309020205020404" pitchFamily="49" charset="0"/>
-              </a:rPr>
-              <a:t>= 0;  </a:t>
-            </a:r>
-            <a:r>
-              <a:rPr lang="fr-FR" sz="1100" dirty="0" smtClean="0">
-                <a:latin typeface="Courier New" panose="02070309020205020404" pitchFamily="49" charset="0"/>
-                <a:cs typeface="Courier New" panose="02070309020205020404" pitchFamily="49" charset="0"/>
-              </a:rPr>
-              <a:t>      // Déclaration de la valeur lue</a:t>
-            </a:r>
-            <a:endParaRPr lang="fr-FR" sz="1100" dirty="0">
-              <a:latin typeface="Courier New" panose="02070309020205020404" pitchFamily="49" charset="0"/>
-              <a:cs typeface="Courier New" panose="02070309020205020404" pitchFamily="49" charset="0"/>
-            </a:endParaRPr>
-          </a:p>
-          <a:p>
-            <a:endParaRPr lang="fr-FR" sz="1100" dirty="0">
-              <a:latin typeface="Courier New" panose="02070309020205020404" pitchFamily="49" charset="0"/>
-              <a:cs typeface="Courier New" panose="02070309020205020404" pitchFamily="49" charset="0"/>
-            </a:endParaRPr>
-          </a:p>
-          <a:p>
-            <a:r>
-              <a:rPr lang="fr-FR" sz="1100" dirty="0" err="1">
-                <a:latin typeface="Courier New" panose="02070309020205020404" pitchFamily="49" charset="0"/>
-                <a:cs typeface="Courier New" panose="02070309020205020404" pitchFamily="49" charset="0"/>
-              </a:rPr>
-              <a:t>void</a:t>
-            </a:r>
-            <a:r>
-              <a:rPr lang="fr-FR" sz="1100" dirty="0">
-                <a:latin typeface="Courier New" panose="02070309020205020404" pitchFamily="49" charset="0"/>
-                <a:cs typeface="Courier New" panose="02070309020205020404" pitchFamily="49" charset="0"/>
-              </a:rPr>
-              <a:t> setup() {</a:t>
-            </a:r>
-          </a:p>
-          <a:p>
-            <a:r>
-              <a:rPr lang="fr-FR" sz="1100" dirty="0" smtClean="0">
-                <a:latin typeface="Courier New" panose="02070309020205020404" pitchFamily="49" charset="0"/>
-                <a:cs typeface="Courier New" panose="02070309020205020404" pitchFamily="49" charset="0"/>
-              </a:rPr>
-              <a:t>  </a:t>
-            </a:r>
-            <a:r>
-              <a:rPr lang="fr-FR" sz="1100" dirty="0" err="1" smtClean="0">
-                <a:latin typeface="Courier New" panose="02070309020205020404" pitchFamily="49" charset="0"/>
-                <a:cs typeface="Courier New" panose="02070309020205020404" pitchFamily="49" charset="0"/>
-              </a:rPr>
-              <a:t>Serial.begin</a:t>
-            </a:r>
-            <a:r>
-              <a:rPr lang="fr-FR" sz="1100" dirty="0" smtClean="0">
-                <a:latin typeface="Courier New" panose="02070309020205020404" pitchFamily="49" charset="0"/>
-                <a:cs typeface="Courier New" panose="02070309020205020404" pitchFamily="49" charset="0"/>
-              </a:rPr>
-              <a:t>(57600);      // ouverture du port série</a:t>
-            </a:r>
-            <a:endParaRPr lang="fr-FR" sz="1100" dirty="0">
-              <a:latin typeface="Courier New" panose="02070309020205020404" pitchFamily="49" charset="0"/>
-              <a:cs typeface="Courier New" panose="02070309020205020404" pitchFamily="49" charset="0"/>
-            </a:endParaRPr>
-          </a:p>
-          <a:p>
-            <a:r>
-              <a:rPr lang="fr-FR" sz="1100" dirty="0">
-                <a:latin typeface="Courier New" panose="02070309020205020404" pitchFamily="49" charset="0"/>
-                <a:cs typeface="Courier New" panose="02070309020205020404" pitchFamily="49" charset="0"/>
-              </a:rPr>
-              <a:t>}</a:t>
-            </a:r>
-          </a:p>
-          <a:p>
-            <a:endParaRPr lang="fr-FR" sz="1100" dirty="0">
-              <a:latin typeface="Courier New" panose="02070309020205020404" pitchFamily="49" charset="0"/>
-              <a:cs typeface="Courier New" panose="02070309020205020404" pitchFamily="49" charset="0"/>
-            </a:endParaRPr>
-          </a:p>
-          <a:p>
-            <a:r>
-              <a:rPr lang="fr-FR" sz="1100" dirty="0" err="1">
-                <a:latin typeface="Courier New" panose="02070309020205020404" pitchFamily="49" charset="0"/>
-                <a:cs typeface="Courier New" panose="02070309020205020404" pitchFamily="49" charset="0"/>
-              </a:rPr>
-              <a:t>void</a:t>
-            </a:r>
-            <a:r>
-              <a:rPr lang="fr-FR" sz="1100" dirty="0">
-                <a:latin typeface="Courier New" panose="02070309020205020404" pitchFamily="49" charset="0"/>
-                <a:cs typeface="Courier New" panose="02070309020205020404" pitchFamily="49" charset="0"/>
-              </a:rPr>
-              <a:t> </a:t>
-            </a:r>
-            <a:r>
-              <a:rPr lang="fr-FR" sz="1100" dirty="0" err="1">
-                <a:latin typeface="Courier New" panose="02070309020205020404" pitchFamily="49" charset="0"/>
-                <a:cs typeface="Courier New" panose="02070309020205020404" pitchFamily="49" charset="0"/>
-              </a:rPr>
-              <a:t>loop</a:t>
-            </a:r>
-            <a:r>
-              <a:rPr lang="fr-FR" sz="1100" dirty="0">
-                <a:latin typeface="Courier New" panose="02070309020205020404" pitchFamily="49" charset="0"/>
-                <a:cs typeface="Courier New" panose="02070309020205020404" pitchFamily="49" charset="0"/>
-              </a:rPr>
-              <a:t>() {</a:t>
-            </a:r>
-          </a:p>
-          <a:p>
-            <a:r>
-              <a:rPr lang="fr-FR" sz="1100" dirty="0" smtClean="0">
-                <a:latin typeface="Courier New" panose="02070309020205020404" pitchFamily="49" charset="0"/>
-                <a:cs typeface="Courier New" panose="02070309020205020404" pitchFamily="49" charset="0"/>
-              </a:rPr>
-              <a:t>  valeur = </a:t>
-            </a:r>
-            <a:r>
-              <a:rPr lang="fr-FR" sz="1100" dirty="0" err="1" smtClean="0">
-                <a:latin typeface="Courier New" panose="02070309020205020404" pitchFamily="49" charset="0"/>
-                <a:cs typeface="Courier New" panose="02070309020205020404" pitchFamily="49" charset="0"/>
-              </a:rPr>
-              <a:t>analogRead</a:t>
-            </a:r>
-            <a:r>
-              <a:rPr lang="fr-FR" sz="1100" dirty="0" smtClean="0">
-                <a:latin typeface="Courier New" panose="02070309020205020404" pitchFamily="49" charset="0"/>
-                <a:cs typeface="Courier New" panose="02070309020205020404" pitchFamily="49" charset="0"/>
-              </a:rPr>
-              <a:t>(</a:t>
-            </a:r>
-            <a:r>
-              <a:rPr lang="fr-FR" sz="1100" dirty="0" err="1" smtClean="0">
-                <a:latin typeface="Courier New" panose="02070309020205020404" pitchFamily="49" charset="0"/>
-                <a:cs typeface="Courier New" panose="02070309020205020404" pitchFamily="49" charset="0"/>
-              </a:rPr>
-              <a:t>IOcapteur</a:t>
-            </a:r>
-            <a:r>
-              <a:rPr lang="fr-FR" sz="1100" dirty="0" smtClean="0">
-                <a:latin typeface="Courier New" panose="02070309020205020404" pitchFamily="49" charset="0"/>
-                <a:cs typeface="Courier New" panose="02070309020205020404" pitchFamily="49" charset="0"/>
-              </a:rPr>
-              <a:t>); // Lecture et affectation de la valeur</a:t>
-            </a:r>
-            <a:endParaRPr lang="fr-FR" sz="1100" dirty="0">
-              <a:latin typeface="Courier New" panose="02070309020205020404" pitchFamily="49" charset="0"/>
-              <a:cs typeface="Courier New" panose="02070309020205020404" pitchFamily="49" charset="0"/>
-            </a:endParaRPr>
-          </a:p>
-          <a:p>
-            <a:r>
-              <a:rPr lang="fr-FR" sz="1100" dirty="0" smtClean="0">
-                <a:latin typeface="Courier New" panose="02070309020205020404" pitchFamily="49" charset="0"/>
-                <a:cs typeface="Courier New" panose="02070309020205020404" pitchFamily="49" charset="0"/>
-              </a:rPr>
-              <a:t>  </a:t>
-            </a:r>
-            <a:r>
-              <a:rPr lang="fr-FR" sz="1100" dirty="0" err="1" smtClean="0">
-                <a:latin typeface="Courier New" panose="02070309020205020404" pitchFamily="49" charset="0"/>
-                <a:cs typeface="Courier New" panose="02070309020205020404" pitchFamily="49" charset="0"/>
-              </a:rPr>
-              <a:t>Serial.print</a:t>
-            </a:r>
-            <a:r>
-              <a:rPr lang="fr-FR" sz="1100" dirty="0" smtClean="0">
-                <a:latin typeface="Courier New" panose="02070309020205020404" pitchFamily="49" charset="0"/>
-                <a:cs typeface="Courier New" panose="02070309020205020404" pitchFamily="49" charset="0"/>
-              </a:rPr>
-              <a:t>(valeur); </a:t>
-            </a:r>
-            <a:r>
-              <a:rPr lang="fr-FR" sz="1100" dirty="0">
-                <a:latin typeface="Courier New" panose="02070309020205020404" pitchFamily="49" charset="0"/>
-                <a:cs typeface="Courier New" panose="02070309020205020404" pitchFamily="49" charset="0"/>
-              </a:rPr>
-              <a:t>// </a:t>
-            </a:r>
-            <a:r>
-              <a:rPr lang="fr-FR" sz="1100" dirty="0" smtClean="0">
-                <a:latin typeface="Courier New" panose="02070309020205020404" pitchFamily="49" charset="0"/>
-                <a:cs typeface="Courier New" panose="02070309020205020404" pitchFamily="49" charset="0"/>
-              </a:rPr>
-              <a:t>Affichage de la </a:t>
-            </a:r>
-            <a:r>
-              <a:rPr lang="fr-FR" sz="1100" dirty="0">
-                <a:latin typeface="Courier New" panose="02070309020205020404" pitchFamily="49" charset="0"/>
-                <a:cs typeface="Courier New" panose="02070309020205020404" pitchFamily="49" charset="0"/>
-              </a:rPr>
-              <a:t>valeur</a:t>
-            </a:r>
-          </a:p>
-          <a:p>
-            <a:r>
-              <a:rPr lang="fr-FR" sz="1100" dirty="0">
-                <a:latin typeface="Courier New" panose="02070309020205020404" pitchFamily="49" charset="0"/>
-                <a:cs typeface="Courier New" panose="02070309020205020404" pitchFamily="49" charset="0"/>
-              </a:rPr>
-              <a:t>  </a:t>
-            </a:r>
-            <a:r>
-              <a:rPr lang="fr-FR" sz="1100" dirty="0" err="1">
-                <a:latin typeface="Courier New" panose="02070309020205020404" pitchFamily="49" charset="0"/>
-                <a:cs typeface="Courier New" panose="02070309020205020404" pitchFamily="49" charset="0"/>
-              </a:rPr>
-              <a:t>Serial.println</a:t>
-            </a:r>
-            <a:r>
-              <a:rPr lang="fr-FR" sz="1100" dirty="0">
-                <a:latin typeface="Courier New" panose="02070309020205020404" pitchFamily="49" charset="0"/>
-                <a:cs typeface="Courier New" panose="02070309020205020404" pitchFamily="49" charset="0"/>
-              </a:rPr>
-              <a:t>();</a:t>
-            </a:r>
-          </a:p>
-          <a:p>
-            <a:r>
-              <a:rPr lang="fr-FR" sz="1100" dirty="0">
-                <a:latin typeface="Courier New" panose="02070309020205020404" pitchFamily="49" charset="0"/>
-                <a:cs typeface="Courier New" panose="02070309020205020404" pitchFamily="49" charset="0"/>
-              </a:rPr>
-              <a:t>}</a:t>
-            </a:r>
-          </a:p>
-        </p:txBody>
-      </p:sp>
-    </p:spTree>
-    <p:extLst>
-      <p:ext uri="{BB962C8B-B14F-4D97-AF65-F5344CB8AC3E}">
-        <p14:creationId xmlns:p14="http://schemas.microsoft.com/office/powerpoint/2010/main" val="1077748783"/>
-      </p:ext>
-    </p:extLst>
-  </p:cSld>
-  <p:clrMapOvr>
-    <a:masterClrMapping/>
-  </p:clrMapOvr>
-</p:sld>
-</file>
-
 <file path=ppt/slides/slide13.xml><?xml version="1.0" encoding="utf-8"?>
 <p:sld xmlns:a="http://schemas.openxmlformats.org/drawingml/2006/main" xmlns:r="http://schemas.openxmlformats.org/officeDocument/2006/relationships" xmlns:p="http://schemas.openxmlformats.org/presentationml/2006/main">
   <p:cSld>
@@ -12127,7 +11823,7 @@
           <a:p>
             <a:r>
               <a:rPr lang="fr-FR" dirty="0" smtClean="0"/>
-              <a:t>Pilotage d’un moteur</a:t>
+              <a:t>Travail à réaliser</a:t>
             </a:r>
             <a:endParaRPr lang="fr-FR" dirty="0"/>
           </a:p>
@@ -12135,12 +11831,12 @@
       </p:sp>
       <p:sp>
         <p:nvSpPr>
-          <p:cNvPr id="3" name="Espace réservé du texte 2"/>
+          <p:cNvPr id="3" name="Espace réservé du contenu 2"/>
           <p:cNvSpPr>
             <a:spLocks noGrp="1"/>
           </p:cNvSpPr>
           <p:nvPr>
-            <p:ph type="body" idx="1"/>
+            <p:ph sz="quarter" idx="1"/>
           </p:nvPr>
         </p:nvSpPr>
         <p:spPr/>
@@ -12148,41 +11844,32 @@
           <a:bodyPr/>
           <a:lstStyle/>
           <a:p>
-            <a:endParaRPr lang="fr-FR"/>
-          </a:p>
-        </p:txBody>
-      </p:sp>
-      <p:sp>
-        <p:nvSpPr>
-          <p:cNvPr id="4" name="Espace réservé du pied de page 3"/>
+            <a:r>
+              <a:rPr lang="fr-FR" dirty="0" smtClean="0"/>
+              <a:t>Réaliser le câblage</a:t>
+            </a:r>
+          </a:p>
+          <a:p>
+            <a:r>
+              <a:rPr lang="fr-FR" dirty="0" smtClean="0"/>
+              <a:t>Écrire et tester le </a:t>
+            </a:r>
+            <a:r>
+              <a:rPr lang="fr-FR" dirty="0" smtClean="0"/>
+              <a:t>programme</a:t>
+            </a:r>
+            <a:endParaRPr lang="fr-FR" dirty="0" smtClean="0"/>
+          </a:p>
+        </p:txBody>
+      </p:sp>
+      <p:sp>
+        <p:nvSpPr>
+          <p:cNvPr id="4" name="Espace réservé du numéro de diapositive 3"/>
           <p:cNvSpPr>
             <a:spLocks noGrp="1"/>
           </p:cNvSpPr>
           <p:nvPr>
-            <p:ph type="ftr" sz="quarter" idx="11"/>
-          </p:nvPr>
-        </p:nvSpPr>
-        <p:spPr/>
-        <p:txBody>
-          <a:bodyPr/>
-          <a:lstStyle/>
-          <a:p>
-            <a:r>
-              <a:rPr lang="fr-BE" smtClean="0"/>
-              <a:t>Xavier Pessoles - Jean-Pierre Pupier</a:t>
-            </a:r>
-            <a:endParaRPr lang="fr-BE"/>
-          </a:p>
-        </p:txBody>
-      </p:sp>
-      <p:sp>
-        <p:nvSpPr>
-          <p:cNvPr id="5" name="Espace réservé du numéro de diapositive 4"/>
-          <p:cNvSpPr>
-            <a:spLocks noGrp="1"/>
-          </p:cNvSpPr>
-          <p:nvPr>
-            <p:ph type="sldNum" sz="quarter" idx="12"/>
+            <p:ph type="sldNum" sz="quarter" idx="15"/>
           </p:nvPr>
         </p:nvSpPr>
         <p:spPr/>
@@ -12199,10 +11886,418 @@
           </a:p>
         </p:txBody>
       </p:sp>
+      <p:sp>
+        <p:nvSpPr>
+          <p:cNvPr id="5" name="Espace réservé du pied de page 4"/>
+          <p:cNvSpPr>
+            <a:spLocks noGrp="1"/>
+          </p:cNvSpPr>
+          <p:nvPr>
+            <p:ph type="ftr" sz="quarter" idx="16"/>
+          </p:nvPr>
+        </p:nvSpPr>
+        <p:spPr/>
+        <p:txBody>
+          <a:bodyPr/>
+          <a:lstStyle/>
+          <a:p>
+            <a:r>
+              <a:rPr lang="fr-BE" smtClean="0"/>
+              <a:t>Xavier Pessoles - Jean-Pierre Pupier</a:t>
+            </a:r>
+            <a:endParaRPr lang="fr-BE"/>
+          </a:p>
+        </p:txBody>
+      </p:sp>
+      <p:sp>
+        <p:nvSpPr>
+          <p:cNvPr id="6" name="ZoneTexte 5"/>
+          <p:cNvSpPr txBox="1"/>
+          <p:nvPr/>
+        </p:nvSpPr>
+        <p:spPr>
+          <a:xfrm>
+            <a:off x="611560" y="4293096"/>
+            <a:ext cx="6624736" cy="2339102"/>
+          </a:xfrm>
+          <a:prstGeom prst="rect">
+            <a:avLst/>
+          </a:prstGeom>
+          <a:noFill/>
+        </p:spPr>
+        <p:txBody>
+          <a:bodyPr wrap="square" rtlCol="0">
+            <a:spAutoFit/>
+          </a:bodyPr>
+          <a:lstStyle/>
+          <a:p>
+            <a:r>
+              <a:rPr lang="fr-FR" sz="1100" dirty="0" err="1">
+                <a:latin typeface="Courier New" panose="02070309020205020404" pitchFamily="49" charset="0"/>
+                <a:cs typeface="Courier New" panose="02070309020205020404" pitchFamily="49" charset="0"/>
+              </a:rPr>
+              <a:t>int</a:t>
+            </a:r>
+            <a:r>
+              <a:rPr lang="fr-FR" sz="1100" dirty="0">
+                <a:latin typeface="Courier New" panose="02070309020205020404" pitchFamily="49" charset="0"/>
+                <a:cs typeface="Courier New" panose="02070309020205020404" pitchFamily="49" charset="0"/>
+              </a:rPr>
+              <a:t> </a:t>
+            </a:r>
+            <a:r>
+              <a:rPr lang="fr-FR" sz="1100" dirty="0" err="1" smtClean="0">
+                <a:latin typeface="Courier New" panose="02070309020205020404" pitchFamily="49" charset="0"/>
+                <a:cs typeface="Courier New" panose="02070309020205020404" pitchFamily="49" charset="0"/>
+              </a:rPr>
+              <a:t>IOcapteur</a:t>
+            </a:r>
+            <a:r>
+              <a:rPr lang="fr-FR" sz="1100" dirty="0" smtClean="0">
+                <a:latin typeface="Courier New" panose="02070309020205020404" pitchFamily="49" charset="0"/>
+                <a:cs typeface="Courier New" panose="02070309020205020404" pitchFamily="49" charset="0"/>
+              </a:rPr>
+              <a:t> </a:t>
+            </a:r>
+            <a:r>
+              <a:rPr lang="fr-FR" sz="1100" dirty="0">
+                <a:latin typeface="Courier New" panose="02070309020205020404" pitchFamily="49" charset="0"/>
+                <a:cs typeface="Courier New" panose="02070309020205020404" pitchFamily="49" charset="0"/>
+              </a:rPr>
+              <a:t>= </a:t>
+            </a:r>
+            <a:r>
+              <a:rPr lang="fr-FR" sz="1100" dirty="0" smtClean="0">
+                <a:latin typeface="Courier New" panose="02070309020205020404" pitchFamily="49" charset="0"/>
+                <a:cs typeface="Courier New" panose="02070309020205020404" pitchFamily="49" charset="0"/>
+              </a:rPr>
+              <a:t>A5;    </a:t>
+            </a:r>
+            <a:r>
+              <a:rPr lang="fr-FR" sz="1100" dirty="0">
+                <a:latin typeface="Courier New" panose="02070309020205020404" pitchFamily="49" charset="0"/>
+                <a:cs typeface="Courier New" panose="02070309020205020404" pitchFamily="49" charset="0"/>
+              </a:rPr>
+              <a:t>// </a:t>
+            </a:r>
+            <a:r>
+              <a:rPr lang="fr-FR" sz="1100" dirty="0" smtClean="0">
+                <a:latin typeface="Courier New" panose="02070309020205020404" pitchFamily="49" charset="0"/>
+                <a:cs typeface="Courier New" panose="02070309020205020404" pitchFamily="49" charset="0"/>
+              </a:rPr>
+              <a:t>Déclaration de l’entrée du potentiomètre</a:t>
+            </a:r>
+            <a:endParaRPr lang="fr-FR" sz="1100" dirty="0">
+              <a:latin typeface="Courier New" panose="02070309020205020404" pitchFamily="49" charset="0"/>
+              <a:cs typeface="Courier New" panose="02070309020205020404" pitchFamily="49" charset="0"/>
+            </a:endParaRPr>
+          </a:p>
+          <a:p>
+            <a:r>
+              <a:rPr lang="fr-FR" sz="1100" dirty="0" err="1" smtClean="0">
+                <a:latin typeface="Courier New" panose="02070309020205020404" pitchFamily="49" charset="0"/>
+                <a:cs typeface="Courier New" panose="02070309020205020404" pitchFamily="49" charset="0"/>
+              </a:rPr>
+              <a:t>int</a:t>
+            </a:r>
+            <a:r>
+              <a:rPr lang="fr-FR" sz="1100" dirty="0" smtClean="0">
+                <a:latin typeface="Courier New" panose="02070309020205020404" pitchFamily="49" charset="0"/>
+                <a:cs typeface="Courier New" panose="02070309020205020404" pitchFamily="49" charset="0"/>
+              </a:rPr>
+              <a:t> valeur </a:t>
+            </a:r>
+            <a:r>
+              <a:rPr lang="fr-FR" sz="1100" dirty="0">
+                <a:latin typeface="Courier New" panose="02070309020205020404" pitchFamily="49" charset="0"/>
+                <a:cs typeface="Courier New" panose="02070309020205020404" pitchFamily="49" charset="0"/>
+              </a:rPr>
+              <a:t>= 0;  </a:t>
+            </a:r>
+            <a:r>
+              <a:rPr lang="fr-FR" sz="1100" dirty="0" smtClean="0">
+                <a:latin typeface="Courier New" panose="02070309020205020404" pitchFamily="49" charset="0"/>
+                <a:cs typeface="Courier New" panose="02070309020205020404" pitchFamily="49" charset="0"/>
+              </a:rPr>
+              <a:t>      // Déclaration de la valeur lue</a:t>
+            </a:r>
+            <a:endParaRPr lang="fr-FR" sz="1100" dirty="0">
+              <a:latin typeface="Courier New" panose="02070309020205020404" pitchFamily="49" charset="0"/>
+              <a:cs typeface="Courier New" panose="02070309020205020404" pitchFamily="49" charset="0"/>
+            </a:endParaRPr>
+          </a:p>
+          <a:p>
+            <a:endParaRPr lang="fr-FR" sz="1100" dirty="0">
+              <a:latin typeface="Courier New" panose="02070309020205020404" pitchFamily="49" charset="0"/>
+              <a:cs typeface="Courier New" panose="02070309020205020404" pitchFamily="49" charset="0"/>
+            </a:endParaRPr>
+          </a:p>
+          <a:p>
+            <a:r>
+              <a:rPr lang="fr-FR" sz="1100" dirty="0" err="1">
+                <a:latin typeface="Courier New" panose="02070309020205020404" pitchFamily="49" charset="0"/>
+                <a:cs typeface="Courier New" panose="02070309020205020404" pitchFamily="49" charset="0"/>
+              </a:rPr>
+              <a:t>void</a:t>
+            </a:r>
+            <a:r>
+              <a:rPr lang="fr-FR" sz="1100" dirty="0">
+                <a:latin typeface="Courier New" panose="02070309020205020404" pitchFamily="49" charset="0"/>
+                <a:cs typeface="Courier New" panose="02070309020205020404" pitchFamily="49" charset="0"/>
+              </a:rPr>
+              <a:t> setup() </a:t>
+            </a:r>
+            <a:r>
+              <a:rPr lang="fr-FR" sz="1100" dirty="0" smtClean="0">
+                <a:latin typeface="Courier New" panose="02070309020205020404" pitchFamily="49" charset="0"/>
+                <a:cs typeface="Courier New" panose="02070309020205020404" pitchFamily="49" charset="0"/>
+              </a:rPr>
+              <a:t>{</a:t>
+            </a:r>
+          </a:p>
+          <a:p>
+            <a:r>
+              <a:rPr lang="fr-FR" sz="1100" dirty="0" smtClean="0">
+                <a:latin typeface="Courier New" panose="02070309020205020404" pitchFamily="49" charset="0"/>
+                <a:cs typeface="Courier New" panose="02070309020205020404" pitchFamily="49" charset="0"/>
+              </a:rPr>
+              <a:t>  </a:t>
+            </a:r>
+            <a:r>
+              <a:rPr lang="en-US" sz="1100" dirty="0" err="1" smtClean="0">
+                <a:latin typeface="Courier New" panose="02070309020205020404" pitchFamily="49" charset="0"/>
+                <a:cs typeface="Courier New" panose="02070309020205020404" pitchFamily="49" charset="0"/>
+              </a:rPr>
+              <a:t>pinMode</a:t>
+            </a:r>
+            <a:r>
+              <a:rPr lang="en-US" sz="1100" dirty="0" smtClean="0">
+                <a:latin typeface="Courier New" panose="02070309020205020404" pitchFamily="49" charset="0"/>
+                <a:cs typeface="Courier New" panose="02070309020205020404" pitchFamily="49" charset="0"/>
+              </a:rPr>
+              <a:t>(</a:t>
+            </a:r>
+            <a:r>
+              <a:rPr lang="en-US" sz="1100" dirty="0" err="1" smtClean="0">
+                <a:latin typeface="Courier New" panose="02070309020205020404" pitchFamily="49" charset="0"/>
+                <a:cs typeface="Courier New" panose="02070309020205020404" pitchFamily="49" charset="0"/>
+              </a:rPr>
+              <a:t>IOcapteur</a:t>
+            </a:r>
+            <a:r>
+              <a:rPr lang="en-US" sz="1100" dirty="0" smtClean="0">
+                <a:latin typeface="Courier New" panose="02070309020205020404" pitchFamily="49" charset="0"/>
+                <a:cs typeface="Courier New" panose="02070309020205020404" pitchFamily="49" charset="0"/>
+              </a:rPr>
+              <a:t>, INTPUT</a:t>
+            </a:r>
+            <a:r>
+              <a:rPr lang="en-US" sz="1100" dirty="0">
+                <a:latin typeface="Courier New" panose="02070309020205020404" pitchFamily="49" charset="0"/>
+                <a:cs typeface="Courier New" panose="02070309020205020404" pitchFamily="49" charset="0"/>
+              </a:rPr>
+              <a:t>);</a:t>
+            </a:r>
+            <a:endParaRPr lang="fr-FR" sz="1100" dirty="0">
+              <a:latin typeface="Courier New" panose="02070309020205020404" pitchFamily="49" charset="0"/>
+              <a:cs typeface="Courier New" panose="02070309020205020404" pitchFamily="49" charset="0"/>
+            </a:endParaRPr>
+          </a:p>
+          <a:p>
+            <a:r>
+              <a:rPr lang="fr-FR" sz="1100" dirty="0" smtClean="0">
+                <a:latin typeface="Courier New" panose="02070309020205020404" pitchFamily="49" charset="0"/>
+                <a:cs typeface="Courier New" panose="02070309020205020404" pitchFamily="49" charset="0"/>
+              </a:rPr>
+              <a:t>  </a:t>
+            </a:r>
+            <a:r>
+              <a:rPr lang="fr-FR" sz="1100" dirty="0" err="1" smtClean="0">
+                <a:latin typeface="Courier New" panose="02070309020205020404" pitchFamily="49" charset="0"/>
+                <a:cs typeface="Courier New" panose="02070309020205020404" pitchFamily="49" charset="0"/>
+              </a:rPr>
+              <a:t>Serial.begin</a:t>
+            </a:r>
+            <a:r>
+              <a:rPr lang="fr-FR" sz="1100" dirty="0" smtClean="0">
+                <a:latin typeface="Courier New" panose="02070309020205020404" pitchFamily="49" charset="0"/>
+                <a:cs typeface="Courier New" panose="02070309020205020404" pitchFamily="49" charset="0"/>
+              </a:rPr>
+              <a:t>(57600);      // ouverture du port série</a:t>
+            </a:r>
+            <a:endParaRPr lang="fr-FR" sz="1100" dirty="0">
+              <a:latin typeface="Courier New" panose="02070309020205020404" pitchFamily="49" charset="0"/>
+              <a:cs typeface="Courier New" panose="02070309020205020404" pitchFamily="49" charset="0"/>
+            </a:endParaRPr>
+          </a:p>
+          <a:p>
+            <a:r>
+              <a:rPr lang="fr-FR" sz="1100" dirty="0">
+                <a:latin typeface="Courier New" panose="02070309020205020404" pitchFamily="49" charset="0"/>
+                <a:cs typeface="Courier New" panose="02070309020205020404" pitchFamily="49" charset="0"/>
+              </a:rPr>
+              <a:t>}</a:t>
+            </a:r>
+          </a:p>
+          <a:p>
+            <a:endParaRPr lang="fr-FR" sz="1100" dirty="0">
+              <a:latin typeface="Courier New" panose="02070309020205020404" pitchFamily="49" charset="0"/>
+              <a:cs typeface="Courier New" panose="02070309020205020404" pitchFamily="49" charset="0"/>
+            </a:endParaRPr>
+          </a:p>
+          <a:p>
+            <a:r>
+              <a:rPr lang="fr-FR" sz="1100" dirty="0" err="1">
+                <a:latin typeface="Courier New" panose="02070309020205020404" pitchFamily="49" charset="0"/>
+                <a:cs typeface="Courier New" panose="02070309020205020404" pitchFamily="49" charset="0"/>
+              </a:rPr>
+              <a:t>void</a:t>
+            </a:r>
+            <a:r>
+              <a:rPr lang="fr-FR" sz="1100" dirty="0">
+                <a:latin typeface="Courier New" panose="02070309020205020404" pitchFamily="49" charset="0"/>
+                <a:cs typeface="Courier New" panose="02070309020205020404" pitchFamily="49" charset="0"/>
+              </a:rPr>
+              <a:t> </a:t>
+            </a:r>
+            <a:r>
+              <a:rPr lang="fr-FR" sz="1100" dirty="0" err="1">
+                <a:latin typeface="Courier New" panose="02070309020205020404" pitchFamily="49" charset="0"/>
+                <a:cs typeface="Courier New" panose="02070309020205020404" pitchFamily="49" charset="0"/>
+              </a:rPr>
+              <a:t>loop</a:t>
+            </a:r>
+            <a:r>
+              <a:rPr lang="fr-FR" sz="1100" dirty="0">
+                <a:latin typeface="Courier New" panose="02070309020205020404" pitchFamily="49" charset="0"/>
+                <a:cs typeface="Courier New" panose="02070309020205020404" pitchFamily="49" charset="0"/>
+              </a:rPr>
+              <a:t>() {</a:t>
+            </a:r>
+          </a:p>
+          <a:p>
+            <a:r>
+              <a:rPr lang="fr-FR" sz="1100" dirty="0" smtClean="0">
+                <a:latin typeface="Courier New" panose="02070309020205020404" pitchFamily="49" charset="0"/>
+                <a:cs typeface="Courier New" panose="02070309020205020404" pitchFamily="49" charset="0"/>
+              </a:rPr>
+              <a:t>  valeur = </a:t>
+            </a:r>
+            <a:r>
+              <a:rPr lang="fr-FR" sz="1100" dirty="0" err="1" smtClean="0">
+                <a:latin typeface="Courier New" panose="02070309020205020404" pitchFamily="49" charset="0"/>
+                <a:cs typeface="Courier New" panose="02070309020205020404" pitchFamily="49" charset="0"/>
+              </a:rPr>
+              <a:t>analogRead</a:t>
+            </a:r>
+            <a:r>
+              <a:rPr lang="fr-FR" sz="1100" dirty="0" smtClean="0">
+                <a:latin typeface="Courier New" panose="02070309020205020404" pitchFamily="49" charset="0"/>
+                <a:cs typeface="Courier New" panose="02070309020205020404" pitchFamily="49" charset="0"/>
+              </a:rPr>
+              <a:t>(</a:t>
+            </a:r>
+            <a:r>
+              <a:rPr lang="fr-FR" sz="1100" dirty="0" err="1" smtClean="0">
+                <a:latin typeface="Courier New" panose="02070309020205020404" pitchFamily="49" charset="0"/>
+                <a:cs typeface="Courier New" panose="02070309020205020404" pitchFamily="49" charset="0"/>
+              </a:rPr>
+              <a:t>IOcapteur</a:t>
+            </a:r>
+            <a:r>
+              <a:rPr lang="fr-FR" sz="1100" dirty="0" smtClean="0">
+                <a:latin typeface="Courier New" panose="02070309020205020404" pitchFamily="49" charset="0"/>
+                <a:cs typeface="Courier New" panose="02070309020205020404" pitchFamily="49" charset="0"/>
+              </a:rPr>
+              <a:t>); // Lecture et affectation de la valeur</a:t>
+            </a:r>
+            <a:endParaRPr lang="fr-FR" sz="1100" dirty="0">
+              <a:latin typeface="Courier New" panose="02070309020205020404" pitchFamily="49" charset="0"/>
+              <a:cs typeface="Courier New" panose="02070309020205020404" pitchFamily="49" charset="0"/>
+            </a:endParaRPr>
+          </a:p>
+          <a:p>
+            <a:r>
+              <a:rPr lang="fr-FR" sz="1100" dirty="0" smtClean="0">
+                <a:latin typeface="Courier New" panose="02070309020205020404" pitchFamily="49" charset="0"/>
+                <a:cs typeface="Courier New" panose="02070309020205020404" pitchFamily="49" charset="0"/>
+              </a:rPr>
+              <a:t>  </a:t>
+            </a:r>
+            <a:r>
+              <a:rPr lang="fr-FR" sz="1100" dirty="0" err="1" smtClean="0">
+                <a:latin typeface="Courier New" panose="02070309020205020404" pitchFamily="49" charset="0"/>
+                <a:cs typeface="Courier New" panose="02070309020205020404" pitchFamily="49" charset="0"/>
+              </a:rPr>
+              <a:t>Serial.print</a:t>
+            </a:r>
+            <a:r>
+              <a:rPr lang="fr-FR" sz="1100" dirty="0" smtClean="0">
+                <a:latin typeface="Courier New" panose="02070309020205020404" pitchFamily="49" charset="0"/>
+                <a:cs typeface="Courier New" panose="02070309020205020404" pitchFamily="49" charset="0"/>
+              </a:rPr>
+              <a:t>(valeur); </a:t>
+            </a:r>
+            <a:r>
+              <a:rPr lang="fr-FR" sz="1100" dirty="0">
+                <a:latin typeface="Courier New" panose="02070309020205020404" pitchFamily="49" charset="0"/>
+                <a:cs typeface="Courier New" panose="02070309020205020404" pitchFamily="49" charset="0"/>
+              </a:rPr>
+              <a:t>// </a:t>
+            </a:r>
+            <a:r>
+              <a:rPr lang="fr-FR" sz="1100" dirty="0" smtClean="0">
+                <a:latin typeface="Courier New" panose="02070309020205020404" pitchFamily="49" charset="0"/>
+                <a:cs typeface="Courier New" panose="02070309020205020404" pitchFamily="49" charset="0"/>
+              </a:rPr>
+              <a:t>Affichage de la </a:t>
+            </a:r>
+            <a:r>
+              <a:rPr lang="fr-FR" sz="1100" dirty="0">
+                <a:latin typeface="Courier New" panose="02070309020205020404" pitchFamily="49" charset="0"/>
+                <a:cs typeface="Courier New" panose="02070309020205020404" pitchFamily="49" charset="0"/>
+              </a:rPr>
+              <a:t>valeur</a:t>
+            </a:r>
+          </a:p>
+          <a:p>
+            <a:r>
+              <a:rPr lang="fr-FR" sz="1100" dirty="0">
+                <a:latin typeface="Courier New" panose="02070309020205020404" pitchFamily="49" charset="0"/>
+                <a:cs typeface="Courier New" panose="02070309020205020404" pitchFamily="49" charset="0"/>
+              </a:rPr>
+              <a:t>  </a:t>
+            </a:r>
+            <a:r>
+              <a:rPr lang="fr-FR" sz="1100" dirty="0" err="1">
+                <a:latin typeface="Courier New" panose="02070309020205020404" pitchFamily="49" charset="0"/>
+                <a:cs typeface="Courier New" panose="02070309020205020404" pitchFamily="49" charset="0"/>
+              </a:rPr>
+              <a:t>Serial.println</a:t>
+            </a:r>
+            <a:r>
+              <a:rPr lang="fr-FR" sz="1100" dirty="0">
+                <a:latin typeface="Courier New" panose="02070309020205020404" pitchFamily="49" charset="0"/>
+                <a:cs typeface="Courier New" panose="02070309020205020404" pitchFamily="49" charset="0"/>
+              </a:rPr>
+              <a:t>();</a:t>
+            </a:r>
+          </a:p>
+          <a:p>
+            <a:r>
+              <a:rPr lang="fr-FR" sz="1100" dirty="0">
+                <a:latin typeface="Courier New" panose="02070309020205020404" pitchFamily="49" charset="0"/>
+                <a:cs typeface="Courier New" panose="02070309020205020404" pitchFamily="49" charset="0"/>
+              </a:rPr>
+              <a:t>}</a:t>
+            </a:r>
+          </a:p>
+        </p:txBody>
+      </p:sp>
     </p:spTree>
     <p:extLst>
       <p:ext uri="{BB962C8B-B14F-4D97-AF65-F5344CB8AC3E}">
-        <p14:creationId xmlns:p14="http://schemas.microsoft.com/office/powerpoint/2010/main" val="3568628440"/>
+        <p14:creationId xmlns:p14="http://schemas.microsoft.com/office/powerpoint/2010/main" val="1077748783"/>
       </p:ext>
     </p:extLst>
   </p:cSld>
@@ -12241,6 +12336,139 @@
         </p:nvSpPr>
         <p:spPr/>
         <p:txBody>
+          <a:bodyPr/>
+          <a:lstStyle/>
+          <a:p>
+            <a:r>
+              <a:rPr lang="fr-FR" dirty="0" smtClean="0"/>
+              <a:t>Pilotage d’un moteur</a:t>
+            </a:r>
+            <a:endParaRPr lang="fr-FR" dirty="0"/>
+          </a:p>
+        </p:txBody>
+      </p:sp>
+      <p:sp>
+        <p:nvSpPr>
+          <p:cNvPr id="3" name="Espace réservé du texte 2"/>
+          <p:cNvSpPr>
+            <a:spLocks noGrp="1"/>
+          </p:cNvSpPr>
+          <p:nvPr>
+            <p:ph type="body" idx="1"/>
+          </p:nvPr>
+        </p:nvSpPr>
+        <p:spPr/>
+        <p:txBody>
+          <a:bodyPr>
+            <a:normAutofit/>
+          </a:bodyPr>
+          <a:lstStyle/>
+          <a:p>
+            <a:r>
+              <a:rPr lang="fr-FR" sz="4000" dirty="0" smtClean="0">
+                <a:solidFill>
+                  <a:srgbClr val="FF0000"/>
+                </a:solidFill>
+              </a:rPr>
+              <a:t>DEBRANCHER LE PORT USB</a:t>
+            </a:r>
+            <a:endParaRPr lang="fr-FR" sz="4000" dirty="0">
+              <a:solidFill>
+                <a:srgbClr val="FF0000"/>
+              </a:solidFill>
+            </a:endParaRPr>
+          </a:p>
+        </p:txBody>
+      </p:sp>
+      <p:sp>
+        <p:nvSpPr>
+          <p:cNvPr id="4" name="Espace réservé du pied de page 3"/>
+          <p:cNvSpPr>
+            <a:spLocks noGrp="1"/>
+          </p:cNvSpPr>
+          <p:nvPr>
+            <p:ph type="ftr" sz="quarter" idx="11"/>
+          </p:nvPr>
+        </p:nvSpPr>
+        <p:spPr/>
+        <p:txBody>
+          <a:bodyPr/>
+          <a:lstStyle/>
+          <a:p>
+            <a:r>
+              <a:rPr lang="fr-BE" smtClean="0"/>
+              <a:t>Xavier Pessoles - Jean-Pierre Pupier</a:t>
+            </a:r>
+            <a:endParaRPr lang="fr-BE"/>
+          </a:p>
+        </p:txBody>
+      </p:sp>
+      <p:sp>
+        <p:nvSpPr>
+          <p:cNvPr id="5" name="Espace réservé du numéro de diapositive 4"/>
+          <p:cNvSpPr>
+            <a:spLocks noGrp="1"/>
+          </p:cNvSpPr>
+          <p:nvPr>
+            <p:ph type="sldNum" sz="quarter" idx="12"/>
+          </p:nvPr>
+        </p:nvSpPr>
+        <p:spPr/>
+        <p:txBody>
+          <a:bodyPr/>
+          <a:lstStyle/>
+          <a:p>
+            <a:fld id="{CF4668DC-857F-487D-BFFA-8C0CA5037977}" type="slidenum">
+              <a:rPr lang="fr-BE" smtClean="0"/>
+              <a:pPr/>
+              <a:t>14</a:t>
+            </a:fld>
+            <a:endParaRPr lang="fr-BE"/>
+          </a:p>
+        </p:txBody>
+      </p:sp>
+    </p:spTree>
+    <p:extLst>
+      <p:ext uri="{BB962C8B-B14F-4D97-AF65-F5344CB8AC3E}">
+        <p14:creationId xmlns:p14="http://schemas.microsoft.com/office/powerpoint/2010/main" val="3568628440"/>
+      </p:ext>
+    </p:extLst>
+  </p:cSld>
+  <p:clrMapOvr>
+    <a:masterClrMapping/>
+  </p:clrMapOvr>
+</p:sld>
+</file>
+
+<file path=ppt/slides/slide15.xml><?xml version="1.0" encoding="utf-8"?>
+<p:sld xmlns:a="http://schemas.openxmlformats.org/drawingml/2006/main" xmlns:r="http://schemas.openxmlformats.org/officeDocument/2006/relationships" xmlns:p="http://schemas.openxmlformats.org/presentationml/2006/main">
+  <p:cSld>
+    <p:spTree>
+      <p:nvGrpSpPr>
+        <p:cNvPr id="1" name=""/>
+        <p:cNvGrpSpPr/>
+        <p:nvPr/>
+      </p:nvGrpSpPr>
+      <p:grpSpPr>
+        <a:xfrm>
+          <a:off x="0" y="0"/>
+          <a:ext cx="0" cy="0"/>
+          <a:chOff x="0" y="0"/>
+          <a:chExt cx="0" cy="0"/>
+        </a:xfrm>
+      </p:grpSpPr>
+      <p:sp>
+        <p:nvSpPr>
+          <p:cNvPr id="2" name="Titre 1"/>
+          <p:cNvSpPr>
+            <a:spLocks noGrp="1"/>
+          </p:cNvSpPr>
+          <p:nvPr>
+            <p:ph type="title"/>
+          </p:nvPr>
+        </p:nvSpPr>
+        <p:spPr/>
+        <p:txBody>
           <a:bodyPr>
             <a:normAutofit fontScale="90000"/>
           </a:bodyPr>
@@ -12496,7 +12724,7 @@
             <a:fld id="{CF4668DC-857F-487D-BFFA-8C0CA5037977}" type="slidenum">
               <a:rPr lang="fr-BE" smtClean="0"/>
               <a:pPr/>
-              <a:t>14</a:t>
+              <a:t>15</a:t>
             </a:fld>
             <a:endParaRPr lang="fr-BE"/>
           </a:p>
@@ -12666,7 +12894,7 @@
 </p:sld>
 </file>
 
-<file path=ppt/slides/slide15.xml><?xml version="1.0" encoding="utf-8"?>
+<file path=ppt/slides/slide16.xml><?xml version="1.0" encoding="utf-8"?>
 <p:sld xmlns:a="http://schemas.openxmlformats.org/drawingml/2006/main" xmlns:r="http://schemas.openxmlformats.org/officeDocument/2006/relationships" xmlns:p="http://schemas.openxmlformats.org/presentationml/2006/main">
   <p:cSld>
     <p:spTree>
@@ -12873,7 +13101,7 @@
             <a:fld id="{CF4668DC-857F-487D-BFFA-8C0CA5037977}" type="slidenum">
               <a:rPr lang="fr-BE" smtClean="0"/>
               <a:pPr/>
-              <a:t>15</a:t>
+              <a:t>16</a:t>
             </a:fld>
             <a:endParaRPr lang="fr-BE"/>
           </a:p>
@@ -12911,7 +13139,7 @@
         <p:spPr>
           <a:xfrm>
             <a:off x="329972" y="4077072"/>
-            <a:ext cx="7698412" cy="2554545"/>
+            <a:ext cx="7698412" cy="2600712"/>
           </a:xfrm>
           <a:prstGeom prst="rect">
             <a:avLst/>
@@ -12939,18 +13167,25 @@
               <a:t> </a:t>
             </a:r>
             <a:r>
-              <a:rPr lang="fr-FR" sz="800" dirty="0" err="1">
+              <a:rPr lang="fr-FR" sz="800" dirty="0" err="1" smtClean="0">
                 <a:latin typeface="Courier New" panose="02070309020205020404" pitchFamily="49" charset="0"/>
                 <a:cs typeface="Courier New" panose="02070309020205020404" pitchFamily="49" charset="0"/>
               </a:rPr>
-              <a:t>ledPin</a:t>
+              <a:t>pwmPin</a:t>
+            </a:r>
+            <a:r>
+              <a:rPr lang="fr-FR" sz="800" dirty="0" smtClean="0">
+                <a:latin typeface="Courier New" panose="02070309020205020404" pitchFamily="49" charset="0"/>
+                <a:cs typeface="Courier New" panose="02070309020205020404" pitchFamily="49" charset="0"/>
+              </a:rPr>
+              <a:t> </a:t>
             </a:r>
             <a:r>
               <a:rPr lang="fr-FR" sz="800" dirty="0">
                 <a:latin typeface="Courier New" panose="02070309020205020404" pitchFamily="49" charset="0"/>
                 <a:cs typeface="Courier New" panose="02070309020205020404" pitchFamily="49" charset="0"/>
               </a:rPr>
-              <a:t> = 11;    // LED </a:t>
+              <a:t>= 11;    // LED </a:t>
             </a:r>
             <a:r>
               <a:rPr lang="fr-FR" sz="800" dirty="0" err="1">
@@ -13000,36 +13235,54 @@
                 <a:latin typeface="Courier New" panose="02070309020205020404" pitchFamily="49" charset="0"/>
                 <a:cs typeface="Courier New" panose="02070309020205020404" pitchFamily="49" charset="0"/>
               </a:rPr>
-              <a:t>  // </a:t>
+              <a:t>  </a:t>
+            </a:r>
+            <a:r>
+              <a:rPr lang="fr-FR" sz="800" dirty="0">
+                <a:latin typeface="Courier New" panose="02070309020205020404" pitchFamily="49" charset="0"/>
+                <a:cs typeface="Courier New" panose="02070309020205020404" pitchFamily="49" charset="0"/>
+              </a:rPr>
+              <a:t> </a:t>
+            </a:r>
+            <a:r>
+              <a:rPr lang="en-US" sz="800" dirty="0" err="1" smtClean="0">
+                <a:latin typeface="Courier New" panose="02070309020205020404" pitchFamily="49" charset="0"/>
+                <a:cs typeface="Courier New" panose="02070309020205020404" pitchFamily="49" charset="0"/>
+              </a:rPr>
+              <a:t>pinMode</a:t>
+            </a:r>
+            <a:r>
+              <a:rPr lang="en-US" sz="800" dirty="0" smtClean="0">
+                <a:latin typeface="Courier New" panose="02070309020205020404" pitchFamily="49" charset="0"/>
+                <a:cs typeface="Courier New" panose="02070309020205020404" pitchFamily="49" charset="0"/>
+              </a:rPr>
+              <a:t>(</a:t>
             </a:r>
             <a:r>
               <a:rPr lang="fr-FR" sz="800" dirty="0" err="1">
                 <a:latin typeface="Courier New" panose="02070309020205020404" pitchFamily="49" charset="0"/>
                 <a:cs typeface="Courier New" panose="02070309020205020404" pitchFamily="49" charset="0"/>
               </a:rPr>
-              <a:t>nothing</a:t>
-            </a:r>
-            <a:r>
-              <a:rPr lang="fr-FR" sz="800" dirty="0">
+              <a:t>pwmPin</a:t>
+            </a:r>
+            <a:r>
+              <a:rPr lang="en-US" sz="800" dirty="0" smtClean="0">
                 <a:latin typeface="Courier New" panose="02070309020205020404" pitchFamily="49" charset="0"/>
                 <a:cs typeface="Courier New" panose="02070309020205020404" pitchFamily="49" charset="0"/>
               </a:rPr>
-              <a:t> </a:t>
-            </a:r>
-            <a:r>
-              <a:rPr lang="fr-FR" sz="800" dirty="0" err="1">
+              <a:t>, OUTPUT);</a:t>
+            </a:r>
+            <a:r>
+              <a:rPr lang="fr-FR" sz="800" dirty="0" smtClean="0">
                 <a:latin typeface="Courier New" panose="02070309020205020404" pitchFamily="49" charset="0"/>
                 <a:cs typeface="Courier New" panose="02070309020205020404" pitchFamily="49" charset="0"/>
               </a:rPr>
-              <a:t>happens</a:t>
-            </a:r>
-            <a:r>
-              <a:rPr lang="fr-FR" sz="800" dirty="0">
-                <a:latin typeface="Courier New" panose="02070309020205020404" pitchFamily="49" charset="0"/>
-                <a:cs typeface="Courier New" panose="02070309020205020404" pitchFamily="49" charset="0"/>
-              </a:rPr>
-              <a:t> in setup </a:t>
-            </a:r>
+              <a:t> </a:t>
+            </a:r>
+            <a:endParaRPr lang="fr-FR" sz="800" dirty="0">
+              <a:latin typeface="Courier New" panose="02070309020205020404" pitchFamily="49" charset="0"/>
+              <a:cs typeface="Courier New" panose="02070309020205020404" pitchFamily="49" charset="0"/>
+            </a:endParaRPr>
           </a:p>
           <a:p>
             <a:r>
@@ -13187,15 +13440,29 @@
                 <a:latin typeface="Courier New" panose="02070309020205020404" pitchFamily="49" charset="0"/>
                 <a:cs typeface="Courier New" panose="02070309020205020404" pitchFamily="49" charset="0"/>
               </a:rPr>
-              <a:t> +=5) { </a:t>
-            </a:r>
-          </a:p>
-          <a:p>
+              <a:t> </a:t>
+            </a:r>
+            <a:r>
+              <a:rPr lang="fr-FR" sz="800" dirty="0" smtClean="0">
+                <a:latin typeface="Courier New" panose="02070309020205020404" pitchFamily="49" charset="0"/>
+                <a:cs typeface="Courier New" panose="02070309020205020404" pitchFamily="49" charset="0"/>
+              </a:rPr>
+              <a:t>+=25</a:t>
+            </a:r>
             <a:r>
               <a:rPr lang="fr-FR" sz="800" dirty="0">
                 <a:latin typeface="Courier New" panose="02070309020205020404" pitchFamily="49" charset="0"/>
                 <a:cs typeface="Courier New" panose="02070309020205020404" pitchFamily="49" charset="0"/>
               </a:rPr>
+              <a:t>) { </a:t>
+            </a:r>
+          </a:p>
+          <a:p>
+            <a:r>
+              <a:rPr lang="fr-FR" sz="800" dirty="0">
+                <a:latin typeface="Courier New" panose="02070309020205020404" pitchFamily="49" charset="0"/>
+                <a:cs typeface="Courier New" panose="02070309020205020404" pitchFamily="49" charset="0"/>
+              </a:rPr>
               <a:t>    // sets the value (range </a:t>
             </a:r>
             <a:r>
@@ -13240,7 +13507,7 @@
                 <a:latin typeface="Courier New" panose="02070309020205020404" pitchFamily="49" charset="0"/>
                 <a:cs typeface="Courier New" panose="02070309020205020404" pitchFamily="49" charset="0"/>
               </a:rPr>
-              <a:t>ledPin</a:t>
+              <a:t>pwmPin</a:t>
             </a:r>
             <a:r>
               <a:rPr lang="fr-FR" sz="800" dirty="0">
@@ -13284,132 +13551,234 @@
                 <a:latin typeface="Courier New" panose="02070309020205020404" pitchFamily="49" charset="0"/>
                 <a:cs typeface="Courier New" panose="02070309020205020404" pitchFamily="49" charset="0"/>
               </a:rPr>
-              <a:t> for 30 </a:t>
+              <a:t> </a:t>
+            </a:r>
+            <a:r>
+              <a:rPr lang="fr-FR" sz="800" dirty="0" smtClean="0">
+                <a:latin typeface="Courier New" panose="02070309020205020404" pitchFamily="49" charset="0"/>
+                <a:cs typeface="Courier New" panose="02070309020205020404" pitchFamily="49" charset="0"/>
+              </a:rPr>
+              <a:t>to </a:t>
             </a:r>
             <a:r>
               <a:rPr lang="fr-FR" sz="800" dirty="0" err="1">
                 <a:latin typeface="Courier New" panose="02070309020205020404" pitchFamily="49" charset="0"/>
                 <a:cs typeface="Courier New" panose="02070309020205020404" pitchFamily="49" charset="0"/>
               </a:rPr>
-              <a:t>milliseconds</a:t>
+              <a:t>see</a:t>
             </a:r>
             <a:r>
               <a:rPr lang="fr-FR" sz="800" dirty="0">
                 <a:latin typeface="Courier New" panose="02070309020205020404" pitchFamily="49" charset="0"/>
                 <a:cs typeface="Courier New" panose="02070309020205020404" pitchFamily="49" charset="0"/>
               </a:rPr>
-              <a:t> to </a:t>
+              <a:t> the </a:t>
             </a:r>
             <a:r>
               <a:rPr lang="fr-FR" sz="800" dirty="0" err="1">
                 <a:latin typeface="Courier New" panose="02070309020205020404" pitchFamily="49" charset="0"/>
                 <a:cs typeface="Courier New" panose="02070309020205020404" pitchFamily="49" charset="0"/>
               </a:rPr>
-              <a:t>see</a:t>
+              <a:t>dimming</a:t>
             </a:r>
             <a:r>
               <a:rPr lang="fr-FR" sz="800" dirty="0">
                 <a:latin typeface="Courier New" panose="02070309020205020404" pitchFamily="49" charset="0"/>
                 <a:cs typeface="Courier New" panose="02070309020205020404" pitchFamily="49" charset="0"/>
               </a:rPr>
-              <a:t> the </a:t>
+              <a:t> </a:t>
             </a:r>
             <a:r>
               <a:rPr lang="fr-FR" sz="800" dirty="0" err="1">
                 <a:latin typeface="Courier New" panose="02070309020205020404" pitchFamily="49" charset="0"/>
                 <a:cs typeface="Courier New" panose="02070309020205020404" pitchFamily="49" charset="0"/>
               </a:rPr>
-              <a:t>dimming</a:t>
+              <a:t>effect</a:t>
             </a:r>
             <a:r>
               <a:rPr lang="fr-FR" sz="800" dirty="0">
                 <a:latin typeface="Courier New" panose="02070309020205020404" pitchFamily="49" charset="0"/>
                 <a:cs typeface="Courier New" panose="02070309020205020404" pitchFamily="49" charset="0"/>
               </a:rPr>
-              <a:t> </a:t>
+              <a:t>    </a:t>
+            </a:r>
+          </a:p>
+          <a:p>
+            <a:r>
+              <a:rPr lang="fr-FR" sz="800" dirty="0">
+                <a:latin typeface="Courier New" panose="02070309020205020404" pitchFamily="49" charset="0"/>
+                <a:cs typeface="Courier New" panose="02070309020205020404" pitchFamily="49" charset="0"/>
+              </a:rPr>
+              <a:t>    </a:t>
+            </a:r>
+            <a:r>
+              <a:rPr lang="fr-FR" sz="800" dirty="0" err="1" smtClean="0">
+                <a:latin typeface="Courier New" panose="02070309020205020404" pitchFamily="49" charset="0"/>
+                <a:cs typeface="Courier New" panose="02070309020205020404" pitchFamily="49" charset="0"/>
+              </a:rPr>
+              <a:t>delay</a:t>
+            </a:r>
+            <a:r>
+              <a:rPr lang="fr-FR" sz="800" dirty="0" smtClean="0">
+                <a:latin typeface="Courier New" panose="02070309020205020404" pitchFamily="49" charset="0"/>
+                <a:cs typeface="Courier New" panose="02070309020205020404" pitchFamily="49" charset="0"/>
+              </a:rPr>
+              <a:t>(500</a:t>
+            </a:r>
+            <a:r>
+              <a:rPr lang="fr-FR" sz="800" dirty="0">
+                <a:latin typeface="Courier New" panose="02070309020205020404" pitchFamily="49" charset="0"/>
+                <a:cs typeface="Courier New" panose="02070309020205020404" pitchFamily="49" charset="0"/>
+              </a:rPr>
+              <a:t>);                            </a:t>
+            </a:r>
+          </a:p>
+          <a:p>
+            <a:r>
+              <a:rPr lang="fr-FR" sz="800" dirty="0">
+                <a:latin typeface="Courier New" panose="02070309020205020404" pitchFamily="49" charset="0"/>
+                <a:cs typeface="Courier New" panose="02070309020205020404" pitchFamily="49" charset="0"/>
+              </a:rPr>
+              <a:t>  } </a:t>
+            </a:r>
+          </a:p>
+          <a:p>
+            <a:r>
+              <a:rPr lang="fr-FR" sz="800" dirty="0">
+                <a:latin typeface="Courier New" panose="02070309020205020404" pitchFamily="49" charset="0"/>
+                <a:cs typeface="Courier New" panose="02070309020205020404" pitchFamily="49" charset="0"/>
+              </a:rPr>
+              <a:t>  // fade out </a:t>
             </a:r>
             <a:r>
               <a:rPr lang="fr-FR" sz="800" dirty="0" err="1">
                 <a:latin typeface="Courier New" panose="02070309020205020404" pitchFamily="49" charset="0"/>
                 <a:cs typeface="Courier New" panose="02070309020205020404" pitchFamily="49" charset="0"/>
               </a:rPr>
-              <a:t>effect</a:t>
+              <a:t>from</a:t>
             </a:r>
             <a:r>
               <a:rPr lang="fr-FR" sz="800" dirty="0">
                 <a:latin typeface="Courier New" panose="02070309020205020404" pitchFamily="49" charset="0"/>
                 <a:cs typeface="Courier New" panose="02070309020205020404" pitchFamily="49" charset="0"/>
               </a:rPr>
-              <a:t>    </a:t>
-            </a:r>
-          </a:p>
-          <a:p>
+              <a:t> max to min in </a:t>
+            </a:r>
+            <a:r>
+              <a:rPr lang="fr-FR" sz="800" dirty="0" err="1">
+                <a:latin typeface="Courier New" panose="02070309020205020404" pitchFamily="49" charset="0"/>
+                <a:cs typeface="Courier New" panose="02070309020205020404" pitchFamily="49" charset="0"/>
+              </a:rPr>
+              <a:t>increments</a:t>
+            </a:r>
             <a:r>
               <a:rPr lang="fr-FR" sz="800" dirty="0">
                 <a:latin typeface="Courier New" panose="02070309020205020404" pitchFamily="49" charset="0"/>
                 <a:cs typeface="Courier New" panose="02070309020205020404" pitchFamily="49" charset="0"/>
               </a:rPr>
-              <a:t>    </a:t>
+              <a:t> of 5 points:</a:t>
+            </a:r>
+          </a:p>
+          <a:p>
+            <a:r>
+              <a:rPr lang="fr-FR" sz="800" dirty="0">
+                <a:latin typeface="Courier New" panose="02070309020205020404" pitchFamily="49" charset="0"/>
+                <a:cs typeface="Courier New" panose="02070309020205020404" pitchFamily="49" charset="0"/>
+              </a:rPr>
+              <a:t>  for(</a:t>
             </a:r>
             <a:r>
               <a:rPr lang="fr-FR" sz="800" dirty="0" err="1">
                 <a:latin typeface="Courier New" panose="02070309020205020404" pitchFamily="49" charset="0"/>
                 <a:cs typeface="Courier New" panose="02070309020205020404" pitchFamily="49" charset="0"/>
               </a:rPr>
-              <a:t>delay</a:t>
+              <a:t>int</a:t>
             </a:r>
             <a:r>
               <a:rPr lang="fr-FR" sz="800" dirty="0">
                 <a:latin typeface="Courier New" panose="02070309020205020404" pitchFamily="49" charset="0"/>
                 <a:cs typeface="Courier New" panose="02070309020205020404" pitchFamily="49" charset="0"/>
               </a:rPr>
-              <a:t>(1000);                            </a:t>
-            </a:r>
-          </a:p>
-          <a:p>
+              <a:t> </a:t>
+            </a:r>
+            <a:r>
+              <a:rPr lang="fr-FR" sz="800" dirty="0" err="1">
+                <a:latin typeface="Courier New" panose="02070309020205020404" pitchFamily="49" charset="0"/>
+                <a:cs typeface="Courier New" panose="02070309020205020404" pitchFamily="49" charset="0"/>
+              </a:rPr>
+              <a:t>fadeValue</a:t>
+            </a:r>
             <a:r>
               <a:rPr lang="fr-FR" sz="800" dirty="0">
                 <a:latin typeface="Courier New" panose="02070309020205020404" pitchFamily="49" charset="0"/>
                 <a:cs typeface="Courier New" panose="02070309020205020404" pitchFamily="49" charset="0"/>
               </a:rPr>
-              <a:t>  } </a:t>
-            </a:r>
-          </a:p>
-          <a:p>
+              <a:t> = 255 ; </a:t>
+            </a:r>
+            <a:r>
+              <a:rPr lang="fr-FR" sz="800" dirty="0" err="1">
+                <a:latin typeface="Courier New" panose="02070309020205020404" pitchFamily="49" charset="0"/>
+                <a:cs typeface="Courier New" panose="02070309020205020404" pitchFamily="49" charset="0"/>
+              </a:rPr>
+              <a:t>fadeValue</a:t>
+            </a:r>
             <a:r>
               <a:rPr lang="fr-FR" sz="800" dirty="0">
                 <a:latin typeface="Courier New" panose="02070309020205020404" pitchFamily="49" charset="0"/>
                 <a:cs typeface="Courier New" panose="02070309020205020404" pitchFamily="49" charset="0"/>
               </a:rPr>
-              <a:t>  // fade out </a:t>
+              <a:t> &gt;= 0; </a:t>
             </a:r>
             <a:r>
               <a:rPr lang="fr-FR" sz="800" dirty="0" err="1">
                 <a:latin typeface="Courier New" panose="02070309020205020404" pitchFamily="49" charset="0"/>
                 <a:cs typeface="Courier New" panose="02070309020205020404" pitchFamily="49" charset="0"/>
               </a:rPr>
-              <a:t>from</a:t>
+              <a:t>fadeValue</a:t>
             </a:r>
             <a:r>
               <a:rPr lang="fr-FR" sz="800" dirty="0">
                 <a:latin typeface="Courier New" panose="02070309020205020404" pitchFamily="49" charset="0"/>
                 <a:cs typeface="Courier New" panose="02070309020205020404" pitchFamily="49" charset="0"/>
               </a:rPr>
-              <a:t> max to min in </a:t>
+              <a:t> </a:t>
+            </a:r>
+            <a:r>
+              <a:rPr lang="fr-FR" sz="800" dirty="0" smtClean="0">
+                <a:latin typeface="Courier New" panose="02070309020205020404" pitchFamily="49" charset="0"/>
+                <a:cs typeface="Courier New" panose="02070309020205020404" pitchFamily="49" charset="0"/>
+              </a:rPr>
+              <a:t>-=25</a:t>
+            </a:r>
+            <a:r>
+              <a:rPr lang="fr-FR" sz="800" dirty="0">
+                <a:latin typeface="Courier New" panose="02070309020205020404" pitchFamily="49" charset="0"/>
+                <a:cs typeface="Courier New" panose="02070309020205020404" pitchFamily="49" charset="0"/>
+              </a:rPr>
+              <a:t>) { </a:t>
+            </a:r>
+          </a:p>
+          <a:p>
+            <a:r>
+              <a:rPr lang="fr-FR" sz="800" dirty="0">
+                <a:latin typeface="Courier New" panose="02070309020205020404" pitchFamily="49" charset="0"/>
+                <a:cs typeface="Courier New" panose="02070309020205020404" pitchFamily="49" charset="0"/>
+              </a:rPr>
+              <a:t>    // sets the value (range </a:t>
             </a:r>
             <a:r>
               <a:rPr lang="fr-FR" sz="800" dirty="0" err="1">
                 <a:latin typeface="Courier New" panose="02070309020205020404" pitchFamily="49" charset="0"/>
                 <a:cs typeface="Courier New" panose="02070309020205020404" pitchFamily="49" charset="0"/>
               </a:rPr>
-              <a:t>increments</a:t>
+              <a:t>from</a:t>
             </a:r>
             <a:r>
               <a:rPr lang="fr-FR" sz="800" dirty="0">
                 <a:latin typeface="Courier New" panose="02070309020205020404" pitchFamily="49" charset="0"/>
                 <a:cs typeface="Courier New" panose="02070309020205020404" pitchFamily="49" charset="0"/>
               </a:rPr>
-              <a:t> of 5 points:</a:t>
+              <a:t> 0 to 255):</a:t>
             </a:r>
           </a:p>
           <a:p>
@@ -13418,35 +13787,35 @@
                 <a:latin typeface="Courier New" panose="02070309020205020404" pitchFamily="49" charset="0"/>
                 <a:cs typeface="Courier New" panose="02070309020205020404" pitchFamily="49" charset="0"/>
               </a:rPr>
-              <a:t>  for(</a:t>
+              <a:t>    </a:t>
             </a:r>
             <a:r>
               <a:rPr lang="fr-FR" sz="800" dirty="0" err="1">
                 <a:latin typeface="Courier New" panose="02070309020205020404" pitchFamily="49" charset="0"/>
                 <a:cs typeface="Courier New" panose="02070309020205020404" pitchFamily="49" charset="0"/>
               </a:rPr>
-              <a:t>int</a:t>
+              <a:t>analogWrite</a:t>
             </a:r>
             <a:r>
               <a:rPr lang="fr-FR" sz="800" dirty="0">
                 <a:latin typeface="Courier New" panose="02070309020205020404" pitchFamily="49" charset="0"/>
                 <a:cs typeface="Courier New" panose="02070309020205020404" pitchFamily="49" charset="0"/>
               </a:rPr>
-              <a:t> </a:t>
+              <a:t>(</a:t>
             </a:r>
             <a:r>
               <a:rPr lang="fr-FR" sz="800" dirty="0" err="1">
                 <a:latin typeface="Courier New" panose="02070309020205020404" pitchFamily="49" charset="0"/>
                 <a:cs typeface="Courier New" panose="02070309020205020404" pitchFamily="49" charset="0"/>
               </a:rPr>
-              <a:t>fadeValue</a:t>
+              <a:t>pwmPin</a:t>
             </a:r>
             <a:r>
               <a:rPr lang="fr-FR" sz="800" dirty="0">
                 <a:latin typeface="Courier New" panose="02070309020205020404" pitchFamily="49" charset="0"/>
                 <a:cs typeface="Courier New" panose="02070309020205020404" pitchFamily="49" charset="0"/>
               </a:rPr>
-              <a:t> = 255 ; </a:t>
+              <a:t>, </a:t>
             </a:r>
             <a:r>
               <a:rPr lang="fr-FR" sz="800" dirty="0" err="1">
@@ -13460,47 +13829,73 @@
                 <a:latin typeface="Courier New" panose="02070309020205020404" pitchFamily="49" charset="0"/>
                 <a:cs typeface="Courier New" panose="02070309020205020404" pitchFamily="49" charset="0"/>
               </a:rPr>
-              <a:t> &gt;= 0; </a:t>
+              <a:t>);         </a:t>
+            </a:r>
+          </a:p>
+          <a:p>
+            <a:r>
+              <a:rPr lang="fr-FR" sz="800" dirty="0">
+                <a:latin typeface="Courier New" panose="02070309020205020404" pitchFamily="49" charset="0"/>
+                <a:cs typeface="Courier New" panose="02070309020205020404" pitchFamily="49" charset="0"/>
+              </a:rPr>
+              <a:t>    // </a:t>
             </a:r>
             <a:r>
               <a:rPr lang="fr-FR" sz="800" dirty="0" err="1">
                 <a:latin typeface="Courier New" panose="02070309020205020404" pitchFamily="49" charset="0"/>
                 <a:cs typeface="Courier New" panose="02070309020205020404" pitchFamily="49" charset="0"/>
               </a:rPr>
-              <a:t>fadeValue</a:t>
+              <a:t>wait</a:t>
             </a:r>
             <a:r>
               <a:rPr lang="fr-FR" sz="800" dirty="0">
                 <a:latin typeface="Courier New" panose="02070309020205020404" pitchFamily="49" charset="0"/>
                 <a:cs typeface="Courier New" panose="02070309020205020404" pitchFamily="49" charset="0"/>
               </a:rPr>
-              <a:t> -=5) { </a:t>
-            </a:r>
-          </a:p>
-          <a:p>
+              <a:t> </a:t>
+            </a:r>
+            <a:r>
+              <a:rPr lang="fr-FR" sz="800" dirty="0" smtClean="0">
+                <a:latin typeface="Courier New" panose="02070309020205020404" pitchFamily="49" charset="0"/>
+                <a:cs typeface="Courier New" panose="02070309020205020404" pitchFamily="49" charset="0"/>
+              </a:rPr>
+              <a:t>to </a:t>
+            </a:r>
+            <a:r>
+              <a:rPr lang="fr-FR" sz="800" dirty="0" err="1">
+                <a:latin typeface="Courier New" panose="02070309020205020404" pitchFamily="49" charset="0"/>
+                <a:cs typeface="Courier New" panose="02070309020205020404" pitchFamily="49" charset="0"/>
+              </a:rPr>
+              <a:t>see</a:t>
+            </a:r>
             <a:r>
               <a:rPr lang="fr-FR" sz="800" dirty="0">
                 <a:latin typeface="Courier New" panose="02070309020205020404" pitchFamily="49" charset="0"/>
                 <a:cs typeface="Courier New" panose="02070309020205020404" pitchFamily="49" charset="0"/>
               </a:rPr>
-              <a:t>    // sets the value (range </a:t>
+              <a:t> the </a:t>
             </a:r>
             <a:r>
               <a:rPr lang="fr-FR" sz="800" dirty="0" err="1">
                 <a:latin typeface="Courier New" panose="02070309020205020404" pitchFamily="49" charset="0"/>
                 <a:cs typeface="Courier New" panose="02070309020205020404" pitchFamily="49" charset="0"/>
               </a:rPr>
-              <a:t>from</a:t>
+              <a:t>dimming</a:t>
             </a:r>
             <a:r>
               <a:rPr lang="fr-FR" sz="800" dirty="0">
                 <a:latin typeface="Courier New" panose="02070309020205020404" pitchFamily="49" charset="0"/>
                 <a:cs typeface="Courier New" panose="02070309020205020404" pitchFamily="49" charset="0"/>
               </a:rPr>
-              <a:t> 0 to 255):</a:t>
-            </a:r>
-          </a:p>
-          <a:p>
+              <a:t> </a:t>
+            </a:r>
+            <a:r>
+              <a:rPr lang="fr-FR" sz="800" dirty="0" err="1">
+                <a:latin typeface="Courier New" panose="02070309020205020404" pitchFamily="49" charset="0"/>
+                <a:cs typeface="Courier New" panose="02070309020205020404" pitchFamily="49" charset="0"/>
+              </a:rPr>
+              <a:t>effect</a:t>
+            </a:r>
             <a:r>
               <a:rPr lang="fr-FR" sz="800" dirty="0">
                 <a:latin typeface="Courier New" panose="02070309020205020404" pitchFamily="49" charset="0"/>
@@ -13508,149 +13903,35 @@
               </a:rPr>
               <a:t>    </a:t>
             </a:r>
-            <a:r>
-              <a:rPr lang="fr-FR" sz="800" dirty="0" err="1">
-                <a:latin typeface="Courier New" panose="02070309020205020404" pitchFamily="49" charset="0"/>
-                <a:cs typeface="Courier New" panose="02070309020205020404" pitchFamily="49" charset="0"/>
-              </a:rPr>
-              <a:t>analogWrite</a:t>
-            </a:r>
+          </a:p>
+          <a:p>
             <a:r>
               <a:rPr lang="fr-FR" sz="800" dirty="0">
                 <a:latin typeface="Courier New" panose="02070309020205020404" pitchFamily="49" charset="0"/>
                 <a:cs typeface="Courier New" panose="02070309020205020404" pitchFamily="49" charset="0"/>
               </a:rPr>
-              <a:t>(</a:t>
-            </a:r>
-            <a:r>
-              <a:rPr lang="fr-FR" sz="800" dirty="0" err="1">
+              <a:t>    </a:t>
+            </a:r>
+            <a:r>
+              <a:rPr lang="fr-FR" sz="800" dirty="0" err="1" smtClean="0">
                 <a:latin typeface="Courier New" panose="02070309020205020404" pitchFamily="49" charset="0"/>
                 <a:cs typeface="Courier New" panose="02070309020205020404" pitchFamily="49" charset="0"/>
               </a:rPr>
-              <a:t>ledPin</a:t>
+              <a:t>delay</a:t>
+            </a:r>
+            <a:r>
+              <a:rPr lang="fr-FR" sz="800" dirty="0" smtClean="0">
+                <a:latin typeface="Courier New" panose="02070309020205020404" pitchFamily="49" charset="0"/>
+                <a:cs typeface="Courier New" panose="02070309020205020404" pitchFamily="49" charset="0"/>
+              </a:rPr>
+              <a:t>(500</a:t>
             </a:r>
             <a:r>
               <a:rPr lang="fr-FR" sz="800" dirty="0">
                 <a:latin typeface="Courier New" panose="02070309020205020404" pitchFamily="49" charset="0"/>
                 <a:cs typeface="Courier New" panose="02070309020205020404" pitchFamily="49" charset="0"/>
               </a:rPr>
-              <a:t>, </a:t>
-            </a:r>
-            <a:r>
-              <a:rPr lang="fr-FR" sz="800" dirty="0" err="1">
-                <a:latin typeface="Courier New" panose="02070309020205020404" pitchFamily="49" charset="0"/>
-                <a:cs typeface="Courier New" panose="02070309020205020404" pitchFamily="49" charset="0"/>
-              </a:rPr>
-              <a:t>fadeValue</a:t>
-            </a:r>
-            <a:r>
-              <a:rPr lang="fr-FR" sz="800" dirty="0">
-                <a:latin typeface="Courier New" panose="02070309020205020404" pitchFamily="49" charset="0"/>
-                <a:cs typeface="Courier New" panose="02070309020205020404" pitchFamily="49" charset="0"/>
-              </a:rPr>
-              <a:t>);         </a:t>
-            </a:r>
-          </a:p>
-          <a:p>
-            <a:r>
-              <a:rPr lang="fr-FR" sz="800" dirty="0">
-                <a:latin typeface="Courier New" panose="02070309020205020404" pitchFamily="49" charset="0"/>
-                <a:cs typeface="Courier New" panose="02070309020205020404" pitchFamily="49" charset="0"/>
-              </a:rPr>
-              <a:t>    // </a:t>
-            </a:r>
-            <a:r>
-              <a:rPr lang="fr-FR" sz="800" dirty="0" err="1">
-                <a:latin typeface="Courier New" panose="02070309020205020404" pitchFamily="49" charset="0"/>
-                <a:cs typeface="Courier New" panose="02070309020205020404" pitchFamily="49" charset="0"/>
-              </a:rPr>
-              <a:t>wait</a:t>
-            </a:r>
-            <a:r>
-              <a:rPr lang="fr-FR" sz="800" dirty="0">
-                <a:latin typeface="Courier New" panose="02070309020205020404" pitchFamily="49" charset="0"/>
-                <a:cs typeface="Courier New" panose="02070309020205020404" pitchFamily="49" charset="0"/>
-              </a:rPr>
-              <a:t> for 30 </a:t>
-            </a:r>
-            <a:r>
-              <a:rPr lang="fr-FR" sz="800" dirty="0" err="1">
-                <a:latin typeface="Courier New" panose="02070309020205020404" pitchFamily="49" charset="0"/>
-                <a:cs typeface="Courier New" panose="02070309020205020404" pitchFamily="49" charset="0"/>
-              </a:rPr>
-              <a:t>milliseconds</a:t>
-            </a:r>
-            <a:r>
-              <a:rPr lang="fr-FR" sz="800" dirty="0">
-                <a:latin typeface="Courier New" panose="02070309020205020404" pitchFamily="49" charset="0"/>
-                <a:cs typeface="Courier New" panose="02070309020205020404" pitchFamily="49" charset="0"/>
-              </a:rPr>
-              <a:t> to </a:t>
-            </a:r>
-            <a:r>
-              <a:rPr lang="fr-FR" sz="800" dirty="0" err="1">
-                <a:latin typeface="Courier New" panose="02070309020205020404" pitchFamily="49" charset="0"/>
-                <a:cs typeface="Courier New" panose="02070309020205020404" pitchFamily="49" charset="0"/>
-              </a:rPr>
-              <a:t>see</a:t>
-            </a:r>
-            <a:r>
-              <a:rPr lang="fr-FR" sz="800" dirty="0">
-                <a:latin typeface="Courier New" panose="02070309020205020404" pitchFamily="49" charset="0"/>
-                <a:cs typeface="Courier New" panose="02070309020205020404" pitchFamily="49" charset="0"/>
-              </a:rPr>
-              <a:t> the </a:t>
-            </a:r>
-            <a:r>
-              <a:rPr lang="fr-FR" sz="800" dirty="0" err="1">
-                <a:latin typeface="Courier New" panose="02070309020205020404" pitchFamily="49" charset="0"/>
-                <a:cs typeface="Courier New" panose="02070309020205020404" pitchFamily="49" charset="0"/>
-              </a:rPr>
-              <a:t>dimming</a:t>
-            </a:r>
-            <a:r>
-              <a:rPr lang="fr-FR" sz="800" dirty="0">
-                <a:latin typeface="Courier New" panose="02070309020205020404" pitchFamily="49" charset="0"/>
-                <a:cs typeface="Courier New" panose="02070309020205020404" pitchFamily="49" charset="0"/>
-              </a:rPr>
-              <a:t> </a:t>
-            </a:r>
-            <a:r>
-              <a:rPr lang="fr-FR" sz="800" dirty="0" err="1">
-                <a:latin typeface="Courier New" panose="02070309020205020404" pitchFamily="49" charset="0"/>
-                <a:cs typeface="Courier New" panose="02070309020205020404" pitchFamily="49" charset="0"/>
-              </a:rPr>
-              <a:t>effect</a:t>
-            </a:r>
-            <a:r>
-              <a:rPr lang="fr-FR" sz="800" dirty="0">
-                <a:latin typeface="Courier New" panose="02070309020205020404" pitchFamily="49" charset="0"/>
-                <a:cs typeface="Courier New" panose="02070309020205020404" pitchFamily="49" charset="0"/>
-              </a:rPr>
-              <a:t>    </a:t>
-            </a:r>
-          </a:p>
-          <a:p>
-            <a:r>
-              <a:rPr lang="fr-FR" sz="800" dirty="0">
-                <a:latin typeface="Courier New" panose="02070309020205020404" pitchFamily="49" charset="0"/>
-                <a:cs typeface="Courier New" panose="02070309020205020404" pitchFamily="49" charset="0"/>
-              </a:rPr>
-              <a:t>    </a:t>
-            </a:r>
-            <a:r>
-              <a:rPr lang="fr-FR" sz="800" dirty="0" err="1">
-                <a:latin typeface="Courier New" panose="02070309020205020404" pitchFamily="49" charset="0"/>
-                <a:cs typeface="Courier New" panose="02070309020205020404" pitchFamily="49" charset="0"/>
-              </a:rPr>
-              <a:t>delay</a:t>
-            </a:r>
-            <a:r>
-              <a:rPr lang="fr-FR" sz="800" dirty="0">
-                <a:latin typeface="Courier New" panose="02070309020205020404" pitchFamily="49" charset="0"/>
-                <a:cs typeface="Courier New" panose="02070309020205020404" pitchFamily="49" charset="0"/>
-              </a:rPr>
-              <a:t>(100);                            </a:t>
+              <a:t>);                            </a:t>
             </a:r>
           </a:p>
           <a:p>
@@ -13727,152 +14008,6 @@
 </p:sld>
 </file>
 
-<file path=ppt/slides/slide16.xml><?xml version="1.0" encoding="utf-8"?>
-<p:sld xmlns:a="http://schemas.openxmlformats.org/drawingml/2006/main" xmlns:r="http://schemas.openxmlformats.org/officeDocument/2006/relationships" xmlns:p="http://schemas.openxmlformats.org/presentationml/2006/main">
-  <p:cSld>
-    <p:spTree>
-      <p:nvGrpSpPr>
-        <p:cNvPr id="1" name=""/>
-        <p:cNvGrpSpPr/>
-        <p:nvPr/>
-      </p:nvGrpSpPr>
-      <p:grpSpPr>
-        <a:xfrm>
-          <a:off x="0" y="0"/>
-          <a:ext cx="0" cy="0"/>
-          <a:chOff x="0" y="0"/>
-          <a:chExt cx="0" cy="0"/>
-        </a:xfrm>
-      </p:grpSpPr>
-      <p:sp>
-        <p:nvSpPr>
-          <p:cNvPr id="2" name="Titre 1"/>
-          <p:cNvSpPr>
-            <a:spLocks noGrp="1"/>
-          </p:cNvSpPr>
-          <p:nvPr>
-            <p:ph type="title"/>
-          </p:nvPr>
-        </p:nvSpPr>
-        <p:spPr/>
-        <p:txBody>
-          <a:bodyPr>
-            <a:normAutofit fontScale="90000"/>
-          </a:bodyPr>
-          <a:lstStyle/>
-          <a:p>
-            <a:r>
-              <a:rPr lang="fr-FR" dirty="0"/>
-              <a:t>Pilotage d’un moteur</a:t>
-            </a:r>
-            <a:br>
-              <a:rPr lang="fr-FR" dirty="0"/>
-            </a:br>
-            <a:r>
-              <a:rPr lang="fr-FR" dirty="0" smtClean="0"/>
-              <a:t>Travail à réaliser</a:t>
-            </a:r>
-            <a:endParaRPr lang="fr-FR" dirty="0"/>
-          </a:p>
-        </p:txBody>
-      </p:sp>
-      <p:sp>
-        <p:nvSpPr>
-          <p:cNvPr id="3" name="Espace réservé du contenu 2"/>
-          <p:cNvSpPr>
-            <a:spLocks noGrp="1"/>
-          </p:cNvSpPr>
-          <p:nvPr>
-            <p:ph sz="quarter" idx="1"/>
-          </p:nvPr>
-        </p:nvSpPr>
-        <p:spPr/>
-        <p:txBody>
-          <a:bodyPr/>
-          <a:lstStyle/>
-          <a:p>
-            <a:r>
-              <a:rPr lang="fr-FR" dirty="0" smtClean="0"/>
-              <a:t>Câbler et saisir le programme.</a:t>
-            </a:r>
-          </a:p>
-          <a:p>
-            <a:r>
-              <a:rPr lang="fr-FR" dirty="0" smtClean="0"/>
-              <a:t>Expliquer le déroulement du programme.</a:t>
-            </a:r>
-          </a:p>
-          <a:p>
-            <a:r>
-              <a:rPr lang="fr-FR" dirty="0" smtClean="0"/>
-              <a:t>Tester le programme</a:t>
-            </a:r>
-          </a:p>
-          <a:p>
-            <a:endParaRPr lang="fr-FR" dirty="0"/>
-          </a:p>
-        </p:txBody>
-      </p:sp>
-      <p:sp>
-        <p:nvSpPr>
-          <p:cNvPr id="4" name="Espace réservé du numéro de diapositive 3"/>
-          <p:cNvSpPr>
-            <a:spLocks noGrp="1"/>
-          </p:cNvSpPr>
-          <p:nvPr>
-            <p:ph type="sldNum" sz="quarter" idx="15"/>
-          </p:nvPr>
-        </p:nvSpPr>
-        <p:spPr/>
-        <p:txBody>
-          <a:bodyPr/>
-          <a:lstStyle/>
-          <a:p>
-            <a:fld id="{CF4668DC-857F-487D-BFFA-8C0CA5037977}" type="slidenum">
-              <a:rPr lang="fr-BE" smtClean="0"/>
-              <a:pPr/>
-              <a:t>16</a:t>
-            </a:fld>
-            <a:endParaRPr lang="fr-BE"/>
-          </a:p>
-        </p:txBody>
-      </p:sp>
-      <p:sp>
-        <p:nvSpPr>
-          <p:cNvPr id="5" name="Espace réservé du pied de page 4"/>
-          <p:cNvSpPr>
-            <a:spLocks noGrp="1"/>
-          </p:cNvSpPr>
-          <p:nvPr>
-            <p:ph type="ftr" sz="quarter" idx="16"/>
-          </p:nvPr>
-        </p:nvSpPr>
-        <p:spPr/>
-        <p:txBody>
-          <a:bodyPr/>
-          <a:lstStyle/>
-          <a:p>
-            <a:r>
-              <a:rPr lang="fr-BE" smtClean="0"/>
-              <a:t>Xavier Pessoles - Jean-Pierre Pupier</a:t>
-            </a:r>
-            <a:endParaRPr lang="fr-BE"/>
-          </a:p>
-        </p:txBody>
-      </p:sp>
-    </p:spTree>
-    <p:extLst>
-      <p:ext uri="{BB962C8B-B14F-4D97-AF65-F5344CB8AC3E}">
-        <p14:creationId xmlns:p14="http://schemas.microsoft.com/office/powerpoint/2010/main" val="4121254806"/>
-      </p:ext>
-    </p:extLst>
-  </p:cSld>
-  <p:clrMapOvr>
-    <a:masterClrMapping/>
-  </p:clrMapOvr>
-</p:sld>
-</file>
-
 <file path=ppt/slides/slide17.xml><?xml version="1.0" encoding="utf-8"?>
 <p:sld xmlns:a="http://schemas.openxmlformats.org/drawingml/2006/main" xmlns:r="http://schemas.openxmlformats.org/officeDocument/2006/relationships" xmlns:p="http://schemas.openxmlformats.org/presentationml/2006/main">
   <p:cSld>
@@ -13902,12 +14037,21 @@
         </p:nvSpPr>
         <p:spPr/>
         <p:txBody>
-          <a:bodyPr/>
+          <a:bodyPr>
+            <a:normAutofit fontScale="90000"/>
+          </a:bodyPr>
           <a:lstStyle/>
           <a:p>
             <a:r>
+              <a:rPr lang="fr-FR" dirty="0"/>
+              <a:t>Pilotage d’un moteur</a:t>
+            </a:r>
+            <a:br>
+              <a:rPr lang="fr-FR" dirty="0"/>
+            </a:br>
+            <a:r>
               <a:rPr lang="fr-FR" dirty="0" smtClean="0"/>
-              <a:t>Pilotage d’un moteur en boucle ouverte</a:t>
+              <a:t>Travail à réaliser</a:t>
             </a:r>
             <a:endParaRPr lang="fr-FR" dirty="0"/>
           </a:p>
@@ -13915,12 +14059,12 @@
       </p:sp>
       <p:sp>
         <p:nvSpPr>
-          <p:cNvPr id="3" name="Espace réservé du texte 2"/>
+          <p:cNvPr id="3" name="Espace réservé du contenu 2"/>
           <p:cNvSpPr>
             <a:spLocks noGrp="1"/>
           </p:cNvSpPr>
           <p:nvPr>
-            <p:ph type="body" idx="1"/>
+            <p:ph sz="quarter" idx="1"/>
           </p:nvPr>
         </p:nvSpPr>
         <p:spPr/>
@@ -13928,41 +14072,36 @@
           <a:bodyPr/>
           <a:lstStyle/>
           <a:p>
-            <a:endParaRPr lang="fr-FR"/>
-          </a:p>
-        </p:txBody>
-      </p:sp>
-      <p:sp>
-        <p:nvSpPr>
-          <p:cNvPr id="4" name="Espace réservé du pied de page 3"/>
+            <a:r>
+              <a:rPr lang="fr-FR" dirty="0" smtClean="0"/>
+              <a:t>Câbler et saisir le programme.</a:t>
+            </a:r>
+          </a:p>
+          <a:p>
+            <a:r>
+              <a:rPr lang="fr-FR" dirty="0" smtClean="0"/>
+              <a:t>Expliquer le déroulement du programme.</a:t>
+            </a:r>
+          </a:p>
+          <a:p>
+            <a:r>
+              <a:rPr lang="fr-FR" dirty="0" smtClean="0"/>
+              <a:t>Tester le programme</a:t>
+            </a:r>
+          </a:p>
+          <a:p>
+            <a:endParaRPr lang="fr-FR" dirty="0"/>
+          </a:p>
+        </p:txBody>
+      </p:sp>
+      <p:sp>
+        <p:nvSpPr>
+          <p:cNvPr id="4" name="Espace réservé du numéro de diapositive 3"/>
           <p:cNvSpPr>
             <a:spLocks noGrp="1"/>
           </p:cNvSpPr>
           <p:nvPr>
-            <p:ph type="ftr" sz="quarter" idx="11"/>
-          </p:nvPr>
-        </p:nvSpPr>
-        <p:spPr/>
-        <p:txBody>
-          <a:bodyPr/>
-          <a:lstStyle/>
-          <a:p>
-            <a:r>
-              <a:rPr lang="fr-BE" smtClean="0"/>
-              <a:t>Xavier Pessoles - Jean-Pierre Pupier</a:t>
-            </a:r>
-            <a:endParaRPr lang="fr-BE"/>
-          </a:p>
-        </p:txBody>
-      </p:sp>
-      <p:sp>
-        <p:nvSpPr>
-          <p:cNvPr id="5" name="Espace réservé du numéro de diapositive 4"/>
-          <p:cNvSpPr>
-            <a:spLocks noGrp="1"/>
-          </p:cNvSpPr>
-          <p:nvPr>
-            <p:ph type="sldNum" sz="quarter" idx="12"/>
+            <p:ph type="sldNum" sz="quarter" idx="15"/>
           </p:nvPr>
         </p:nvSpPr>
         <p:spPr/>
@@ -13979,10 +14118,33 @@
           </a:p>
         </p:txBody>
       </p:sp>
+      <p:sp>
+        <p:nvSpPr>
+          <p:cNvPr id="5" name="Espace réservé du pied de page 4"/>
+          <p:cNvSpPr>
+            <a:spLocks noGrp="1"/>
+          </p:cNvSpPr>
+          <p:nvPr>
+            <p:ph type="ftr" sz="quarter" idx="16"/>
+          </p:nvPr>
+        </p:nvSpPr>
+        <p:spPr/>
+        <p:txBody>
+          <a:bodyPr/>
+          <a:lstStyle/>
+          <a:p>
+            <a:r>
+              <a:rPr lang="fr-BE" smtClean="0"/>
+              <a:t>Xavier Pessoles - Jean-Pierre Pupier</a:t>
+            </a:r>
+            <a:endParaRPr lang="fr-BE"/>
+          </a:p>
+        </p:txBody>
+      </p:sp>
     </p:spTree>
     <p:extLst>
       <p:ext uri="{BB962C8B-B14F-4D97-AF65-F5344CB8AC3E}">
-        <p14:creationId xmlns:p14="http://schemas.microsoft.com/office/powerpoint/2010/main" val="3547600117"/>
+        <p14:creationId xmlns:p14="http://schemas.microsoft.com/office/powerpoint/2010/main" val="4121254806"/>
       </p:ext>
     </p:extLst>
   </p:cSld>
@@ -14011,6 +14173,147 @@
       </p:grpSpPr>
       <p:sp>
         <p:nvSpPr>
+          <p:cNvPr id="2" name="Titre 1"/>
+          <p:cNvSpPr>
+            <a:spLocks noGrp="1"/>
+          </p:cNvSpPr>
+          <p:nvPr>
+            <p:ph type="title"/>
+          </p:nvPr>
+        </p:nvSpPr>
+        <p:spPr/>
+        <p:txBody>
+          <a:bodyPr/>
+          <a:lstStyle/>
+          <a:p>
+            <a:r>
+              <a:rPr lang="fr-FR" dirty="0" smtClean="0"/>
+              <a:t>Pilotage d’un moteur en boucle ouverte</a:t>
+            </a:r>
+            <a:endParaRPr lang="fr-FR" dirty="0"/>
+          </a:p>
+        </p:txBody>
+      </p:sp>
+      <p:sp>
+        <p:nvSpPr>
+          <p:cNvPr id="3" name="Espace réservé du texte 2"/>
+          <p:cNvSpPr>
+            <a:spLocks noGrp="1"/>
+          </p:cNvSpPr>
+          <p:nvPr>
+            <p:ph type="body" idx="1"/>
+          </p:nvPr>
+        </p:nvSpPr>
+        <p:spPr/>
+        <p:txBody>
+          <a:bodyPr>
+            <a:normAutofit/>
+          </a:bodyPr>
+          <a:lstStyle/>
+          <a:p>
+            <a:r>
+              <a:rPr lang="fr-FR" sz="3200" dirty="0">
+                <a:solidFill>
+                  <a:srgbClr val="FF0000"/>
+                </a:solidFill>
+              </a:rPr>
+              <a:t>DEBRANCHER LE PORT </a:t>
+            </a:r>
+            <a:r>
+              <a:rPr lang="fr-FR" sz="3200" dirty="0" smtClean="0">
+                <a:solidFill>
+                  <a:srgbClr val="FF0000"/>
+                </a:solidFill>
+              </a:rPr>
+              <a:t>USB</a:t>
+            </a:r>
+            <a:endParaRPr lang="fr-FR" sz="3200" dirty="0">
+              <a:solidFill>
+                <a:srgbClr val="FF0000"/>
+              </a:solidFill>
+            </a:endParaRPr>
+          </a:p>
+        </p:txBody>
+      </p:sp>
+      <p:sp>
+        <p:nvSpPr>
+          <p:cNvPr id="4" name="Espace réservé du pied de page 3"/>
+          <p:cNvSpPr>
+            <a:spLocks noGrp="1"/>
+          </p:cNvSpPr>
+          <p:nvPr>
+            <p:ph type="ftr" sz="quarter" idx="11"/>
+          </p:nvPr>
+        </p:nvSpPr>
+        <p:spPr/>
+        <p:txBody>
+          <a:bodyPr/>
+          <a:lstStyle/>
+          <a:p>
+            <a:r>
+              <a:rPr lang="fr-BE" smtClean="0"/>
+              <a:t>Xavier Pessoles - Jean-Pierre Pupier</a:t>
+            </a:r>
+            <a:endParaRPr lang="fr-BE"/>
+          </a:p>
+        </p:txBody>
+      </p:sp>
+      <p:sp>
+        <p:nvSpPr>
+          <p:cNvPr id="5" name="Espace réservé du numéro de diapositive 4"/>
+          <p:cNvSpPr>
+            <a:spLocks noGrp="1"/>
+          </p:cNvSpPr>
+          <p:nvPr>
+            <p:ph type="sldNum" sz="quarter" idx="12"/>
+          </p:nvPr>
+        </p:nvSpPr>
+        <p:spPr/>
+        <p:txBody>
+          <a:bodyPr/>
+          <a:lstStyle/>
+          <a:p>
+            <a:fld id="{CF4668DC-857F-487D-BFFA-8C0CA5037977}" type="slidenum">
+              <a:rPr lang="fr-BE" smtClean="0"/>
+              <a:pPr/>
+              <a:t>18</a:t>
+            </a:fld>
+            <a:endParaRPr lang="fr-BE"/>
+          </a:p>
+        </p:txBody>
+      </p:sp>
+    </p:spTree>
+    <p:extLst>
+      <p:ext uri="{BB962C8B-B14F-4D97-AF65-F5344CB8AC3E}">
+        <p14:creationId xmlns:p14="http://schemas.microsoft.com/office/powerpoint/2010/main" val="3547600117"/>
+      </p:ext>
+    </p:extLst>
+  </p:cSld>
+  <p:clrMapOvr>
+    <a:masterClrMapping/>
+  </p:clrMapOvr>
+</p:sld>
+</file>
+
+<file path=ppt/slides/slide19.xml><?xml version="1.0" encoding="utf-8"?>
+<p:sld xmlns:a="http://schemas.openxmlformats.org/drawingml/2006/main" xmlns:r="http://schemas.openxmlformats.org/officeDocument/2006/relationships" xmlns:p="http://schemas.openxmlformats.org/presentationml/2006/main">
+  <p:cSld>
+    <p:spTree>
+      <p:nvGrpSpPr>
+        <p:cNvPr id="1" name=""/>
+        <p:cNvGrpSpPr/>
+        <p:nvPr/>
+      </p:nvGrpSpPr>
+      <p:grpSpPr>
+        <a:xfrm>
+          <a:off x="0" y="0"/>
+          <a:ext cx="0" cy="0"/>
+          <a:chOff x="0" y="0"/>
+          <a:chExt cx="0" cy="0"/>
+        </a:xfrm>
+      </p:grpSpPr>
+      <p:sp>
+        <p:nvSpPr>
           <p:cNvPr id="6" name="Titre 5"/>
           <p:cNvSpPr>
             <a:spLocks noGrp="1"/>
@@ -14049,11 +14352,7 @@
           <a:p>
             <a:r>
               <a:rPr lang="fr-FR" dirty="0" smtClean="0"/>
-              <a:t>A l’aide du travail réalisé trouver une solution permettant de faire en sorte que la vitesse du moteur soit fonction de l’angle du potentiomètre</a:t>
-            </a:r>
-            <a:r>
-              <a:rPr lang="fr-FR" dirty="0" smtClean="0"/>
-              <a:t>.</a:t>
+              <a:t>A l’aide du travail réalisé trouver une solution permettant de faire en sorte que la vitesse du moteur soit fonction de l’angle du potentiomètre.</a:t>
             </a:r>
           </a:p>
           <a:p>
@@ -14065,7 +14364,6 @@
               <a:rPr lang="fr-FR" smtClean="0"/>
               <a:t>votre programme.</a:t>
             </a:r>
-            <a:endParaRPr lang="fr-FR" smtClean="0"/>
           </a:p>
         </p:txBody>
       </p:sp>
@@ -14087,7 +14385,7 @@
             <a:fld id="{CF4668DC-857F-487D-BFFA-8C0CA5037977}" type="slidenum">
               <a:rPr lang="fr-BE" smtClean="0"/>
               <a:pPr/>
-              <a:t>18</a:t>
+              <a:t>19</a:t>
             </a:fld>
             <a:endParaRPr lang="fr-BE"/>
           </a:p>
@@ -15946,7 +16244,15 @@
             </a:r>
             <a:r>
               <a:rPr lang="fr-FR" dirty="0" smtClean="0"/>
-              <a:t>par périodes de 1 seconde</a:t>
+              <a:t>par </a:t>
+            </a:r>
+            <a:r>
+              <a:rPr lang="fr-FR" dirty="0" smtClean="0"/>
+              <a:t>période </a:t>
+            </a:r>
+            <a:r>
+              <a:rPr lang="fr-FR" dirty="0" smtClean="0"/>
+              <a:t>de 1 seconde</a:t>
             </a:r>
             <a:endParaRPr lang="fr-FR" dirty="0"/>
           </a:p>
@@ -16367,14 +16673,7 @@
                           <a:latin typeface="Courier New" panose="02070309020205020404" pitchFamily="49" charset="0"/>
                           <a:cs typeface="Courier New" panose="02070309020205020404" pitchFamily="49" charset="0"/>
                         </a:rPr>
-                        <a:t>HIGH</a:t>
-                      </a:r>
-                      <a:r>
-                        <a:rPr lang="en-US" sz="1400" smtClean="0">
-                          <a:latin typeface="Courier New" panose="02070309020205020404" pitchFamily="49" charset="0"/>
-                          <a:cs typeface="Courier New" panose="02070309020205020404" pitchFamily="49" charset="0"/>
-                        </a:rPr>
-                        <a:t>);</a:t>
+                        <a:t>HIGH);</a:t>
                       </a:r>
                     </a:p>
                     <a:p>
@@ -16422,10 +16721,6 @@
                         </a:rPr>
                         <a:t>); </a:t>
                       </a:r>
-                      <a:endParaRPr lang="en-US" sz="1400" smtClean="0">
-                        <a:latin typeface="Courier New" panose="02070309020205020404" pitchFamily="49" charset="0"/>
-                        <a:cs typeface="Courier New" panose="02070309020205020404" pitchFamily="49" charset="0"/>
-                      </a:endParaRPr>
                     </a:p>
                     <a:p>
                       <a:r>

--- a/Cycle_07_Arduino/TP_Arduino.pptx
+++ b/Cycle_07_Arduino/TP_Arduino.pptx
@@ -5085,7 +5085,7 @@
           <a:p>
             <a:fld id="{0063AF53-F080-4EED-89A2-71072976191D}" type="datetimeFigureOut">
               <a:rPr lang="fr-FR" smtClean="0"/>
-              <a:t>29/01/2015</a:t>
+              <a:t>30/01/2015</a:t>
             </a:fld>
             <a:endParaRPr lang="fr-FR"/>
           </a:p>
@@ -5251,7 +5251,7 @@
             <a:fld id="{408F55C5-7F94-4427-AC6E-B68A66649CA8}" type="datetimeFigureOut">
               <a:rPr lang="fr-FR" smtClean="0"/>
               <a:pPr/>
-              <a:t>29/01/2015</a:t>
+              <a:t>30/01/2015</a:t>
             </a:fld>
             <a:endParaRPr lang="fr-FR"/>
           </a:p>
@@ -5657,7 +5657,7 @@
           <a:p>
             <a:fld id="{9D56727F-6563-47CD-B250-CBA7B4B4FBDE}" type="datetime1">
               <a:rPr lang="fr-FR" smtClean="0"/>
-              <a:t>29/01/2015</a:t>
+              <a:t>30/01/2015</a:t>
             </a:fld>
             <a:endParaRPr lang="fr-BE"/>
           </a:p>
@@ -6531,7 +6531,7 @@
           <a:p>
             <a:fld id="{19ABCAB6-D49B-46FD-870F-99E10975C18F}" type="datetime1">
               <a:rPr lang="fr-FR" smtClean="0"/>
-              <a:t>29/01/2015</a:t>
+              <a:t>30/01/2015</a:t>
             </a:fld>
             <a:endParaRPr lang="fr-BE"/>
           </a:p>
@@ -6711,7 +6711,7 @@
           <a:p>
             <a:fld id="{DEEDBEA9-D968-4EC1-A19A-1F76B691A58C}" type="datetime1">
               <a:rPr lang="fr-FR" smtClean="0"/>
-              <a:t>29/01/2015</a:t>
+              <a:t>30/01/2015</a:t>
             </a:fld>
             <a:endParaRPr lang="fr-BE"/>
           </a:p>
@@ -6886,7 +6886,7 @@
           <a:p>
             <a:fld id="{9FC95688-4DB0-4F51-94A9-29BA89D545B3}" type="datetime1">
               <a:rPr lang="fr-FR" smtClean="0"/>
-              <a:t>29/01/2015</a:t>
+              <a:t>30/01/2015</a:t>
             </a:fld>
             <a:endParaRPr lang="fr-BE"/>
           </a:p>
@@ -7108,7 +7108,7 @@
           <a:p>
             <a:fld id="{20848678-D788-46FE-B700-C9269C74C891}" type="datetime1">
               <a:rPr lang="fr-FR" smtClean="0"/>
-              <a:t>29/01/2015</a:t>
+              <a:t>30/01/2015</a:t>
             </a:fld>
             <a:endParaRPr lang="fr-BE"/>
           </a:p>
@@ -7927,7 +7927,7 @@
           <a:p>
             <a:fld id="{79C16800-6255-4A73-95D9-53ECCA86BF18}" type="datetime1">
               <a:rPr lang="fr-FR" smtClean="0"/>
-              <a:t>29/01/2015</a:t>
+              <a:t>30/01/2015</a:t>
             </a:fld>
             <a:endParaRPr lang="fr-BE"/>
           </a:p>
@@ -8168,7 +8168,7 @@
           <a:p>
             <a:fld id="{2ECF0889-EA02-48F1-86FE-1B2AAC4C247E}" type="datetime1">
               <a:rPr lang="fr-FR" smtClean="0"/>
-              <a:t>29/01/2015</a:t>
+              <a:t>30/01/2015</a:t>
             </a:fld>
             <a:endParaRPr lang="fr-BE"/>
           </a:p>
@@ -8496,7 +8496,7 @@
           <a:p>
             <a:fld id="{712E9D54-6766-4EFC-BDD9-0C3193CEE8BD}" type="datetime1">
               <a:rPr lang="fr-FR" smtClean="0"/>
-              <a:t>29/01/2015</a:t>
+              <a:t>30/01/2015</a:t>
             </a:fld>
             <a:endParaRPr lang="fr-BE"/>
           </a:p>
@@ -8591,7 +8591,7 @@
           <a:p>
             <a:fld id="{5469AE92-F693-4AF4-B39E-ECB41C1DA14C}" type="datetime1">
               <a:rPr lang="fr-FR" smtClean="0"/>
-              <a:t>29/01/2015</a:t>
+              <a:t>30/01/2015</a:t>
             </a:fld>
             <a:endParaRPr lang="fr-BE"/>
           </a:p>
@@ -9113,7 +9113,7 @@
           <a:p>
             <a:fld id="{15EB620E-D183-4F2A-BD4F-6B1729D1A0DE}" type="datetime1">
               <a:rPr lang="fr-FR" smtClean="0"/>
-              <a:t>29/01/2015</a:t>
+              <a:t>30/01/2015</a:t>
             </a:fld>
             <a:endParaRPr lang="fr-BE"/>
           </a:p>
@@ -9629,7 +9629,7 @@
           <a:p>
             <a:fld id="{2D38B004-A344-4981-8789-E15D3302231A}" type="datetime1">
               <a:rPr lang="fr-FR" smtClean="0"/>
-              <a:t>29/01/2015</a:t>
+              <a:t>30/01/2015</a:t>
             </a:fld>
             <a:endParaRPr lang="fr-BE"/>
           </a:p>
@@ -9879,7 +9879,7 @@
           <a:p>
             <a:fld id="{002E150F-AA26-4E99-A02A-7CA355CA54B4}" type="datetime1">
               <a:rPr lang="fr-FR" smtClean="0"/>
-              <a:t>29/01/2015</a:t>
+              <a:t>30/01/2015</a:t>
             </a:fld>
             <a:endParaRPr lang="fr-BE"/>
           </a:p>
@@ -11852,13 +11852,8 @@
           <a:p>
             <a:r>
               <a:rPr lang="fr-FR" dirty="0" smtClean="0"/>
-              <a:t>Écrire et tester le </a:t>
-            </a:r>
-            <a:r>
-              <a:rPr lang="fr-FR" dirty="0" smtClean="0"/>
-              <a:t>programme</a:t>
-            </a:r>
-            <a:endParaRPr lang="fr-FR" dirty="0" smtClean="0"/>
+              <a:t>Écrire et tester le programme</a:t>
+            </a:r>
           </a:p>
         </p:txBody>
       </p:sp>
@@ -12085,11 +12080,18 @@
               <a:t>IOcapteur</a:t>
             </a:r>
             <a:r>
-              <a:rPr lang="en-US" sz="1100" dirty="0" smtClean="0">
+              <a:rPr lang="en-US" sz="1100" smtClean="0">
                 <a:latin typeface="Courier New" panose="02070309020205020404" pitchFamily="49" charset="0"/>
                 <a:cs typeface="Courier New" panose="02070309020205020404" pitchFamily="49" charset="0"/>
               </a:rPr>
-              <a:t>, INTPUT</a:t>
+              <a:t>, </a:t>
+            </a:r>
+            <a:r>
+              <a:rPr lang="en-US" sz="1100" smtClean="0">
+                <a:latin typeface="Courier New" panose="02070309020205020404" pitchFamily="49" charset="0"/>
+                <a:cs typeface="Courier New" panose="02070309020205020404" pitchFamily="49" charset="0"/>
+              </a:rPr>
+              <a:t>INPUT</a:t>
             </a:r>
             <a:r>
               <a:rPr lang="en-US" sz="1100" dirty="0">
@@ -13235,14 +13237,7 @@
                 <a:latin typeface="Courier New" panose="02070309020205020404" pitchFamily="49" charset="0"/>
                 <a:cs typeface="Courier New" panose="02070309020205020404" pitchFamily="49" charset="0"/>
               </a:rPr>
-              <a:t>  </a:t>
-            </a:r>
-            <a:r>
-              <a:rPr lang="fr-FR" sz="800" dirty="0">
-                <a:latin typeface="Courier New" panose="02070309020205020404" pitchFamily="49" charset="0"/>
-                <a:cs typeface="Courier New" panose="02070309020205020404" pitchFamily="49" charset="0"/>
-              </a:rPr>
-              <a:t> </a:t>
+              <a:t>   </a:t>
             </a:r>
             <a:r>
               <a:rPr lang="en-US" sz="800" dirty="0" err="1" smtClean="0">
@@ -16244,15 +16239,7 @@
             </a:r>
             <a:r>
               <a:rPr lang="fr-FR" dirty="0" smtClean="0"/>
-              <a:t>par </a:t>
-            </a:r>
-            <a:r>
-              <a:rPr lang="fr-FR" dirty="0" smtClean="0"/>
-              <a:t>période </a:t>
-            </a:r>
-            <a:r>
-              <a:rPr lang="fr-FR" dirty="0" smtClean="0"/>
-              <a:t>de 1 seconde</a:t>
+              <a:t>par période de 1 seconde</a:t>
             </a:r>
             <a:endParaRPr lang="fr-FR" dirty="0"/>
           </a:p>

--- a/Cycle_07_Arduino/TP_Arduino.pptx
+++ b/Cycle_07_Arduino/TP_Arduino.pptx
@@ -128,7 +128,41 @@
       </a:defRPr>
     </a:lvl9pPr>
   </p:defaultTextStyle>
+  <p:extLst>
+    <p:ext uri="{EFAFB233-063F-42B5-8137-9DF3F51BA10A}">
+      <p15:sldGuideLst xmlns:p15="http://schemas.microsoft.com/office/powerpoint/2012/main">
+        <p15:guide id="1" orient="horz" pos="2160">
+          <p15:clr>
+            <a:srgbClr val="A4A3A4"/>
+          </p15:clr>
+        </p15:guide>
+        <p15:guide id="2" pos="2880">
+          <p15:clr>
+            <a:srgbClr val="A4A3A4"/>
+          </p15:clr>
+        </p15:guide>
+      </p15:sldGuideLst>
+    </p:ext>
+    <p:ext uri="{2D200454-40CA-4A62-9FC3-DE9A4176ACB9}">
+      <p15:notesGuideLst xmlns:p15="http://schemas.microsoft.com/office/powerpoint/2012/main">
+        <p15:guide id="1" orient="horz" pos="3223">
+          <p15:clr>
+            <a:srgbClr val="A4A3A4"/>
+          </p15:clr>
+        </p15:guide>
+        <p15:guide id="2" pos="2236">
+          <p15:clr>
+            <a:srgbClr val="A4A3A4"/>
+          </p15:clr>
+        </p15:guide>
+      </p15:notesGuideLst>
+    </p:ext>
+  </p:extLst>
 </p:presentation>
+</file>
+
+<file path=ppt/revisionInfo.xml><?xml version="1.0" encoding="utf-8"?>
+<p1510:revInfo xmlns:a="http://schemas.openxmlformats.org/drawingml/2006/main" xmlns:r="http://schemas.openxmlformats.org/officeDocument/2006/relationships" xmlns:p1510="http://schemas.microsoft.com/office/powerpoint/2015/10/main"/>
 </file>
 
 <file path=ppt/diagrams/colors1.xml><?xml version="1.0" encoding="utf-8"?>
@@ -924,7 +958,7 @@
         <a:lstStyle/>
         <a:p>
           <a:r>
-            <a:rPr lang="fr-FR" sz="900" dirty="0" smtClean="0">
+            <a:rPr lang="fr-FR" sz="900" dirty="0">
               <a:solidFill>
                 <a:sysClr val="windowText" lastClr="000000"/>
               </a:solidFill>
@@ -934,14 +968,6 @@
             </a:rPr>
             <a:t>Compétences</a:t>
           </a:r>
-          <a:endParaRPr lang="fr-FR" sz="900" dirty="0">
-            <a:solidFill>
-              <a:sysClr val="windowText" lastClr="000000"/>
-            </a:solidFill>
-            <a:latin typeface="Calibri"/>
-            <a:ea typeface="+mn-ea"/>
-            <a:cs typeface="+mn-cs"/>
-          </a:endParaRPr>
         </a:p>
       </dgm:t>
     </dgm:pt>
@@ -999,7 +1025,7 @@
         <a:lstStyle/>
         <a:p>
           <a:r>
-            <a:rPr lang="fr-FR" sz="900" dirty="0" smtClean="0">
+            <a:rPr lang="fr-FR" sz="900" dirty="0">
               <a:solidFill>
                 <a:sysClr val="windowText" lastClr="000000"/>
               </a:solidFill>
@@ -1100,7 +1126,7 @@
         <a:lstStyle/>
         <a:p>
           <a:r>
-            <a:rPr lang="fr-FR" sz="900" dirty="0" smtClean="0">
+            <a:rPr lang="fr-FR" sz="900" dirty="0">
               <a:solidFill>
                 <a:sysClr val="windowText" lastClr="000000"/>
               </a:solidFill>
@@ -1110,14 +1136,6 @@
             </a:rPr>
             <a:t>Réaliser</a:t>
           </a:r>
-          <a:endParaRPr lang="fr-FR" sz="900" dirty="0">
-            <a:solidFill>
-              <a:sysClr val="windowText" lastClr="000000"/>
-            </a:solidFill>
-            <a:latin typeface="Calibri"/>
-            <a:ea typeface="+mn-ea"/>
-            <a:cs typeface="+mn-cs"/>
-          </a:endParaRPr>
         </a:p>
       </dgm:t>
     </dgm:pt>
@@ -1209,7 +1227,7 @@
         <a:lstStyle/>
         <a:p>
           <a:r>
-            <a:rPr lang="fr-FR" sz="900" dirty="0" smtClean="0">
+            <a:rPr lang="fr-FR" sz="900" dirty="0">
               <a:solidFill>
                 <a:sysClr val="windowText" lastClr="000000"/>
               </a:solidFill>
@@ -1219,14 +1237,6 @@
             </a:rPr>
             <a:t>Expérimenter</a:t>
           </a:r>
-          <a:endParaRPr lang="fr-FR" sz="900" dirty="0">
-            <a:solidFill>
-              <a:sysClr val="windowText" lastClr="000000"/>
-            </a:solidFill>
-            <a:latin typeface="Calibri"/>
-            <a:ea typeface="+mn-ea"/>
-            <a:cs typeface="+mn-cs"/>
-          </a:endParaRPr>
         </a:p>
       </dgm:t>
     </dgm:pt>
@@ -1318,7 +1328,7 @@
         <a:lstStyle/>
         <a:p>
           <a:r>
-            <a:rPr lang="fr-FR" sz="900" dirty="0" smtClean="0">
+            <a:rPr lang="fr-FR" sz="900" dirty="0">
               <a:solidFill>
                 <a:sysClr val="windowText" lastClr="000000"/>
               </a:solidFill>
@@ -1419,7 +1429,7 @@
         <a:lstStyle/>
         <a:p>
           <a:r>
-            <a:rPr lang="fr-FR" sz="900" dirty="0" smtClean="0">
+            <a:rPr lang="fr-FR" sz="900" dirty="0">
               <a:solidFill>
                 <a:sysClr val="windowText" lastClr="000000"/>
               </a:solidFill>
@@ -1520,7 +1530,7 @@
         <a:lstStyle/>
         <a:p>
           <a:r>
-            <a:rPr lang="fr-FR" sz="900" dirty="0" smtClean="0">
+            <a:rPr lang="fr-FR" sz="900" dirty="0">
               <a:solidFill>
                 <a:sysClr val="windowText" lastClr="000000"/>
               </a:solidFill>
@@ -1621,7 +1631,7 @@
         <a:lstStyle/>
         <a:p>
           <a:r>
-            <a:rPr lang="fr-FR" sz="900" dirty="0" smtClean="0">
+            <a:rPr lang="fr-FR" sz="900" dirty="0">
               <a:solidFill>
                 <a:sysClr val="windowText" lastClr="000000"/>
               </a:solidFill>
@@ -1700,46 +1710,18 @@
         </dgm:presLayoutVars>
       </dgm:prSet>
       <dgm:spPr/>
-      <dgm:t>
-        <a:bodyPr/>
-        <a:lstStyle/>
-        <a:p>
-          <a:endParaRPr lang="fr-FR"/>
-        </a:p>
-      </dgm:t>
     </dgm:pt>
     <dgm:pt modelId="{DF09870F-F5ED-4920-B7E1-9F0D91D7F1CD}" type="pres">
       <dgm:prSet presAssocID="{CC7A09D6-CF51-4503-A499-AEF2F86A612F}" presName="centerShape" presStyleLbl="node0" presStyleIdx="0" presStyleCnt="1" custScaleY="46828"/>
       <dgm:spPr/>
-      <dgm:t>
-        <a:bodyPr/>
-        <a:lstStyle/>
-        <a:p>
-          <a:endParaRPr lang="fr-FR"/>
-        </a:p>
-      </dgm:t>
     </dgm:pt>
     <dgm:pt modelId="{A2FC416A-EBC7-46CE-8A00-5E59C50D8257}" type="pres">
       <dgm:prSet presAssocID="{5E9DFCFE-8035-47FF-8737-041E4392E51E}" presName="parTrans" presStyleLbl="sibTrans2D1" presStyleIdx="0" presStyleCnt="7"/>
       <dgm:spPr/>
-      <dgm:t>
-        <a:bodyPr/>
-        <a:lstStyle/>
-        <a:p>
-          <a:endParaRPr lang="fr-FR"/>
-        </a:p>
-      </dgm:t>
     </dgm:pt>
     <dgm:pt modelId="{C36A42E1-BA91-4E47-B26A-022A82C87076}" type="pres">
       <dgm:prSet presAssocID="{5E9DFCFE-8035-47FF-8737-041E4392E51E}" presName="connectorText" presStyleLbl="sibTrans2D1" presStyleIdx="0" presStyleCnt="7"/>
       <dgm:spPr/>
-      <dgm:t>
-        <a:bodyPr/>
-        <a:lstStyle/>
-        <a:p>
-          <a:endParaRPr lang="fr-FR"/>
-        </a:p>
-      </dgm:t>
     </dgm:pt>
     <dgm:pt modelId="{15FE29C2-5BA5-4DFC-BAC0-77F2915FA520}" type="pres">
       <dgm:prSet presAssocID="{D15BCD82-54F2-4B53-AD5B-FCD43A008746}" presName="node" presStyleLbl="node1" presStyleIdx="0" presStyleCnt="7" custScaleY="37304" custRadScaleRad="75157" custRadScaleInc="3491">
@@ -1748,35 +1730,14 @@
         </dgm:presLayoutVars>
       </dgm:prSet>
       <dgm:spPr/>
-      <dgm:t>
-        <a:bodyPr/>
-        <a:lstStyle/>
-        <a:p>
-          <a:endParaRPr lang="fr-FR"/>
-        </a:p>
-      </dgm:t>
     </dgm:pt>
     <dgm:pt modelId="{B1A927CB-9F4B-4F29-AD07-9974F3A6F2F9}" type="pres">
       <dgm:prSet presAssocID="{FC2CD8C7-22DE-4FD8-BE5C-B5EFF3818DD1}" presName="parTrans" presStyleLbl="sibTrans2D1" presStyleIdx="1" presStyleCnt="7"/>
       <dgm:spPr/>
-      <dgm:t>
-        <a:bodyPr/>
-        <a:lstStyle/>
-        <a:p>
-          <a:endParaRPr lang="fr-FR"/>
-        </a:p>
-      </dgm:t>
     </dgm:pt>
     <dgm:pt modelId="{327B7C4E-C444-4ED2-92AB-EFA2130B78B5}" type="pres">
       <dgm:prSet presAssocID="{FC2CD8C7-22DE-4FD8-BE5C-B5EFF3818DD1}" presName="connectorText" presStyleLbl="sibTrans2D1" presStyleIdx="1" presStyleCnt="7"/>
       <dgm:spPr/>
-      <dgm:t>
-        <a:bodyPr/>
-        <a:lstStyle/>
-        <a:p>
-          <a:endParaRPr lang="fr-FR"/>
-        </a:p>
-      </dgm:t>
     </dgm:pt>
     <dgm:pt modelId="{7FD38485-6BD0-444D-A652-5E06AE00A9E5}" type="pres">
       <dgm:prSet presAssocID="{7D5AD727-B52D-4C15-8F81-ECF40C366E06}" presName="node" presStyleLbl="node1" presStyleIdx="1" presStyleCnt="7" custScaleY="45131" custRadScaleRad="101072" custRadScaleInc="39850">
@@ -1785,35 +1746,14 @@
         </dgm:presLayoutVars>
       </dgm:prSet>
       <dgm:spPr/>
-      <dgm:t>
-        <a:bodyPr/>
-        <a:lstStyle/>
-        <a:p>
-          <a:endParaRPr lang="fr-FR"/>
-        </a:p>
-      </dgm:t>
     </dgm:pt>
     <dgm:pt modelId="{56098039-CBAF-478E-849E-420E970445A4}" type="pres">
       <dgm:prSet presAssocID="{7B81B71B-46D0-4A6D-830C-D40787DA03E8}" presName="parTrans" presStyleLbl="sibTrans2D1" presStyleIdx="2" presStyleCnt="7"/>
       <dgm:spPr/>
-      <dgm:t>
-        <a:bodyPr/>
-        <a:lstStyle/>
-        <a:p>
-          <a:endParaRPr lang="fr-FR"/>
-        </a:p>
-      </dgm:t>
     </dgm:pt>
     <dgm:pt modelId="{01C07FA7-6127-46B1-A25D-7D27D71C42AE}" type="pres">
       <dgm:prSet presAssocID="{7B81B71B-46D0-4A6D-830C-D40787DA03E8}" presName="connectorText" presStyleLbl="sibTrans2D1" presStyleIdx="2" presStyleCnt="7"/>
       <dgm:spPr/>
-      <dgm:t>
-        <a:bodyPr/>
-        <a:lstStyle/>
-        <a:p>
-          <a:endParaRPr lang="fr-FR"/>
-        </a:p>
-      </dgm:t>
     </dgm:pt>
     <dgm:pt modelId="{FAA93E91-15D2-48FB-9F1C-1C1D6FCB396A}" type="pres">
       <dgm:prSet presAssocID="{CCC2B308-0DFF-4091-B48B-803AE41778E3}" presName="node" presStyleLbl="node1" presStyleIdx="2" presStyleCnt="7" custScaleY="46086">
@@ -1822,35 +1762,14 @@
         </dgm:presLayoutVars>
       </dgm:prSet>
       <dgm:spPr/>
-      <dgm:t>
-        <a:bodyPr/>
-        <a:lstStyle/>
-        <a:p>
-          <a:endParaRPr lang="fr-FR"/>
-        </a:p>
-      </dgm:t>
     </dgm:pt>
     <dgm:pt modelId="{1DFFE085-0465-4C9C-91D0-B8BC9794280B}" type="pres">
       <dgm:prSet presAssocID="{DB17F1C1-8100-4A84-9268-85BC9401DCC5}" presName="parTrans" presStyleLbl="sibTrans2D1" presStyleIdx="3" presStyleCnt="7"/>
       <dgm:spPr/>
-      <dgm:t>
-        <a:bodyPr/>
-        <a:lstStyle/>
-        <a:p>
-          <a:endParaRPr lang="fr-FR"/>
-        </a:p>
-      </dgm:t>
     </dgm:pt>
     <dgm:pt modelId="{80B1C042-E483-4375-8C28-86D3502EDF84}" type="pres">
       <dgm:prSet presAssocID="{DB17F1C1-8100-4A84-9268-85BC9401DCC5}" presName="connectorText" presStyleLbl="sibTrans2D1" presStyleIdx="3" presStyleCnt="7"/>
       <dgm:spPr/>
-      <dgm:t>
-        <a:bodyPr/>
-        <a:lstStyle/>
-        <a:p>
-          <a:endParaRPr lang="fr-FR"/>
-        </a:p>
-      </dgm:t>
     </dgm:pt>
     <dgm:pt modelId="{57029F2B-C901-4E73-B66B-D494F113F112}" type="pres">
       <dgm:prSet presAssocID="{FB167E6D-95F4-486A-9684-49CF8F1EDC35}" presName="node" presStyleLbl="node1" presStyleIdx="3" presStyleCnt="7" custScaleY="38921" custRadScaleRad="87823" custRadScaleInc="-47085">
@@ -1859,35 +1778,14 @@
         </dgm:presLayoutVars>
       </dgm:prSet>
       <dgm:spPr/>
-      <dgm:t>
-        <a:bodyPr/>
-        <a:lstStyle/>
-        <a:p>
-          <a:endParaRPr lang="fr-FR"/>
-        </a:p>
-      </dgm:t>
     </dgm:pt>
     <dgm:pt modelId="{DB595E4D-B805-4A4A-88B2-DF5095B26C26}" type="pres">
       <dgm:prSet presAssocID="{3EB26ABE-F2BD-4028-99EC-F1E8582BA826}" presName="parTrans" presStyleLbl="sibTrans2D1" presStyleIdx="4" presStyleCnt="7"/>
       <dgm:spPr/>
-      <dgm:t>
-        <a:bodyPr/>
-        <a:lstStyle/>
-        <a:p>
-          <a:endParaRPr lang="fr-FR"/>
-        </a:p>
-      </dgm:t>
     </dgm:pt>
     <dgm:pt modelId="{63F394C0-7139-45BF-B22D-425E9C732477}" type="pres">
       <dgm:prSet presAssocID="{3EB26ABE-F2BD-4028-99EC-F1E8582BA826}" presName="connectorText" presStyleLbl="sibTrans2D1" presStyleIdx="4" presStyleCnt="7"/>
       <dgm:spPr/>
-      <dgm:t>
-        <a:bodyPr/>
-        <a:lstStyle/>
-        <a:p>
-          <a:endParaRPr lang="fr-FR"/>
-        </a:p>
-      </dgm:t>
     </dgm:pt>
     <dgm:pt modelId="{CDF56BA1-CC1C-4AF6-9FD5-5ECAD45B1E19}" type="pres">
       <dgm:prSet presAssocID="{AF54BFE1-C9F7-4646-9391-D6163A259868}" presName="node" presStyleLbl="node1" presStyleIdx="4" presStyleCnt="7" custScaleY="38921" custRadScaleRad="82406" custRadScaleInc="27026">
@@ -1896,35 +1794,14 @@
         </dgm:presLayoutVars>
       </dgm:prSet>
       <dgm:spPr/>
-      <dgm:t>
-        <a:bodyPr/>
-        <a:lstStyle/>
-        <a:p>
-          <a:endParaRPr lang="fr-FR"/>
-        </a:p>
-      </dgm:t>
     </dgm:pt>
     <dgm:pt modelId="{92EA049D-F3DB-461A-959D-8698A61CDADA}" type="pres">
       <dgm:prSet presAssocID="{5B9EB4C0-1E68-48AE-AF26-3DE02EFE5D06}" presName="parTrans" presStyleLbl="sibTrans2D1" presStyleIdx="5" presStyleCnt="7"/>
       <dgm:spPr/>
-      <dgm:t>
-        <a:bodyPr/>
-        <a:lstStyle/>
-        <a:p>
-          <a:endParaRPr lang="fr-FR"/>
-        </a:p>
-      </dgm:t>
     </dgm:pt>
     <dgm:pt modelId="{88188D4A-CCE1-4990-A9B4-FA0168379059}" type="pres">
       <dgm:prSet presAssocID="{5B9EB4C0-1E68-48AE-AF26-3DE02EFE5D06}" presName="connectorText" presStyleLbl="sibTrans2D1" presStyleIdx="5" presStyleCnt="7"/>
       <dgm:spPr/>
-      <dgm:t>
-        <a:bodyPr/>
-        <a:lstStyle/>
-        <a:p>
-          <a:endParaRPr lang="fr-FR"/>
-        </a:p>
-      </dgm:t>
     </dgm:pt>
     <dgm:pt modelId="{49BFCD7E-D52E-418B-850F-E0FEDBDC3C1A}" type="pres">
       <dgm:prSet presAssocID="{62C52E52-C1AD-47B5-9DB2-222920B632D5}" presName="node" presStyleLbl="node1" presStyleIdx="5" presStyleCnt="7" custScaleY="34519" custRadScaleRad="96248" custRadScaleInc="-1985">
@@ -1933,35 +1810,14 @@
         </dgm:presLayoutVars>
       </dgm:prSet>
       <dgm:spPr/>
-      <dgm:t>
-        <a:bodyPr/>
-        <a:lstStyle/>
-        <a:p>
-          <a:endParaRPr lang="fr-FR"/>
-        </a:p>
-      </dgm:t>
     </dgm:pt>
     <dgm:pt modelId="{D73A92E1-6647-4ED8-BAB6-78EC34CB8AD1}" type="pres">
       <dgm:prSet presAssocID="{51BD329E-6830-43BB-B09C-E770653834F2}" presName="parTrans" presStyleLbl="sibTrans2D1" presStyleIdx="6" presStyleCnt="7"/>
       <dgm:spPr/>
-      <dgm:t>
-        <a:bodyPr/>
-        <a:lstStyle/>
-        <a:p>
-          <a:endParaRPr lang="fr-FR"/>
-        </a:p>
-      </dgm:t>
     </dgm:pt>
     <dgm:pt modelId="{644D3658-E40F-435C-8159-E49BEEDB7CAC}" type="pres">
       <dgm:prSet presAssocID="{51BD329E-6830-43BB-B09C-E770653834F2}" presName="connectorText" presStyleLbl="sibTrans2D1" presStyleIdx="6" presStyleCnt="7"/>
       <dgm:spPr/>
-      <dgm:t>
-        <a:bodyPr/>
-        <a:lstStyle/>
-        <a:p>
-          <a:endParaRPr lang="fr-FR"/>
-        </a:p>
-      </dgm:t>
     </dgm:pt>
     <dgm:pt modelId="{0898BD1C-0D41-48F1-BA11-A3086BB4EAB8}" type="pres">
       <dgm:prSet presAssocID="{429AED82-4220-4FA6-BFD1-9BFC6D52522A}" presName="node" presStyleLbl="node1" presStyleIdx="6" presStyleCnt="7" custScaleY="44898" custRadScaleRad="95987" custRadScaleInc="-33229">
@@ -1970,47 +1826,40 @@
         </dgm:presLayoutVars>
       </dgm:prSet>
       <dgm:spPr/>
-      <dgm:t>
-        <a:bodyPr/>
-        <a:lstStyle/>
-        <a:p>
-          <a:endParaRPr lang="fr-FR"/>
-        </a:p>
-      </dgm:t>
     </dgm:pt>
   </dgm:ptLst>
   <dgm:cxnLst>
+    <dgm:cxn modelId="{E66B3D02-D523-4D38-8FB9-08215F8ED1B2}" type="presOf" srcId="{5E9DFCFE-8035-47FF-8737-041E4392E51E}" destId="{C36A42E1-BA91-4E47-B26A-022A82C87076}" srcOrd="1" destOrd="0" presId="urn:microsoft.com/office/officeart/2005/8/layout/radial5"/>
+    <dgm:cxn modelId="{CC854F08-0038-423B-B0E0-970F29816A27}" type="presOf" srcId="{5B9EB4C0-1E68-48AE-AF26-3DE02EFE5D06}" destId="{88188D4A-CCE1-4990-A9B4-FA0168379059}" srcOrd="1" destOrd="0" presId="urn:microsoft.com/office/officeart/2005/8/layout/radial5"/>
+    <dgm:cxn modelId="{54292C2D-480A-470D-97D0-4111410C2DC5}" type="presOf" srcId="{3EB26ABE-F2BD-4028-99EC-F1E8582BA826}" destId="{63F394C0-7139-45BF-B22D-425E9C732477}" srcOrd="1" destOrd="0" presId="urn:microsoft.com/office/officeart/2005/8/layout/radial5"/>
+    <dgm:cxn modelId="{1F6E322F-7A32-46B3-8384-36E159BC6A7B}" srcId="{CC7A09D6-CF51-4503-A499-AEF2F86A612F}" destId="{7D5AD727-B52D-4C15-8F81-ECF40C366E06}" srcOrd="1" destOrd="0" parTransId="{FC2CD8C7-22DE-4FD8-BE5C-B5EFF3818DD1}" sibTransId="{92842FD9-58C7-469D-B912-ED30619B3461}"/>
+    <dgm:cxn modelId="{ED65F33D-D160-40F6-89F9-CF2D393E6DFD}" type="presOf" srcId="{AF54BFE1-C9F7-4646-9391-D6163A259868}" destId="{CDF56BA1-CC1C-4AF6-9FD5-5ECAD45B1E19}" srcOrd="0" destOrd="0" presId="urn:microsoft.com/office/officeart/2005/8/layout/radial5"/>
+    <dgm:cxn modelId="{321CFA61-37FA-497E-93A9-AC6AC7441BB5}" type="presOf" srcId="{7D5AD727-B52D-4C15-8F81-ECF40C366E06}" destId="{7FD38485-6BD0-444D-A652-5E06AE00A9E5}" srcOrd="0" destOrd="0" presId="urn:microsoft.com/office/officeart/2005/8/layout/radial5"/>
+    <dgm:cxn modelId="{D8FA6842-34A7-474E-AC2D-3FC6D532C5FD}" type="presOf" srcId="{7B81B71B-46D0-4A6D-830C-D40787DA03E8}" destId="{56098039-CBAF-478E-849E-420E970445A4}" srcOrd="0" destOrd="0" presId="urn:microsoft.com/office/officeart/2005/8/layout/radial5"/>
+    <dgm:cxn modelId="{D16FC446-5175-4861-A315-9D5A57865589}" type="presOf" srcId="{D15BCD82-54F2-4B53-AD5B-FCD43A008746}" destId="{15FE29C2-5BA5-4DFC-BAC0-77F2915FA520}" srcOrd="0" destOrd="0" presId="urn:microsoft.com/office/officeart/2005/8/layout/radial5"/>
+    <dgm:cxn modelId="{CDFB3573-4B81-49BD-859E-E47431F3E0AC}" type="presOf" srcId="{62C52E52-C1AD-47B5-9DB2-222920B632D5}" destId="{49BFCD7E-D52E-418B-850F-E0FEDBDC3C1A}" srcOrd="0" destOrd="0" presId="urn:microsoft.com/office/officeart/2005/8/layout/radial5"/>
+    <dgm:cxn modelId="{28593B54-6CAA-46DD-A60F-B65FBE49C607}" srcId="{CC7A09D6-CF51-4503-A499-AEF2F86A612F}" destId="{62C52E52-C1AD-47B5-9DB2-222920B632D5}" srcOrd="5" destOrd="0" parTransId="{5B9EB4C0-1E68-48AE-AF26-3DE02EFE5D06}" sibTransId="{E35DC3D1-23F4-46B8-A668-702D0A5F3BA7}"/>
     <dgm:cxn modelId="{198E6182-0C42-49D1-A186-791534C3B7AD}" type="presOf" srcId="{FC2CD8C7-22DE-4FD8-BE5C-B5EFF3818DD1}" destId="{327B7C4E-C444-4ED2-92AB-EFA2130B78B5}" srcOrd="1" destOrd="0" presId="urn:microsoft.com/office/officeart/2005/8/layout/radial5"/>
+    <dgm:cxn modelId="{F461F090-F5F6-4BDA-A241-75A117C7E854}" type="presOf" srcId="{429AED82-4220-4FA6-BFD1-9BFC6D52522A}" destId="{0898BD1C-0D41-48F1-BA11-A3086BB4EAB8}" srcOrd="0" destOrd="0" presId="urn:microsoft.com/office/officeart/2005/8/layout/radial5"/>
+    <dgm:cxn modelId="{3A32EA92-1264-477D-98FE-190BEDF76914}" type="presOf" srcId="{DB17F1C1-8100-4A84-9268-85BC9401DCC5}" destId="{1DFFE085-0465-4C9C-91D0-B8BC9794280B}" srcOrd="0" destOrd="0" presId="urn:microsoft.com/office/officeart/2005/8/layout/radial5"/>
+    <dgm:cxn modelId="{A2BEC598-FE8B-4C64-832D-EFF2E6F316C2}" srcId="{CC7A09D6-CF51-4503-A499-AEF2F86A612F}" destId="{429AED82-4220-4FA6-BFD1-9BFC6D52522A}" srcOrd="6" destOrd="0" parTransId="{51BD329E-6830-43BB-B09C-E770653834F2}" sibTransId="{3D00A040-3661-4F05-9AED-3F7171D38CC8}"/>
+    <dgm:cxn modelId="{5EB60F9B-430A-4250-8A8E-CC3E4C6F8DAF}" type="presOf" srcId="{FC2CD8C7-22DE-4FD8-BE5C-B5EFF3818DD1}" destId="{B1A927CB-9F4B-4F29-AD07-9974F3A6F2F9}" srcOrd="0" destOrd="0" presId="urn:microsoft.com/office/officeart/2005/8/layout/radial5"/>
     <dgm:cxn modelId="{34B2919B-CE63-4FBB-864A-C2833B820880}" type="presOf" srcId="{CC7A09D6-CF51-4503-A499-AEF2F86A612F}" destId="{DF09870F-F5ED-4920-B7E1-9F0D91D7F1CD}" srcOrd="0" destOrd="0" presId="urn:microsoft.com/office/officeart/2005/8/layout/radial5"/>
+    <dgm:cxn modelId="{69DBF3AA-50E3-4C2F-93BC-81D38815D9F2}" srcId="{CC7A09D6-CF51-4503-A499-AEF2F86A612F}" destId="{D15BCD82-54F2-4B53-AD5B-FCD43A008746}" srcOrd="0" destOrd="0" parTransId="{5E9DFCFE-8035-47FF-8737-041E4392E51E}" sibTransId="{D82A9993-BEF0-4F2B-A0FE-323133071D30}"/>
+    <dgm:cxn modelId="{DCB5C7AD-9B6E-4C3D-AB81-44363A1E2350}" type="presOf" srcId="{5E9DFCFE-8035-47FF-8737-041E4392E51E}" destId="{A2FC416A-EBC7-46CE-8A00-5E59C50D8257}" srcOrd="0" destOrd="0" presId="urn:microsoft.com/office/officeart/2005/8/layout/radial5"/>
+    <dgm:cxn modelId="{CA17E2B8-B90F-46C5-92B9-868F5C1ECE25}" type="presOf" srcId="{FB167E6D-95F4-486A-9684-49CF8F1EDC35}" destId="{57029F2B-C901-4E73-B66B-D494F113F112}" srcOrd="0" destOrd="0" presId="urn:microsoft.com/office/officeart/2005/8/layout/radial5"/>
+    <dgm:cxn modelId="{F89A42BD-F045-4215-8A57-388602CC6D0E}" type="presOf" srcId="{5B9EB4C0-1E68-48AE-AF26-3DE02EFE5D06}" destId="{92EA049D-F3DB-461A-959D-8698A61CDADA}" srcOrd="0" destOrd="0" presId="urn:microsoft.com/office/officeart/2005/8/layout/radial5"/>
+    <dgm:cxn modelId="{1814A7BE-2B6D-4D03-AD32-9F7436F3ED3E}" type="presOf" srcId="{3EB26ABE-F2BD-4028-99EC-F1E8582BA826}" destId="{DB595E4D-B805-4A4A-88B2-DF5095B26C26}" srcOrd="0" destOrd="0" presId="urn:microsoft.com/office/officeart/2005/8/layout/radial5"/>
+    <dgm:cxn modelId="{E293F5C5-9FA2-4796-846E-318452D9245E}" srcId="{CC7A09D6-CF51-4503-A499-AEF2F86A612F}" destId="{CCC2B308-0DFF-4091-B48B-803AE41778E3}" srcOrd="2" destOrd="0" parTransId="{7B81B71B-46D0-4A6D-830C-D40787DA03E8}" sibTransId="{86F0E311-87DC-4734-807F-C04DD816D27D}"/>
+    <dgm:cxn modelId="{738194C6-EC65-440B-ACBA-EA2A0BF276CE}" srcId="{CC7A09D6-CF51-4503-A499-AEF2F86A612F}" destId="{AF54BFE1-C9F7-4646-9391-D6163A259868}" srcOrd="4" destOrd="0" parTransId="{3EB26ABE-F2BD-4028-99EC-F1E8582BA826}" sibTransId="{7568927D-FC3D-42AA-B1C2-779A2F90BA1A}"/>
+    <dgm:cxn modelId="{176934CA-C786-4D2B-AD89-0377A88FFA8D}" type="presOf" srcId="{DB17F1C1-8100-4A84-9268-85BC9401DCC5}" destId="{80B1C042-E483-4375-8C28-86D3502EDF84}" srcOrd="1" destOrd="0" presId="urn:microsoft.com/office/officeart/2005/8/layout/radial5"/>
+    <dgm:cxn modelId="{9B22C6CD-3D1B-4DDE-AE75-083131893F2D}" srcId="{EAC09F0B-262C-4FC1-B4B2-6CE1041716FF}" destId="{CC7A09D6-CF51-4503-A499-AEF2F86A612F}" srcOrd="0" destOrd="0" parTransId="{6C9F694C-4D87-42C9-A17F-036DA80877D9}" sibTransId="{E04762FD-5F95-45CE-AE4B-76F0F4EDD05D}"/>
+    <dgm:cxn modelId="{1A08DAD9-6B25-421D-B495-04859B52649E}" type="presOf" srcId="{7B81B71B-46D0-4A6D-830C-D40787DA03E8}" destId="{01C07FA7-6127-46B1-A25D-7D27D71C42AE}" srcOrd="1" destOrd="0" presId="urn:microsoft.com/office/officeart/2005/8/layout/radial5"/>
+    <dgm:cxn modelId="{B6A2CFE0-34F8-49DB-8441-B2C0B5ACD0EC}" type="presOf" srcId="{51BD329E-6830-43BB-B09C-E770653834F2}" destId="{D73A92E1-6647-4ED8-BAB6-78EC34CB8AD1}" srcOrd="0" destOrd="0" presId="urn:microsoft.com/office/officeart/2005/8/layout/radial5"/>
     <dgm:cxn modelId="{9D8DDBE2-8665-4258-8162-D618F5FCBCC2}" type="presOf" srcId="{EAC09F0B-262C-4FC1-B4B2-6CE1041716FF}" destId="{27F82ACC-B48B-4BAF-B8F5-E19DE7EFBFE6}" srcOrd="0" destOrd="0" presId="urn:microsoft.com/office/officeart/2005/8/layout/radial5"/>
-    <dgm:cxn modelId="{B6A2CFE0-34F8-49DB-8441-B2C0B5ACD0EC}" type="presOf" srcId="{51BD329E-6830-43BB-B09C-E770653834F2}" destId="{D73A92E1-6647-4ED8-BAB6-78EC34CB8AD1}" srcOrd="0" destOrd="0" presId="urn:microsoft.com/office/officeart/2005/8/layout/radial5"/>
-    <dgm:cxn modelId="{D16FC446-5175-4861-A315-9D5A57865589}" type="presOf" srcId="{D15BCD82-54F2-4B53-AD5B-FCD43A008746}" destId="{15FE29C2-5BA5-4DFC-BAC0-77F2915FA520}" srcOrd="0" destOrd="0" presId="urn:microsoft.com/office/officeart/2005/8/layout/radial5"/>
-    <dgm:cxn modelId="{CC854F08-0038-423B-B0E0-970F29816A27}" type="presOf" srcId="{5B9EB4C0-1E68-48AE-AF26-3DE02EFE5D06}" destId="{88188D4A-CCE1-4990-A9B4-FA0168379059}" srcOrd="1" destOrd="0" presId="urn:microsoft.com/office/officeart/2005/8/layout/radial5"/>
-    <dgm:cxn modelId="{1814A7BE-2B6D-4D03-AD32-9F7436F3ED3E}" type="presOf" srcId="{3EB26ABE-F2BD-4028-99EC-F1E8582BA826}" destId="{DB595E4D-B805-4A4A-88B2-DF5095B26C26}" srcOrd="0" destOrd="0" presId="urn:microsoft.com/office/officeart/2005/8/layout/radial5"/>
-    <dgm:cxn modelId="{3A32EA92-1264-477D-98FE-190BEDF76914}" type="presOf" srcId="{DB17F1C1-8100-4A84-9268-85BC9401DCC5}" destId="{1DFFE085-0465-4C9C-91D0-B8BC9794280B}" srcOrd="0" destOrd="0" presId="urn:microsoft.com/office/officeart/2005/8/layout/radial5"/>
-    <dgm:cxn modelId="{DCB5C7AD-9B6E-4C3D-AB81-44363A1E2350}" type="presOf" srcId="{5E9DFCFE-8035-47FF-8737-041E4392E51E}" destId="{A2FC416A-EBC7-46CE-8A00-5E59C50D8257}" srcOrd="0" destOrd="0" presId="urn:microsoft.com/office/officeart/2005/8/layout/radial5"/>
-    <dgm:cxn modelId="{28593B54-6CAA-46DD-A60F-B65FBE49C607}" srcId="{CC7A09D6-CF51-4503-A499-AEF2F86A612F}" destId="{62C52E52-C1AD-47B5-9DB2-222920B632D5}" srcOrd="5" destOrd="0" parTransId="{5B9EB4C0-1E68-48AE-AF26-3DE02EFE5D06}" sibTransId="{E35DC3D1-23F4-46B8-A668-702D0A5F3BA7}"/>
-    <dgm:cxn modelId="{E66B3D02-D523-4D38-8FB9-08215F8ED1B2}" type="presOf" srcId="{5E9DFCFE-8035-47FF-8737-041E4392E51E}" destId="{C36A42E1-BA91-4E47-B26A-022A82C87076}" srcOrd="1" destOrd="0" presId="urn:microsoft.com/office/officeart/2005/8/layout/radial5"/>
-    <dgm:cxn modelId="{CA17E2B8-B90F-46C5-92B9-868F5C1ECE25}" type="presOf" srcId="{FB167E6D-95F4-486A-9684-49CF8F1EDC35}" destId="{57029F2B-C901-4E73-B66B-D494F113F112}" srcOrd="0" destOrd="0" presId="urn:microsoft.com/office/officeart/2005/8/layout/radial5"/>
+    <dgm:cxn modelId="{C790FBE2-9566-4A73-92A8-A90A69707CF1}" type="presOf" srcId="{51BD329E-6830-43BB-B09C-E770653834F2}" destId="{644D3658-E40F-435C-8159-E49BEEDB7CAC}" srcOrd="1" destOrd="0" presId="urn:microsoft.com/office/officeart/2005/8/layout/radial5"/>
     <dgm:cxn modelId="{5B87F3EA-BA18-408A-A751-8FE46734F57A}" type="presOf" srcId="{CCC2B308-0DFF-4091-B48B-803AE41778E3}" destId="{FAA93E91-15D2-48FB-9F1C-1C1D6FCB396A}" srcOrd="0" destOrd="0" presId="urn:microsoft.com/office/officeart/2005/8/layout/radial5"/>
-    <dgm:cxn modelId="{176934CA-C786-4D2B-AD89-0377A88FFA8D}" type="presOf" srcId="{DB17F1C1-8100-4A84-9268-85BC9401DCC5}" destId="{80B1C042-E483-4375-8C28-86D3502EDF84}" srcOrd="1" destOrd="0" presId="urn:microsoft.com/office/officeart/2005/8/layout/radial5"/>
-    <dgm:cxn modelId="{69DBF3AA-50E3-4C2F-93BC-81D38815D9F2}" srcId="{CC7A09D6-CF51-4503-A499-AEF2F86A612F}" destId="{D15BCD82-54F2-4B53-AD5B-FCD43A008746}" srcOrd="0" destOrd="0" parTransId="{5E9DFCFE-8035-47FF-8737-041E4392E51E}" sibTransId="{D82A9993-BEF0-4F2B-A0FE-323133071D30}"/>
-    <dgm:cxn modelId="{54292C2D-480A-470D-97D0-4111410C2DC5}" type="presOf" srcId="{3EB26ABE-F2BD-4028-99EC-F1E8582BA826}" destId="{63F394C0-7139-45BF-B22D-425E9C732477}" srcOrd="1" destOrd="0" presId="urn:microsoft.com/office/officeart/2005/8/layout/radial5"/>
-    <dgm:cxn modelId="{1A08DAD9-6B25-421D-B495-04859B52649E}" type="presOf" srcId="{7B81B71B-46D0-4A6D-830C-D40787DA03E8}" destId="{01C07FA7-6127-46B1-A25D-7D27D71C42AE}" srcOrd="1" destOrd="0" presId="urn:microsoft.com/office/officeart/2005/8/layout/radial5"/>
-    <dgm:cxn modelId="{F89A42BD-F045-4215-8A57-388602CC6D0E}" type="presOf" srcId="{5B9EB4C0-1E68-48AE-AF26-3DE02EFE5D06}" destId="{92EA049D-F3DB-461A-959D-8698A61CDADA}" srcOrd="0" destOrd="0" presId="urn:microsoft.com/office/officeart/2005/8/layout/radial5"/>
-    <dgm:cxn modelId="{5EB60F9B-430A-4250-8A8E-CC3E4C6F8DAF}" type="presOf" srcId="{FC2CD8C7-22DE-4FD8-BE5C-B5EFF3818DD1}" destId="{B1A927CB-9F4B-4F29-AD07-9974F3A6F2F9}" srcOrd="0" destOrd="0" presId="urn:microsoft.com/office/officeart/2005/8/layout/radial5"/>
-    <dgm:cxn modelId="{CDFB3573-4B81-49BD-859E-E47431F3E0AC}" type="presOf" srcId="{62C52E52-C1AD-47B5-9DB2-222920B632D5}" destId="{49BFCD7E-D52E-418B-850F-E0FEDBDC3C1A}" srcOrd="0" destOrd="0" presId="urn:microsoft.com/office/officeart/2005/8/layout/radial5"/>
-    <dgm:cxn modelId="{F461F090-F5F6-4BDA-A241-75A117C7E854}" type="presOf" srcId="{429AED82-4220-4FA6-BFD1-9BFC6D52522A}" destId="{0898BD1C-0D41-48F1-BA11-A3086BB4EAB8}" srcOrd="0" destOrd="0" presId="urn:microsoft.com/office/officeart/2005/8/layout/radial5"/>
-    <dgm:cxn modelId="{321CFA61-37FA-497E-93A9-AC6AC7441BB5}" type="presOf" srcId="{7D5AD727-B52D-4C15-8F81-ECF40C366E06}" destId="{7FD38485-6BD0-444D-A652-5E06AE00A9E5}" srcOrd="0" destOrd="0" presId="urn:microsoft.com/office/officeart/2005/8/layout/radial5"/>
-    <dgm:cxn modelId="{738194C6-EC65-440B-ACBA-EA2A0BF276CE}" srcId="{CC7A09D6-CF51-4503-A499-AEF2F86A612F}" destId="{AF54BFE1-C9F7-4646-9391-D6163A259868}" srcOrd="4" destOrd="0" parTransId="{3EB26ABE-F2BD-4028-99EC-F1E8582BA826}" sibTransId="{7568927D-FC3D-42AA-B1C2-779A2F90BA1A}"/>
-    <dgm:cxn modelId="{A2BEC598-FE8B-4C64-832D-EFF2E6F316C2}" srcId="{CC7A09D6-CF51-4503-A499-AEF2F86A612F}" destId="{429AED82-4220-4FA6-BFD1-9BFC6D52522A}" srcOrd="6" destOrd="0" parTransId="{51BD329E-6830-43BB-B09C-E770653834F2}" sibTransId="{3D00A040-3661-4F05-9AED-3F7171D38CC8}"/>
-    <dgm:cxn modelId="{C790FBE2-9566-4A73-92A8-A90A69707CF1}" type="presOf" srcId="{51BD329E-6830-43BB-B09C-E770653834F2}" destId="{644D3658-E40F-435C-8159-E49BEEDB7CAC}" srcOrd="1" destOrd="0" presId="urn:microsoft.com/office/officeart/2005/8/layout/radial5"/>
-    <dgm:cxn modelId="{9B22C6CD-3D1B-4DDE-AE75-083131893F2D}" srcId="{EAC09F0B-262C-4FC1-B4B2-6CE1041716FF}" destId="{CC7A09D6-CF51-4503-A499-AEF2F86A612F}" srcOrd="0" destOrd="0" parTransId="{6C9F694C-4D87-42C9-A17F-036DA80877D9}" sibTransId="{E04762FD-5F95-45CE-AE4B-76F0F4EDD05D}"/>
-    <dgm:cxn modelId="{ED65F33D-D160-40F6-89F9-CF2D393E6DFD}" type="presOf" srcId="{AF54BFE1-C9F7-4646-9391-D6163A259868}" destId="{CDF56BA1-CC1C-4AF6-9FD5-5ECAD45B1E19}" srcOrd="0" destOrd="0" presId="urn:microsoft.com/office/officeart/2005/8/layout/radial5"/>
-    <dgm:cxn modelId="{1F6E322F-7A32-46B3-8384-36E159BC6A7B}" srcId="{CC7A09D6-CF51-4503-A499-AEF2F86A612F}" destId="{7D5AD727-B52D-4C15-8F81-ECF40C366E06}" srcOrd="1" destOrd="0" parTransId="{FC2CD8C7-22DE-4FD8-BE5C-B5EFF3818DD1}" sibTransId="{92842FD9-58C7-469D-B912-ED30619B3461}"/>
     <dgm:cxn modelId="{EDE851F5-EECF-41D5-A859-0BED15D98140}" srcId="{CC7A09D6-CF51-4503-A499-AEF2F86A612F}" destId="{FB167E6D-95F4-486A-9684-49CF8F1EDC35}" srcOrd="3" destOrd="0" parTransId="{DB17F1C1-8100-4A84-9268-85BC9401DCC5}" sibTransId="{CF9EB4C0-46C5-472F-847A-42C49CDB749A}"/>
-    <dgm:cxn modelId="{D8FA6842-34A7-474E-AC2D-3FC6D532C5FD}" type="presOf" srcId="{7B81B71B-46D0-4A6D-830C-D40787DA03E8}" destId="{56098039-CBAF-478E-849E-420E970445A4}" srcOrd="0" destOrd="0" presId="urn:microsoft.com/office/officeart/2005/8/layout/radial5"/>
-    <dgm:cxn modelId="{E293F5C5-9FA2-4796-846E-318452D9245E}" srcId="{CC7A09D6-CF51-4503-A499-AEF2F86A612F}" destId="{CCC2B308-0DFF-4091-B48B-803AE41778E3}" srcOrd="2" destOrd="0" parTransId="{7B81B71B-46D0-4A6D-830C-D40787DA03E8}" sibTransId="{86F0E311-87DC-4734-807F-C04DD816D27D}"/>
     <dgm:cxn modelId="{639EECE9-B746-4D43-9796-370306595A7E}" type="presParOf" srcId="{27F82ACC-B48B-4BAF-B8F5-E19DE7EFBFE6}" destId="{DF09870F-F5ED-4920-B7E1-9F0D91D7F1CD}" srcOrd="0" destOrd="0" presId="urn:microsoft.com/office/officeart/2005/8/layout/radial5"/>
     <dgm:cxn modelId="{AB00AB43-96A7-416F-A417-6594D766F5CD}" type="presParOf" srcId="{27F82ACC-B48B-4BAF-B8F5-E19DE7EFBFE6}" destId="{A2FC416A-EBC7-46CE-8A00-5E59C50D8257}" srcOrd="1" destOrd="0" presId="urn:microsoft.com/office/officeart/2005/8/layout/radial5"/>
     <dgm:cxn modelId="{D7624438-2A9A-401F-ACA3-606C31372CB1}" type="presParOf" srcId="{A2FC416A-EBC7-46CE-8A00-5E59C50D8257}" destId="{C36A42E1-BA91-4E47-B26A-022A82C87076}" srcOrd="0" destOrd="0" presId="urn:microsoft.com/office/officeart/2005/8/layout/radial5"/>
@@ -2133,7 +1982,7 @@
         </a:bodyPr>
         <a:lstStyle/>
         <a:p>
-          <a:pPr lvl="0" algn="ctr" defTabSz="400050">
+          <a:pPr marL="0" lvl="0" indent="0" algn="ctr" defTabSz="400050">
             <a:lnSpc>
               <a:spcPct val="90000"/>
             </a:lnSpc>
@@ -2143,9 +1992,10 @@
             <a:spcAft>
               <a:spcPct val="35000"/>
             </a:spcAft>
+            <a:buNone/>
           </a:pPr>
           <a:r>
-            <a:rPr lang="fr-FR" sz="900" kern="1200" dirty="0" smtClean="0">
+            <a:rPr lang="fr-FR" sz="900" kern="1200" dirty="0">
               <a:solidFill>
                 <a:sysClr val="windowText" lastClr="000000"/>
               </a:solidFill>
@@ -2155,14 +2005,6 @@
             </a:rPr>
             <a:t>Compétences</a:t>
           </a:r>
-          <a:endParaRPr lang="fr-FR" sz="900" kern="1200" dirty="0">
-            <a:solidFill>
-              <a:sysClr val="windowText" lastClr="000000"/>
-            </a:solidFill>
-            <a:latin typeface="Calibri"/>
-            <a:ea typeface="+mn-ea"/>
-            <a:cs typeface="+mn-cs"/>
-          </a:endParaRPr>
         </a:p>
       </dsp:txBody>
       <dsp:txXfrm>
@@ -2254,7 +2096,7 @@
         </a:bodyPr>
         <a:lstStyle/>
         <a:p>
-          <a:pPr lvl="0" algn="ctr" defTabSz="400050">
+          <a:pPr marL="0" lvl="0" indent="0" algn="ctr" defTabSz="400050">
             <a:lnSpc>
               <a:spcPct val="90000"/>
             </a:lnSpc>
@@ -2264,6 +2106,7 @@
             <a:spcAft>
               <a:spcPct val="35000"/>
             </a:spcAft>
+            <a:buNone/>
           </a:pPr>
           <a:endParaRPr lang="fr-FR" sz="900" kern="1200">
             <a:solidFill>
@@ -2361,7 +2204,7 @@
         </a:bodyPr>
         <a:lstStyle/>
         <a:p>
-          <a:pPr lvl="0" algn="ctr" defTabSz="400050">
+          <a:pPr marL="0" lvl="0" indent="0" algn="ctr" defTabSz="400050">
             <a:lnSpc>
               <a:spcPct val="90000"/>
             </a:lnSpc>
@@ -2371,9 +2214,10 @@
             <a:spcAft>
               <a:spcPct val="35000"/>
             </a:spcAft>
+            <a:buNone/>
           </a:pPr>
           <a:r>
-            <a:rPr lang="fr-FR" sz="900" kern="1200" dirty="0" smtClean="0">
+            <a:rPr lang="fr-FR" sz="900" kern="1200" dirty="0">
               <a:solidFill>
                 <a:sysClr val="windowText" lastClr="000000"/>
               </a:solidFill>
@@ -2474,7 +2318,7 @@
         </a:bodyPr>
         <a:lstStyle/>
         <a:p>
-          <a:pPr lvl="0" algn="ctr" defTabSz="400050">
+          <a:pPr marL="0" lvl="0" indent="0" algn="ctr" defTabSz="400050">
             <a:lnSpc>
               <a:spcPct val="90000"/>
             </a:lnSpc>
@@ -2484,6 +2328,7 @@
             <a:spcAft>
               <a:spcPct val="35000"/>
             </a:spcAft>
+            <a:buNone/>
           </a:pPr>
           <a:endParaRPr lang="fr-FR" sz="900" kern="1200">
             <a:solidFill>
@@ -2581,7 +2426,7 @@
         </a:bodyPr>
         <a:lstStyle/>
         <a:p>
-          <a:pPr lvl="0" algn="ctr" defTabSz="400050">
+          <a:pPr marL="0" lvl="0" indent="0" algn="ctr" defTabSz="400050">
             <a:lnSpc>
               <a:spcPct val="90000"/>
             </a:lnSpc>
@@ -2591,9 +2436,10 @@
             <a:spcAft>
               <a:spcPct val="35000"/>
             </a:spcAft>
+            <a:buNone/>
           </a:pPr>
           <a:r>
-            <a:rPr lang="fr-FR" sz="900" kern="1200" dirty="0" smtClean="0">
+            <a:rPr lang="fr-FR" sz="900" kern="1200" dirty="0">
               <a:solidFill>
                 <a:sysClr val="windowText" lastClr="000000"/>
               </a:solidFill>
@@ -2603,14 +2449,6 @@
             </a:rPr>
             <a:t>Réaliser</a:t>
           </a:r>
-          <a:endParaRPr lang="fr-FR" sz="900" kern="1200" dirty="0">
-            <a:solidFill>
-              <a:sysClr val="windowText" lastClr="000000"/>
-            </a:solidFill>
-            <a:latin typeface="Calibri"/>
-            <a:ea typeface="+mn-ea"/>
-            <a:cs typeface="+mn-cs"/>
-          </a:endParaRPr>
         </a:p>
       </dsp:txBody>
       <dsp:txXfrm>
@@ -2702,7 +2540,7 @@
         </a:bodyPr>
         <a:lstStyle/>
         <a:p>
-          <a:pPr lvl="0" algn="ctr" defTabSz="400050">
+          <a:pPr marL="0" lvl="0" indent="0" algn="ctr" defTabSz="400050">
             <a:lnSpc>
               <a:spcPct val="90000"/>
             </a:lnSpc>
@@ -2712,6 +2550,7 @@
             <a:spcAft>
               <a:spcPct val="35000"/>
             </a:spcAft>
+            <a:buNone/>
           </a:pPr>
           <a:endParaRPr lang="fr-FR" sz="900" kern="1200">
             <a:solidFill>
@@ -2809,7 +2648,7 @@
         </a:bodyPr>
         <a:lstStyle/>
         <a:p>
-          <a:pPr lvl="0" algn="ctr" defTabSz="400050">
+          <a:pPr marL="0" lvl="0" indent="0" algn="ctr" defTabSz="400050">
             <a:lnSpc>
               <a:spcPct val="90000"/>
             </a:lnSpc>
@@ -2819,9 +2658,10 @@
             <a:spcAft>
               <a:spcPct val="35000"/>
             </a:spcAft>
+            <a:buNone/>
           </a:pPr>
           <a:r>
-            <a:rPr lang="fr-FR" sz="900" kern="1200" dirty="0" smtClean="0">
+            <a:rPr lang="fr-FR" sz="900" kern="1200" dirty="0">
               <a:solidFill>
                 <a:sysClr val="windowText" lastClr="000000"/>
               </a:solidFill>
@@ -2831,14 +2671,6 @@
             </a:rPr>
             <a:t>Expérimenter</a:t>
           </a:r>
-          <a:endParaRPr lang="fr-FR" sz="900" kern="1200" dirty="0">
-            <a:solidFill>
-              <a:sysClr val="windowText" lastClr="000000"/>
-            </a:solidFill>
-            <a:latin typeface="Calibri"/>
-            <a:ea typeface="+mn-ea"/>
-            <a:cs typeface="+mn-cs"/>
-          </a:endParaRPr>
         </a:p>
       </dsp:txBody>
       <dsp:txXfrm>
@@ -2930,7 +2762,7 @@
         </a:bodyPr>
         <a:lstStyle/>
         <a:p>
-          <a:pPr lvl="0" algn="ctr" defTabSz="400050">
+          <a:pPr marL="0" lvl="0" indent="0" algn="ctr" defTabSz="400050">
             <a:lnSpc>
               <a:spcPct val="90000"/>
             </a:lnSpc>
@@ -2940,6 +2772,7 @@
             <a:spcAft>
               <a:spcPct val="35000"/>
             </a:spcAft>
+            <a:buNone/>
           </a:pPr>
           <a:endParaRPr lang="fr-FR" sz="900" kern="1200">
             <a:solidFill>
@@ -3037,7 +2870,7 @@
         </a:bodyPr>
         <a:lstStyle/>
         <a:p>
-          <a:pPr lvl="0" algn="ctr" defTabSz="400050">
+          <a:pPr marL="0" lvl="0" indent="0" algn="ctr" defTabSz="400050">
             <a:lnSpc>
               <a:spcPct val="90000"/>
             </a:lnSpc>
@@ -3047,9 +2880,10 @@
             <a:spcAft>
               <a:spcPct val="35000"/>
             </a:spcAft>
+            <a:buNone/>
           </a:pPr>
           <a:r>
-            <a:rPr lang="fr-FR" sz="900" kern="1200" dirty="0" smtClean="0">
+            <a:rPr lang="fr-FR" sz="900" kern="1200" dirty="0">
               <a:solidFill>
                 <a:sysClr val="windowText" lastClr="000000"/>
               </a:solidFill>
@@ -3150,7 +2984,7 @@
         </a:bodyPr>
         <a:lstStyle/>
         <a:p>
-          <a:pPr lvl="0" algn="ctr" defTabSz="400050">
+          <a:pPr marL="0" lvl="0" indent="0" algn="ctr" defTabSz="400050">
             <a:lnSpc>
               <a:spcPct val="90000"/>
             </a:lnSpc>
@@ -3160,6 +2994,7 @@
             <a:spcAft>
               <a:spcPct val="35000"/>
             </a:spcAft>
+            <a:buNone/>
           </a:pPr>
           <a:endParaRPr lang="fr-FR" sz="900" kern="1200">
             <a:solidFill>
@@ -3257,7 +3092,7 @@
         </a:bodyPr>
         <a:lstStyle/>
         <a:p>
-          <a:pPr lvl="0" algn="ctr" defTabSz="400050">
+          <a:pPr marL="0" lvl="0" indent="0" algn="ctr" defTabSz="400050">
             <a:lnSpc>
               <a:spcPct val="90000"/>
             </a:lnSpc>
@@ -3267,9 +3102,10 @@
             <a:spcAft>
               <a:spcPct val="35000"/>
             </a:spcAft>
+            <a:buNone/>
           </a:pPr>
           <a:r>
-            <a:rPr lang="fr-FR" sz="900" kern="1200" dirty="0" smtClean="0">
+            <a:rPr lang="fr-FR" sz="900" kern="1200" dirty="0">
               <a:solidFill>
                 <a:sysClr val="windowText" lastClr="000000"/>
               </a:solidFill>
@@ -3370,7 +3206,7 @@
         </a:bodyPr>
         <a:lstStyle/>
         <a:p>
-          <a:pPr lvl="0" algn="ctr" defTabSz="400050">
+          <a:pPr marL="0" lvl="0" indent="0" algn="ctr" defTabSz="400050">
             <a:lnSpc>
               <a:spcPct val="90000"/>
             </a:lnSpc>
@@ -3380,6 +3216,7 @@
             <a:spcAft>
               <a:spcPct val="35000"/>
             </a:spcAft>
+            <a:buNone/>
           </a:pPr>
           <a:endParaRPr lang="fr-FR" sz="900" kern="1200">
             <a:solidFill>
@@ -3477,7 +3314,7 @@
         </a:bodyPr>
         <a:lstStyle/>
         <a:p>
-          <a:pPr lvl="0" algn="ctr" defTabSz="400050">
+          <a:pPr marL="0" lvl="0" indent="0" algn="ctr" defTabSz="400050">
             <a:lnSpc>
               <a:spcPct val="90000"/>
             </a:lnSpc>
@@ -3487,9 +3324,10 @@
             <a:spcAft>
               <a:spcPct val="35000"/>
             </a:spcAft>
+            <a:buNone/>
           </a:pPr>
           <a:r>
-            <a:rPr lang="fr-FR" sz="900" kern="1200" dirty="0" smtClean="0">
+            <a:rPr lang="fr-FR" sz="900" kern="1200" dirty="0">
               <a:solidFill>
                 <a:sysClr val="windowText" lastClr="000000"/>
               </a:solidFill>
@@ -3590,7 +3428,7 @@
         </a:bodyPr>
         <a:lstStyle/>
         <a:p>
-          <a:pPr lvl="0" algn="ctr" defTabSz="400050">
+          <a:pPr marL="0" lvl="0" indent="0" algn="ctr" defTabSz="400050">
             <a:lnSpc>
               <a:spcPct val="90000"/>
             </a:lnSpc>
@@ -3600,6 +3438,7 @@
             <a:spcAft>
               <a:spcPct val="35000"/>
             </a:spcAft>
+            <a:buNone/>
           </a:pPr>
           <a:endParaRPr lang="fr-FR" sz="900" kern="1200">
             <a:solidFill>
@@ -3697,7 +3536,7 @@
         </a:bodyPr>
         <a:lstStyle/>
         <a:p>
-          <a:pPr lvl="0" algn="ctr" defTabSz="400050">
+          <a:pPr marL="0" lvl="0" indent="0" algn="ctr" defTabSz="400050">
             <a:lnSpc>
               <a:spcPct val="90000"/>
             </a:lnSpc>
@@ -3707,9 +3546,10 @@
             <a:spcAft>
               <a:spcPct val="35000"/>
             </a:spcAft>
+            <a:buNone/>
           </a:pPr>
           <a:r>
-            <a:rPr lang="fr-FR" sz="900" kern="1200" dirty="0" smtClean="0">
+            <a:rPr lang="fr-FR" sz="900" kern="1200" dirty="0">
               <a:solidFill>
                 <a:sysClr val="windowText" lastClr="000000"/>
               </a:solidFill>
@@ -5085,7 +4925,7 @@
           <a:p>
             <a:fld id="{0063AF53-F080-4EED-89A2-71072976191D}" type="datetimeFigureOut">
               <a:rPr lang="fr-FR" smtClean="0"/>
-              <a:t>30/01/2015</a:t>
+              <a:t>22/05/2017</a:t>
             </a:fld>
             <a:endParaRPr lang="fr-FR"/>
           </a:p>
@@ -5251,7 +5091,7 @@
             <a:fld id="{408F55C5-7F94-4427-AC6E-B68A66649CA8}" type="datetimeFigureOut">
               <a:rPr lang="fr-FR" smtClean="0"/>
               <a:pPr/>
-              <a:t>30/01/2015</a:t>
+              <a:t>22/05/2017</a:t>
             </a:fld>
             <a:endParaRPr lang="fr-FR"/>
           </a:p>
@@ -5315,38 +5155,37 @@
           <a:p>
             <a:pPr lvl="0"/>
             <a:r>
-              <a:rPr lang="fr-FR" smtClean="0"/>
+              <a:rPr lang="fr-FR"/>
               <a:t>Modifiez les styles du texte du masque</a:t>
             </a:r>
           </a:p>
           <a:p>
             <a:pPr lvl="1"/>
             <a:r>
-              <a:rPr lang="fr-FR" smtClean="0"/>
+              <a:rPr lang="fr-FR"/>
               <a:t>Deuxième niveau</a:t>
             </a:r>
           </a:p>
           <a:p>
             <a:pPr lvl="2"/>
             <a:r>
-              <a:rPr lang="fr-FR" smtClean="0"/>
+              <a:rPr lang="fr-FR"/>
               <a:t>Troisième niveau</a:t>
             </a:r>
           </a:p>
           <a:p>
             <a:pPr lvl="3"/>
             <a:r>
-              <a:rPr lang="fr-FR" smtClean="0"/>
+              <a:rPr lang="fr-FR"/>
               <a:t>Quatrième niveau</a:t>
             </a:r>
           </a:p>
           <a:p>
             <a:pPr lvl="4"/>
             <a:r>
-              <a:rPr lang="fr-FR" smtClean="0"/>
+              <a:rPr lang="fr-FR"/>
               <a:t>Cinquième niveau</a:t>
             </a:r>
-            <a:endParaRPr lang="fr-FR"/>
           </a:p>
         </p:txBody>
       </p:sp>
@@ -5567,7 +5406,7 @@
           </a:lstStyle>
           <a:p>
             <a:r>
-              <a:rPr kumimoji="0" lang="fr-FR" smtClean="0"/>
+              <a:rPr kumimoji="0" lang="fr-FR"/>
               <a:t>Modifiez le style du titre</a:t>
             </a:r>
             <a:endParaRPr kumimoji="0" lang="en-US"/>
@@ -5628,7 +5467,7 @@
           </a:lstStyle>
           <a:p>
             <a:r>
-              <a:rPr kumimoji="0" lang="fr-FR" smtClean="0"/>
+              <a:rPr kumimoji="0" lang="fr-FR"/>
               <a:t>Modifiez le style des sous-titres du masque</a:t>
             </a:r>
             <a:endParaRPr kumimoji="0" lang="en-US"/>
@@ -5657,7 +5496,7 @@
           <a:p>
             <a:fld id="{9D56727F-6563-47CD-B250-CBA7B4B4FBDE}" type="datetime1">
               <a:rPr lang="fr-FR" smtClean="0"/>
-              <a:t>30/01/2015</a:t>
+              <a:t>22/05/2017</a:t>
             </a:fld>
             <a:endParaRPr lang="fr-BE"/>
           </a:p>
@@ -5684,10 +5523,9 @@
           <a:lstStyle/>
           <a:p>
             <a:r>
-              <a:rPr lang="fr-BE" smtClean="0"/>
+              <a:rPr lang="fr-BE"/>
               <a:t>Xavier Pessoles - Jean-Pierre Pupier</a:t>
             </a:r>
-            <a:endParaRPr lang="fr-BE"/>
           </a:p>
         </p:txBody>
       </p:sp>
@@ -6455,7 +6293,7 @@
           <a:lstStyle/>
           <a:p>
             <a:r>
-              <a:rPr kumimoji="0" lang="fr-FR" smtClean="0"/>
+              <a:rPr kumimoji="0" lang="fr-FR"/>
               <a:t>Modifiez le style du titre</a:t>
             </a:r>
             <a:endParaRPr kumimoji="0" lang="en-US"/>
@@ -6479,35 +6317,35 @@
           <a:p>
             <a:pPr lvl="0" eaLnBrk="1" latinLnBrk="0" hangingPunct="1"/>
             <a:r>
-              <a:rPr lang="fr-FR" smtClean="0"/>
+              <a:rPr lang="fr-FR"/>
               <a:t>Modifiez les styles du texte du masque</a:t>
             </a:r>
           </a:p>
           <a:p>
             <a:pPr lvl="1" eaLnBrk="1" latinLnBrk="0" hangingPunct="1"/>
             <a:r>
-              <a:rPr lang="fr-FR" smtClean="0"/>
+              <a:rPr lang="fr-FR"/>
               <a:t>Deuxième niveau</a:t>
             </a:r>
           </a:p>
           <a:p>
             <a:pPr lvl="2" eaLnBrk="1" latinLnBrk="0" hangingPunct="1"/>
             <a:r>
-              <a:rPr lang="fr-FR" smtClean="0"/>
+              <a:rPr lang="fr-FR"/>
               <a:t>Troisième niveau</a:t>
             </a:r>
           </a:p>
           <a:p>
             <a:pPr lvl="3" eaLnBrk="1" latinLnBrk="0" hangingPunct="1"/>
             <a:r>
-              <a:rPr lang="fr-FR" smtClean="0"/>
+              <a:rPr lang="fr-FR"/>
               <a:t>Quatrième niveau</a:t>
             </a:r>
           </a:p>
           <a:p>
             <a:pPr lvl="4" eaLnBrk="1" latinLnBrk="0" hangingPunct="1"/>
             <a:r>
-              <a:rPr lang="fr-FR" smtClean="0"/>
+              <a:rPr lang="fr-FR"/>
               <a:t>Cinquième niveau</a:t>
             </a:r>
             <a:endParaRPr kumimoji="0" lang="en-US"/>
@@ -6531,7 +6369,7 @@
           <a:p>
             <a:fld id="{19ABCAB6-D49B-46FD-870F-99E10975C18F}" type="datetime1">
               <a:rPr lang="fr-FR" smtClean="0"/>
-              <a:t>30/01/2015</a:t>
+              <a:t>22/05/2017</a:t>
             </a:fld>
             <a:endParaRPr lang="fr-BE"/>
           </a:p>
@@ -6553,10 +6391,9 @@
           <a:lstStyle/>
           <a:p>
             <a:r>
-              <a:rPr lang="fr-BE" smtClean="0"/>
+              <a:rPr lang="fr-BE"/>
               <a:t>Xavier Pessoles - Jean-Pierre Pupier</a:t>
             </a:r>
-            <a:endParaRPr lang="fr-BE"/>
           </a:p>
         </p:txBody>
       </p:sp>
@@ -6630,7 +6467,7 @@
           <a:lstStyle/>
           <a:p>
             <a:r>
-              <a:rPr kumimoji="0" lang="fr-FR" smtClean="0"/>
+              <a:rPr kumimoji="0" lang="fr-FR"/>
               <a:t>Modifiez le style du titre</a:t>
             </a:r>
             <a:endParaRPr kumimoji="0" lang="en-US"/>
@@ -6659,35 +6496,35 @@
           <a:p>
             <a:pPr lvl="0" eaLnBrk="1" latinLnBrk="0" hangingPunct="1"/>
             <a:r>
-              <a:rPr lang="fr-FR" smtClean="0"/>
+              <a:rPr lang="fr-FR"/>
               <a:t>Modifiez les styles du texte du masque</a:t>
             </a:r>
           </a:p>
           <a:p>
             <a:pPr lvl="1" eaLnBrk="1" latinLnBrk="0" hangingPunct="1"/>
             <a:r>
-              <a:rPr lang="fr-FR" smtClean="0"/>
+              <a:rPr lang="fr-FR"/>
               <a:t>Deuxième niveau</a:t>
             </a:r>
           </a:p>
           <a:p>
             <a:pPr lvl="2" eaLnBrk="1" latinLnBrk="0" hangingPunct="1"/>
             <a:r>
-              <a:rPr lang="fr-FR" smtClean="0"/>
+              <a:rPr lang="fr-FR"/>
               <a:t>Troisième niveau</a:t>
             </a:r>
           </a:p>
           <a:p>
             <a:pPr lvl="3" eaLnBrk="1" latinLnBrk="0" hangingPunct="1"/>
             <a:r>
-              <a:rPr lang="fr-FR" smtClean="0"/>
+              <a:rPr lang="fr-FR"/>
               <a:t>Quatrième niveau</a:t>
             </a:r>
           </a:p>
           <a:p>
             <a:pPr lvl="4" eaLnBrk="1" latinLnBrk="0" hangingPunct="1"/>
             <a:r>
-              <a:rPr lang="fr-FR" smtClean="0"/>
+              <a:rPr lang="fr-FR"/>
               <a:t>Cinquième niveau</a:t>
             </a:r>
             <a:endParaRPr kumimoji="0" lang="en-US"/>
@@ -6711,7 +6548,7 @@
           <a:p>
             <a:fld id="{DEEDBEA9-D968-4EC1-A19A-1F76B691A58C}" type="datetime1">
               <a:rPr lang="fr-FR" smtClean="0"/>
-              <a:t>30/01/2015</a:t>
+              <a:t>22/05/2017</a:t>
             </a:fld>
             <a:endParaRPr lang="fr-BE"/>
           </a:p>
@@ -6733,10 +6570,9 @@
           <a:lstStyle/>
           <a:p>
             <a:r>
-              <a:rPr lang="fr-BE" smtClean="0"/>
+              <a:rPr lang="fr-BE"/>
               <a:t>Xavier Pessoles - Jean-Pierre Pupier</a:t>
             </a:r>
-            <a:endParaRPr lang="fr-BE"/>
           </a:p>
         </p:txBody>
       </p:sp>
@@ -6805,7 +6641,7 @@
           <a:lstStyle/>
           <a:p>
             <a:r>
-              <a:rPr kumimoji="0" lang="fr-FR" smtClean="0"/>
+              <a:rPr kumimoji="0" lang="fr-FR"/>
               <a:t>Modifiez le style du titre</a:t>
             </a:r>
             <a:endParaRPr kumimoji="0" lang="en-US"/>
@@ -6834,35 +6670,35 @@
           <a:p>
             <a:pPr lvl="0" eaLnBrk="1" latinLnBrk="0" hangingPunct="1"/>
             <a:r>
-              <a:rPr lang="fr-FR" dirty="0" smtClean="0"/>
+              <a:rPr lang="fr-FR" dirty="0"/>
               <a:t>Modifiez les styles du texte du masque</a:t>
             </a:r>
           </a:p>
           <a:p>
             <a:pPr lvl="1" eaLnBrk="1" latinLnBrk="0" hangingPunct="1"/>
             <a:r>
-              <a:rPr lang="fr-FR" dirty="0" smtClean="0"/>
+              <a:rPr lang="fr-FR" dirty="0"/>
               <a:t>Deuxième niveau</a:t>
             </a:r>
           </a:p>
           <a:p>
             <a:pPr lvl="2" eaLnBrk="1" latinLnBrk="0" hangingPunct="1"/>
             <a:r>
-              <a:rPr lang="fr-FR" dirty="0" smtClean="0"/>
+              <a:rPr lang="fr-FR" dirty="0"/>
               <a:t>Troisième niveau</a:t>
             </a:r>
           </a:p>
           <a:p>
             <a:pPr lvl="3" eaLnBrk="1" latinLnBrk="0" hangingPunct="1"/>
             <a:r>
-              <a:rPr lang="fr-FR" dirty="0" smtClean="0"/>
+              <a:rPr lang="fr-FR" dirty="0"/>
               <a:t>Quatrième niveau</a:t>
             </a:r>
           </a:p>
           <a:p>
             <a:pPr lvl="4" eaLnBrk="1" latinLnBrk="0" hangingPunct="1"/>
             <a:r>
-              <a:rPr lang="fr-FR" dirty="0" smtClean="0"/>
+              <a:rPr lang="fr-FR" dirty="0"/>
               <a:t>Cinquième niveau</a:t>
             </a:r>
             <a:endParaRPr kumimoji="0" lang="en-US" dirty="0"/>
@@ -6886,7 +6722,7 @@
           <a:p>
             <a:fld id="{9FC95688-4DB0-4F51-94A9-29BA89D545B3}" type="datetime1">
               <a:rPr lang="fr-FR" smtClean="0"/>
-              <a:t>30/01/2015</a:t>
+              <a:t>22/05/2017</a:t>
             </a:fld>
             <a:endParaRPr lang="fr-BE"/>
           </a:p>
@@ -6932,10 +6768,9 @@
           <a:lstStyle/>
           <a:p>
             <a:r>
-              <a:rPr lang="fr-BE" smtClean="0"/>
+              <a:rPr lang="fr-BE"/>
               <a:t>Xavier Pessoles - Jean-Pierre Pupier</a:t>
             </a:r>
-            <a:endParaRPr lang="fr-BE"/>
           </a:p>
         </p:txBody>
       </p:sp>
@@ -6944,13 +6779,6 @@
   <p:clrMapOvr>
     <a:masterClrMapping/>
   </p:clrMapOvr>
-  <p:timing>
-    <p:tnLst>
-      <p:par>
-        <p:cTn id="1" dur="indefinite" restart="never" nodeType="tmRoot"/>
-      </p:par>
-    </p:tnLst>
-  </p:timing>
 </p:sldLayout>
 </file>
 
@@ -7002,7 +6830,7 @@
           </a:lstStyle>
           <a:p>
             <a:r>
-              <a:rPr kumimoji="0" lang="fr-FR" smtClean="0"/>
+              <a:rPr kumimoji="0" lang="fr-FR"/>
               <a:t>Modifiez le style du titre</a:t>
             </a:r>
             <a:endParaRPr kumimoji="0" lang="en-US"/>
@@ -7080,7 +6908,7 @@
           <a:p>
             <a:pPr lvl="0" eaLnBrk="1" latinLnBrk="0" hangingPunct="1"/>
             <a:r>
-              <a:rPr kumimoji="0" lang="fr-FR" smtClean="0"/>
+              <a:rPr kumimoji="0" lang="fr-FR"/>
               <a:t>Modifiez les styles du texte du masque</a:t>
             </a:r>
           </a:p>
@@ -7108,7 +6936,7 @@
           <a:p>
             <a:fld id="{20848678-D788-46FE-B700-C9269C74C891}" type="datetime1">
               <a:rPr lang="fr-FR" smtClean="0"/>
-              <a:t>30/01/2015</a:t>
+              <a:t>22/05/2017</a:t>
             </a:fld>
             <a:endParaRPr lang="fr-BE"/>
           </a:p>
@@ -7135,10 +6963,9 @@
           <a:lstStyle/>
           <a:p>
             <a:r>
-              <a:rPr lang="fr-BE" smtClean="0"/>
+              <a:rPr lang="fr-BE"/>
               <a:t>Xavier Pessoles - Jean-Pierre Pupier</a:t>
             </a:r>
-            <a:endParaRPr lang="fr-BE"/>
           </a:p>
         </p:txBody>
       </p:sp>
@@ -7903,7 +7730,7 @@
           <a:lstStyle/>
           <a:p>
             <a:r>
-              <a:rPr kumimoji="0" lang="fr-FR" smtClean="0"/>
+              <a:rPr kumimoji="0" lang="fr-FR"/>
               <a:t>Modifiez le style du titre</a:t>
             </a:r>
             <a:endParaRPr kumimoji="0" lang="en-US"/>
@@ -7927,7 +7754,7 @@
           <a:p>
             <a:fld id="{79C16800-6255-4A73-95D9-53ECCA86BF18}" type="datetime1">
               <a:rPr lang="fr-FR" smtClean="0"/>
-              <a:t>30/01/2015</a:t>
+              <a:t>22/05/2017</a:t>
             </a:fld>
             <a:endParaRPr lang="fr-BE"/>
           </a:p>
@@ -7949,10 +7776,9 @@
           <a:lstStyle/>
           <a:p>
             <a:r>
-              <a:rPr lang="fr-BE" smtClean="0"/>
+              <a:rPr lang="fr-BE"/>
               <a:t>Xavier Pessoles - Jean-Pierre Pupier</a:t>
             </a:r>
-            <a:endParaRPr lang="fr-BE"/>
           </a:p>
         </p:txBody>
       </p:sp>
@@ -8002,35 +7828,35 @@
           <a:p>
             <a:pPr lvl="0" eaLnBrk="1" latinLnBrk="0" hangingPunct="1"/>
             <a:r>
-              <a:rPr lang="fr-FR" smtClean="0"/>
+              <a:rPr lang="fr-FR"/>
               <a:t>Modifiez les styles du texte du masque</a:t>
             </a:r>
           </a:p>
           <a:p>
             <a:pPr lvl="1" eaLnBrk="1" latinLnBrk="0" hangingPunct="1"/>
             <a:r>
-              <a:rPr lang="fr-FR" smtClean="0"/>
+              <a:rPr lang="fr-FR"/>
               <a:t>Deuxième niveau</a:t>
             </a:r>
           </a:p>
           <a:p>
             <a:pPr lvl="2" eaLnBrk="1" latinLnBrk="0" hangingPunct="1"/>
             <a:r>
-              <a:rPr lang="fr-FR" smtClean="0"/>
+              <a:rPr lang="fr-FR"/>
               <a:t>Troisième niveau</a:t>
             </a:r>
           </a:p>
           <a:p>
             <a:pPr lvl="3" eaLnBrk="1" latinLnBrk="0" hangingPunct="1"/>
             <a:r>
-              <a:rPr lang="fr-FR" smtClean="0"/>
+              <a:rPr lang="fr-FR"/>
               <a:t>Quatrième niveau</a:t>
             </a:r>
           </a:p>
           <a:p>
             <a:pPr lvl="4" eaLnBrk="1" latinLnBrk="0" hangingPunct="1"/>
             <a:r>
-              <a:rPr lang="fr-FR" smtClean="0"/>
+              <a:rPr lang="fr-FR"/>
               <a:t>Cinquième niveau</a:t>
             </a:r>
             <a:endParaRPr kumimoji="0" lang="en-US"/>
@@ -8059,35 +7885,35 @@
           <a:p>
             <a:pPr lvl="0" eaLnBrk="1" latinLnBrk="0" hangingPunct="1"/>
             <a:r>
-              <a:rPr lang="fr-FR" smtClean="0"/>
+              <a:rPr lang="fr-FR"/>
               <a:t>Modifiez les styles du texte du masque</a:t>
             </a:r>
           </a:p>
           <a:p>
             <a:pPr lvl="1" eaLnBrk="1" latinLnBrk="0" hangingPunct="1"/>
             <a:r>
-              <a:rPr lang="fr-FR" smtClean="0"/>
+              <a:rPr lang="fr-FR"/>
               <a:t>Deuxième niveau</a:t>
             </a:r>
           </a:p>
           <a:p>
             <a:pPr lvl="2" eaLnBrk="1" latinLnBrk="0" hangingPunct="1"/>
             <a:r>
-              <a:rPr lang="fr-FR" smtClean="0"/>
+              <a:rPr lang="fr-FR"/>
               <a:t>Troisième niveau</a:t>
             </a:r>
           </a:p>
           <a:p>
             <a:pPr lvl="3" eaLnBrk="1" latinLnBrk="0" hangingPunct="1"/>
             <a:r>
-              <a:rPr lang="fr-FR" smtClean="0"/>
+              <a:rPr lang="fr-FR"/>
               <a:t>Quatrième niveau</a:t>
             </a:r>
           </a:p>
           <a:p>
             <a:pPr lvl="4" eaLnBrk="1" latinLnBrk="0" hangingPunct="1"/>
             <a:r>
-              <a:rPr lang="fr-FR" smtClean="0"/>
+              <a:rPr lang="fr-FR"/>
               <a:t>Cinquième niveau</a:t>
             </a:r>
             <a:endParaRPr kumimoji="0" lang="en-US"/>
@@ -8144,7 +7970,7 @@
           </a:lstStyle>
           <a:p>
             <a:r>
-              <a:rPr kumimoji="0" lang="fr-FR" smtClean="0"/>
+              <a:rPr kumimoji="0" lang="fr-FR"/>
               <a:t>Modifiez le style du titre</a:t>
             </a:r>
             <a:endParaRPr kumimoji="0" lang="en-US"/>
@@ -8168,7 +7994,7 @@
           <a:p>
             <a:fld id="{2ECF0889-EA02-48F1-86FE-1B2AAC4C247E}" type="datetime1">
               <a:rPr lang="fr-FR" smtClean="0"/>
-              <a:t>30/01/2015</a:t>
+              <a:t>22/05/2017</a:t>
             </a:fld>
             <a:endParaRPr lang="fr-BE"/>
           </a:p>
@@ -8190,10 +8016,9 @@
           <a:lstStyle/>
           <a:p>
             <a:r>
-              <a:rPr lang="fr-BE" smtClean="0"/>
+              <a:rPr lang="fr-BE"/>
               <a:t>Xavier Pessoles - Jean-Pierre Pupier</a:t>
             </a:r>
-            <a:endParaRPr lang="fr-BE"/>
           </a:p>
         </p:txBody>
       </p:sp>
@@ -8243,35 +8068,35 @@
           <a:p>
             <a:pPr lvl="0" eaLnBrk="1" latinLnBrk="0" hangingPunct="1"/>
             <a:r>
-              <a:rPr lang="fr-FR" smtClean="0"/>
+              <a:rPr lang="fr-FR"/>
               <a:t>Modifiez les styles du texte du masque</a:t>
             </a:r>
           </a:p>
           <a:p>
             <a:pPr lvl="1" eaLnBrk="1" latinLnBrk="0" hangingPunct="1"/>
             <a:r>
-              <a:rPr lang="fr-FR" smtClean="0"/>
+              <a:rPr lang="fr-FR"/>
               <a:t>Deuxième niveau</a:t>
             </a:r>
           </a:p>
           <a:p>
             <a:pPr lvl="2" eaLnBrk="1" latinLnBrk="0" hangingPunct="1"/>
             <a:r>
-              <a:rPr lang="fr-FR" smtClean="0"/>
+              <a:rPr lang="fr-FR"/>
               <a:t>Troisième niveau</a:t>
             </a:r>
           </a:p>
           <a:p>
             <a:pPr lvl="3" eaLnBrk="1" latinLnBrk="0" hangingPunct="1"/>
             <a:r>
-              <a:rPr lang="fr-FR" smtClean="0"/>
+              <a:rPr lang="fr-FR"/>
               <a:t>Quatrième niveau</a:t>
             </a:r>
           </a:p>
           <a:p>
             <a:pPr lvl="4" eaLnBrk="1" latinLnBrk="0" hangingPunct="1"/>
             <a:r>
-              <a:rPr lang="fr-FR" smtClean="0"/>
+              <a:rPr lang="fr-FR"/>
               <a:t>Cinquième niveau</a:t>
             </a:r>
             <a:endParaRPr kumimoji="0" lang="en-US"/>
@@ -8300,35 +8125,35 @@
           <a:p>
             <a:pPr lvl="0" eaLnBrk="1" latinLnBrk="0" hangingPunct="1"/>
             <a:r>
-              <a:rPr lang="fr-FR" smtClean="0"/>
+              <a:rPr lang="fr-FR"/>
               <a:t>Modifiez les styles du texte du masque</a:t>
             </a:r>
           </a:p>
           <a:p>
             <a:pPr lvl="1" eaLnBrk="1" latinLnBrk="0" hangingPunct="1"/>
             <a:r>
-              <a:rPr lang="fr-FR" smtClean="0"/>
+              <a:rPr lang="fr-FR"/>
               <a:t>Deuxième niveau</a:t>
             </a:r>
           </a:p>
           <a:p>
             <a:pPr lvl="2" eaLnBrk="1" latinLnBrk="0" hangingPunct="1"/>
             <a:r>
-              <a:rPr lang="fr-FR" smtClean="0"/>
+              <a:rPr lang="fr-FR"/>
               <a:t>Troisième niveau</a:t>
             </a:r>
           </a:p>
           <a:p>
             <a:pPr lvl="3" eaLnBrk="1" latinLnBrk="0" hangingPunct="1"/>
             <a:r>
-              <a:rPr lang="fr-FR" smtClean="0"/>
+              <a:rPr lang="fr-FR"/>
               <a:t>Quatrième niveau</a:t>
             </a:r>
           </a:p>
           <a:p>
             <a:pPr lvl="4" eaLnBrk="1" latinLnBrk="0" hangingPunct="1"/>
             <a:r>
-              <a:rPr lang="fr-FR" smtClean="0"/>
+              <a:rPr lang="fr-FR"/>
               <a:t>Cinquième niveau</a:t>
             </a:r>
             <a:endParaRPr kumimoji="0" lang="en-US"/>
@@ -8377,7 +8202,7 @@
           <a:p>
             <a:pPr lvl="0" eaLnBrk="1" latinLnBrk="0" hangingPunct="1"/>
             <a:r>
-              <a:rPr kumimoji="0" lang="fr-FR" smtClean="0"/>
+              <a:rPr kumimoji="0" lang="fr-FR"/>
               <a:t>Modifiez les styles du texte du masque</a:t>
             </a:r>
           </a:p>
@@ -8425,7 +8250,7 @@
           <a:p>
             <a:pPr lvl="0" eaLnBrk="1" latinLnBrk="0" hangingPunct="1"/>
             <a:r>
-              <a:rPr kumimoji="0" lang="fr-FR" smtClean="0"/>
+              <a:rPr kumimoji="0" lang="fr-FR"/>
               <a:t>Modifiez les styles du texte du masque</a:t>
             </a:r>
           </a:p>
@@ -8472,7 +8297,7 @@
           <a:lstStyle/>
           <a:p>
             <a:r>
-              <a:rPr kumimoji="0" lang="fr-FR" smtClean="0"/>
+              <a:rPr kumimoji="0" lang="fr-FR"/>
               <a:t>Modifiez le style du titre</a:t>
             </a:r>
             <a:endParaRPr kumimoji="0" lang="en-US"/>
@@ -8496,7 +8321,7 @@
           <a:p>
             <a:fld id="{712E9D54-6766-4EFC-BDD9-0C3193CEE8BD}" type="datetime1">
               <a:rPr lang="fr-FR" smtClean="0"/>
-              <a:t>30/01/2015</a:t>
+              <a:t>22/05/2017</a:t>
             </a:fld>
             <a:endParaRPr lang="fr-BE"/>
           </a:p>
@@ -8542,10 +8367,9 @@
           <a:lstStyle/>
           <a:p>
             <a:r>
-              <a:rPr lang="fr-BE" smtClean="0"/>
+              <a:rPr lang="fr-BE"/>
               <a:t>Xavier Pessoles - Jean-Pierre Pupier</a:t>
             </a:r>
-            <a:endParaRPr lang="fr-BE"/>
           </a:p>
         </p:txBody>
       </p:sp>
@@ -8591,7 +8415,7 @@
           <a:p>
             <a:fld id="{5469AE92-F693-4AF4-B39E-ECB41C1DA14C}" type="datetime1">
               <a:rPr lang="fr-FR" smtClean="0"/>
-              <a:t>30/01/2015</a:t>
+              <a:t>22/05/2017</a:t>
             </a:fld>
             <a:endParaRPr lang="fr-BE"/>
           </a:p>
@@ -8613,10 +8437,9 @@
           <a:lstStyle/>
           <a:p>
             <a:r>
-              <a:rPr lang="fr-BE" smtClean="0"/>
+              <a:rPr lang="fr-BE"/>
               <a:t>Xavier Pessoles - Jean-Pierre Pupier</a:t>
             </a:r>
-            <a:endParaRPr lang="fr-BE"/>
           </a:p>
         </p:txBody>
       </p:sp>
@@ -8739,7 +8562,7 @@
           </a:lstStyle>
           <a:p>
             <a:r>
-              <a:rPr kumimoji="0" lang="fr-FR" smtClean="0"/>
+              <a:rPr kumimoji="0" lang="fr-FR"/>
               <a:t>Modifiez le style du titre</a:t>
             </a:r>
             <a:endParaRPr kumimoji="0" lang="en-US"/>
@@ -8795,7 +8618,7 @@
           <a:p>
             <a:pPr lvl="0" eaLnBrk="1" latinLnBrk="0" hangingPunct="1"/>
             <a:r>
-              <a:rPr kumimoji="0" lang="fr-FR" smtClean="0"/>
+              <a:rPr kumimoji="0" lang="fr-FR"/>
               <a:t>Modifiez les styles du texte du masque</a:t>
             </a:r>
           </a:p>
@@ -9061,35 +8884,35 @@
           <a:p>
             <a:pPr lvl="0" eaLnBrk="1" latinLnBrk="0" hangingPunct="1"/>
             <a:r>
-              <a:rPr lang="fr-FR" smtClean="0"/>
+              <a:rPr lang="fr-FR"/>
               <a:t>Modifiez les styles du texte du masque</a:t>
             </a:r>
           </a:p>
           <a:p>
             <a:pPr lvl="1" eaLnBrk="1" latinLnBrk="0" hangingPunct="1"/>
             <a:r>
-              <a:rPr lang="fr-FR" smtClean="0"/>
+              <a:rPr lang="fr-FR"/>
               <a:t>Deuxième niveau</a:t>
             </a:r>
           </a:p>
           <a:p>
             <a:pPr lvl="2" eaLnBrk="1" latinLnBrk="0" hangingPunct="1"/>
             <a:r>
-              <a:rPr lang="fr-FR" smtClean="0"/>
+              <a:rPr lang="fr-FR"/>
               <a:t>Troisième niveau</a:t>
             </a:r>
           </a:p>
           <a:p>
             <a:pPr lvl="3" eaLnBrk="1" latinLnBrk="0" hangingPunct="1"/>
             <a:r>
-              <a:rPr lang="fr-FR" smtClean="0"/>
+              <a:rPr lang="fr-FR"/>
               <a:t>Quatrième niveau</a:t>
             </a:r>
           </a:p>
           <a:p>
             <a:pPr lvl="4" eaLnBrk="1" latinLnBrk="0" hangingPunct="1"/>
             <a:r>
-              <a:rPr lang="fr-FR" smtClean="0"/>
+              <a:rPr lang="fr-FR"/>
               <a:t>Cinquième niveau</a:t>
             </a:r>
             <a:endParaRPr kumimoji="0" lang="en-US"/>
@@ -9113,7 +8936,7 @@
           <a:p>
             <a:fld id="{15EB620E-D183-4F2A-BD4F-6B1729D1A0DE}" type="datetime1">
               <a:rPr lang="fr-FR" smtClean="0"/>
-              <a:t>30/01/2015</a:t>
+              <a:t>22/05/2017</a:t>
             </a:fld>
             <a:endParaRPr lang="fr-BE"/>
           </a:p>
@@ -9159,10 +8982,9 @@
           <a:lstStyle/>
           <a:p>
             <a:r>
-              <a:rPr lang="fr-BE" smtClean="0"/>
+              <a:rPr lang="fr-BE"/>
               <a:t>Xavier Pessoles - Jean-Pierre Pupier</a:t>
             </a:r>
-            <a:endParaRPr lang="fr-BE"/>
           </a:p>
         </p:txBody>
       </p:sp>
@@ -9298,7 +9120,7 @@
           </a:lstStyle>
           <a:p>
             <a:r>
-              <a:rPr kumimoji="0" lang="fr-FR" smtClean="0"/>
+              <a:rPr kumimoji="0" lang="fr-FR"/>
               <a:t>Modifiez le style du titre</a:t>
             </a:r>
             <a:endParaRPr kumimoji="0" lang="en-US"/>
@@ -9357,7 +9179,7 @@
               <a:buNone/>
             </a:pPr>
             <a:r>
-              <a:rPr kumimoji="0" lang="fr-FR" smtClean="0"/>
+              <a:rPr kumimoji="0" lang="fr-FR"/>
               <a:t>Cliquez sur l'icône pour ajouter une image</a:t>
             </a:r>
             <a:endParaRPr kumimoji="0" lang="en-US" dirty="0"/>
@@ -9412,7 +9234,7 @@
           <a:p>
             <a:pPr lvl="0" eaLnBrk="1" latinLnBrk="0" hangingPunct="1"/>
             <a:r>
-              <a:rPr kumimoji="0" lang="fr-FR" smtClean="0"/>
+              <a:rPr kumimoji="0" lang="fr-FR"/>
               <a:t>Modifiez les styles du texte du masque</a:t>
             </a:r>
           </a:p>
@@ -9629,7 +9451,7 @@
           <a:p>
             <a:fld id="{2D38B004-A344-4981-8789-E15D3302231A}" type="datetime1">
               <a:rPr lang="fr-FR" smtClean="0"/>
-              <a:t>30/01/2015</a:t>
+              <a:t>22/05/2017</a:t>
             </a:fld>
             <a:endParaRPr lang="fr-BE"/>
           </a:p>
@@ -9675,10 +9497,9 @@
           <a:lstStyle/>
           <a:p>
             <a:r>
-              <a:rPr lang="fr-BE" smtClean="0"/>
+              <a:rPr lang="fr-BE"/>
               <a:t>Xavier Pessoles - Jean-Pierre Pupier</a:t>
             </a:r>
-            <a:endParaRPr lang="fr-BE"/>
           </a:p>
         </p:txBody>
       </p:sp>
@@ -9777,7 +9598,7 @@
           <a:lstStyle/>
           <a:p>
             <a:r>
-              <a:rPr kumimoji="0" lang="fr-FR" smtClean="0"/>
+              <a:rPr kumimoji="0" lang="fr-FR"/>
               <a:t>Modifiez le style du titre</a:t>
             </a:r>
             <a:endParaRPr kumimoji="0" lang="en-US"/>
@@ -9811,35 +9632,35 @@
           <a:p>
             <a:pPr lvl="0" eaLnBrk="1" latinLnBrk="0" hangingPunct="1"/>
             <a:r>
-              <a:rPr kumimoji="0" lang="fr-FR" smtClean="0"/>
+              <a:rPr kumimoji="0" lang="fr-FR"/>
               <a:t>Modifiez les styles du texte du masque</a:t>
             </a:r>
           </a:p>
           <a:p>
             <a:pPr lvl="1" eaLnBrk="1" latinLnBrk="0" hangingPunct="1"/>
             <a:r>
-              <a:rPr kumimoji="0" lang="fr-FR" smtClean="0"/>
+              <a:rPr kumimoji="0" lang="fr-FR"/>
               <a:t>Deuxième niveau</a:t>
             </a:r>
           </a:p>
           <a:p>
             <a:pPr lvl="2" eaLnBrk="1" latinLnBrk="0" hangingPunct="1"/>
             <a:r>
-              <a:rPr kumimoji="0" lang="fr-FR" smtClean="0"/>
+              <a:rPr kumimoji="0" lang="fr-FR"/>
               <a:t>Troisième niveau</a:t>
             </a:r>
           </a:p>
           <a:p>
             <a:pPr lvl="3" eaLnBrk="1" latinLnBrk="0" hangingPunct="1"/>
             <a:r>
-              <a:rPr kumimoji="0" lang="fr-FR" smtClean="0"/>
+              <a:rPr kumimoji="0" lang="fr-FR"/>
               <a:t>Quatrième niveau</a:t>
             </a:r>
           </a:p>
           <a:p>
             <a:pPr lvl="4" eaLnBrk="1" latinLnBrk="0" hangingPunct="1"/>
             <a:r>
-              <a:rPr kumimoji="0" lang="fr-FR" smtClean="0"/>
+              <a:rPr kumimoji="0" lang="fr-FR"/>
               <a:t>Cinquième niveau</a:t>
             </a:r>
             <a:endParaRPr kumimoji="0" lang="en-US"/>
@@ -9879,7 +9700,7 @@
           <a:p>
             <a:fld id="{002E150F-AA26-4E99-A02A-7CA355CA54B4}" type="datetime1">
               <a:rPr lang="fr-FR" smtClean="0"/>
-              <a:t>30/01/2015</a:t>
+              <a:t>22/05/2017</a:t>
             </a:fld>
             <a:endParaRPr lang="fr-BE"/>
           </a:p>
@@ -9917,10 +9738,9 @@
           </a:lstStyle>
           <a:p>
             <a:r>
-              <a:rPr lang="fr-BE" smtClean="0"/>
+              <a:rPr lang="fr-BE"/>
               <a:t>Xavier Pessoles - Jean-Pierre Pupier</a:t>
             </a:r>
-            <a:endParaRPr lang="fr-BE"/>
           </a:p>
         </p:txBody>
       </p:sp>
@@ -10262,13 +10082,6 @@
     <p:sldLayoutId id="2147483682" r:id="rId10"/>
     <p:sldLayoutId id="2147483683" r:id="rId11"/>
   </p:sldLayoutIdLst>
-  <p:timing>
-    <p:tnLst>
-      <p:par>
-        <p:cTn id="1" dur="indefinite" restart="never" nodeType="tmRoot"/>
-      </p:par>
-    </p:tnLst>
-  </p:timing>
   <p:hf hdr="0" dt="0"/>
   <p:txStyles>
     <p:titleStyle>
@@ -10600,27 +10413,27 @@
           <a:lstStyle/>
           <a:p>
             <a:r>
-              <a:rPr lang="fr-FR" dirty="0" smtClean="0"/>
+              <a:rPr lang="fr-FR" dirty="0"/>
               <a:t>Acquisition et Pilotage – Cartes </a:t>
             </a:r>
             <a:r>
-              <a:rPr lang="fr-FR" dirty="0" err="1" smtClean="0"/>
+              <a:rPr lang="fr-FR" dirty="0" err="1"/>
               <a:t>Arduino</a:t>
             </a:r>
             <a:r>
-              <a:rPr lang="fr-FR" dirty="0" smtClean="0"/>
+              <a:rPr lang="fr-FR" dirty="0"/>
               <a:t> et </a:t>
             </a:r>
             <a:r>
-              <a:rPr lang="fr-FR" dirty="0" err="1" smtClean="0"/>
+              <a:rPr lang="fr-FR" dirty="0" err="1"/>
               <a:t>Motor</a:t>
             </a:r>
             <a:r>
-              <a:rPr lang="fr-FR" dirty="0" smtClean="0"/>
+              <a:rPr lang="fr-FR" dirty="0"/>
               <a:t> </a:t>
             </a:r>
             <a:r>
-              <a:rPr lang="fr-FR" dirty="0" err="1" smtClean="0"/>
+              <a:rPr lang="fr-FR" dirty="0" err="1"/>
               <a:t>Shield</a:t>
             </a:r>
             <a:endParaRPr lang="fr-FR" dirty="0"/>
@@ -10831,10 +10644,9 @@
           <a:lstStyle/>
           <a:p>
             <a:r>
-              <a:rPr lang="fr-BE" smtClean="0"/>
+              <a:rPr lang="fr-BE"/>
               <a:t>Xavier Pessoles - Jean-Pierre Pupier</a:t>
             </a:r>
-            <a:endParaRPr lang="fr-BE"/>
           </a:p>
         </p:txBody>
       </p:sp>
@@ -11104,13 +10916,6 @@
   <p:clrMapOvr>
     <a:masterClrMapping/>
   </p:clrMapOvr>
-  <p:timing>
-    <p:tnLst>
-      <p:par>
-        <p:cTn id="1" dur="indefinite" restart="never" nodeType="tmRoot"/>
-      </p:par>
-    </p:tnLst>
-  </p:timing>
 </p:sld>
 </file>
 
@@ -11205,10 +11010,9 @@
           <a:lstStyle/>
           <a:p>
             <a:r>
-              <a:rPr lang="fr-BE" smtClean="0"/>
+              <a:rPr lang="fr-BE"/>
               <a:t>Xavier Pessoles - Jean-Pierre Pupier</a:t>
             </a:r>
-            <a:endParaRPr lang="fr-BE"/>
           </a:p>
         </p:txBody>
       </p:sp>
@@ -11252,18 +11056,13 @@
           <a:p>
             <a:pPr algn="ctr"/>
             <a:r>
-              <a:rPr lang="fr-FR" sz="4000" b="1" dirty="0" smtClean="0">
+              <a:rPr lang="fr-FR" sz="4000" b="1" dirty="0">
                 <a:solidFill>
                   <a:srgbClr val="FF0000"/>
                 </a:solidFill>
               </a:rPr>
               <a:t>DEBRANCHER LA CARTE ARDUINO DU PORT USB AVANT TOUT BRANCHEMENT (POTENTIOMETRE, BATTERIE, CARTE SHIELD…)</a:t>
             </a:r>
-            <a:endParaRPr lang="fr-FR" sz="4000" b="1" dirty="0">
-              <a:solidFill>
-                <a:srgbClr val="FF0000"/>
-              </a:solidFill>
-            </a:endParaRPr>
           </a:p>
         </p:txBody>
       </p:sp>
@@ -11313,10 +11112,9 @@
           <a:lstStyle/>
           <a:p>
             <a:r>
-              <a:rPr lang="fr-FR" dirty="0" smtClean="0"/>
+              <a:rPr lang="fr-FR" dirty="0"/>
               <a:t>Spécifications du Potentiomètre</a:t>
             </a:r>
-            <a:endParaRPr lang="fr-FR" dirty="0"/>
           </a:p>
         </p:txBody>
       </p:sp>
@@ -11338,141 +11136,133 @@
           <a:lstStyle/>
           <a:p>
             <a:r>
-              <a:rPr lang="fr-FR" dirty="0" err="1" smtClean="0"/>
+              <a:rPr lang="fr-FR" dirty="0" err="1"/>
               <a:t>Omeg</a:t>
             </a:r>
             <a:r>
-              <a:rPr lang="fr-FR" dirty="0" smtClean="0"/>
+              <a:rPr lang="fr-FR" dirty="0"/>
               <a:t> PC20BU-47K-Lin</a:t>
             </a:r>
           </a:p>
           <a:p>
             <a:pPr lvl="1"/>
             <a:r>
-              <a:rPr lang="fr-FR" dirty="0" smtClean="0"/>
+              <a:rPr lang="fr-FR" dirty="0"/>
               <a:t>Type de potentiomètre : axial, </a:t>
             </a:r>
             <a:r>
-              <a:rPr lang="fr-FR" dirty="0" err="1" smtClean="0"/>
+              <a:rPr lang="fr-FR" dirty="0" err="1"/>
               <a:t>monotour</a:t>
             </a:r>
-            <a:endParaRPr lang="fr-FR" dirty="0" smtClean="0"/>
+            <a:endParaRPr lang="fr-FR" dirty="0"/>
           </a:p>
           <a:p>
             <a:pPr lvl="1"/>
             <a:r>
-              <a:rPr lang="fr-FR" dirty="0" smtClean="0"/>
+              <a:rPr lang="fr-FR" dirty="0"/>
               <a:t>Résistance : 47 k</a:t>
             </a:r>
             <a:r>
-              <a:rPr lang="el-GR" dirty="0" smtClean="0"/>
+              <a:rPr lang="el-GR" dirty="0"/>
               <a:t>Ω</a:t>
             </a:r>
-            <a:endParaRPr lang="fr-FR" dirty="0" smtClean="0"/>
+            <a:endParaRPr lang="fr-FR" dirty="0"/>
           </a:p>
           <a:p>
             <a:pPr lvl="1"/>
             <a:r>
-              <a:rPr lang="fr-FR" dirty="0" smtClean="0"/>
+              <a:rPr lang="fr-FR" dirty="0"/>
               <a:t>Puissance = 0,4 kW</a:t>
             </a:r>
           </a:p>
           <a:p>
             <a:pPr lvl="1"/>
             <a:r>
-              <a:rPr lang="fr-FR" dirty="0" smtClean="0"/>
-              <a:t>Tolérance :</a:t>
-            </a:r>
-            <a:r>
               <a:rPr lang="fr-FR" dirty="0"/>
-              <a:t> ±20</a:t>
-            </a:r>
-            <a:r>
-              <a:rPr lang="fr-FR" dirty="0" smtClean="0"/>
-              <a:t>%</a:t>
+              <a:t>Tolérance : ±20%</a:t>
             </a:r>
           </a:p>
           <a:p>
             <a:pPr lvl="1"/>
             <a:r>
-              <a:rPr lang="fr-FR" dirty="0" smtClean="0"/>
+              <a:rPr lang="fr-FR" dirty="0"/>
               <a:t>Diamètre de l’axe : 6 mm</a:t>
             </a:r>
           </a:p>
           <a:p>
             <a:pPr lvl="1"/>
             <a:r>
-              <a:rPr lang="fr-FR" dirty="0" smtClean="0"/>
+              <a:rPr lang="fr-FR" dirty="0"/>
               <a:t>Caractéristique : linéaire</a:t>
             </a:r>
           </a:p>
           <a:p>
             <a:pPr lvl="1"/>
             <a:r>
-              <a:rPr lang="fr-FR" dirty="0" smtClean="0"/>
+              <a:rPr lang="fr-FR" dirty="0"/>
               <a:t>Montage : THT</a:t>
             </a:r>
           </a:p>
           <a:p>
             <a:pPr lvl="1"/>
             <a:r>
-              <a:rPr lang="fr-FR" dirty="0" smtClean="0"/>
+              <a:rPr lang="fr-FR" dirty="0"/>
               <a:t>Encombrement du corps : Diamètre 20mm x 10mm</a:t>
             </a:r>
           </a:p>
           <a:p>
             <a:pPr lvl="1"/>
             <a:r>
-              <a:rPr lang="fr-FR" dirty="0" smtClean="0"/>
+              <a:rPr lang="fr-FR" dirty="0"/>
               <a:t>Matériau de la piste : plastique</a:t>
             </a:r>
           </a:p>
           <a:p>
             <a:pPr lvl="1"/>
             <a:r>
-              <a:rPr lang="fr-FR" dirty="0" smtClean="0"/>
+              <a:rPr lang="fr-FR" dirty="0"/>
               <a:t>Type d’usinage de l’axe : lisse</a:t>
             </a:r>
           </a:p>
           <a:p>
             <a:pPr lvl="1"/>
             <a:r>
-              <a:rPr lang="fr-FR" dirty="0" smtClean="0"/>
+              <a:rPr lang="fr-FR" dirty="0"/>
               <a:t>Longueur de l’axe : 43 mm</a:t>
             </a:r>
           </a:p>
           <a:p>
             <a:pPr lvl="1"/>
             <a:r>
-              <a:rPr lang="fr-FR" dirty="0" smtClean="0"/>
+              <a:rPr lang="fr-FR" dirty="0"/>
               <a:t>Longueur du filetage : 7 mm</a:t>
             </a:r>
           </a:p>
           <a:p>
             <a:pPr lvl="1"/>
             <a:r>
-              <a:rPr lang="fr-FR" dirty="0" smtClean="0"/>
+              <a:rPr lang="fr-FR" dirty="0"/>
               <a:t>Trame des pistes : 5,08 mm</a:t>
             </a:r>
           </a:p>
           <a:p>
             <a:pPr lvl="1"/>
             <a:r>
-              <a:rPr lang="fr-FR" dirty="0" smtClean="0"/>
+              <a:rPr lang="fr-FR" dirty="0"/>
               <a:t>Course mécanique : 300°</a:t>
             </a:r>
           </a:p>
           <a:p>
             <a:pPr lvl="1"/>
             <a:r>
-              <a:rPr lang="fr-FR" dirty="0" smtClean="0"/>
+              <a:rPr lang="fr-FR" dirty="0"/>
               <a:t>Caractéristique des potentiomètres : mono</a:t>
             </a:r>
           </a:p>
           <a:p>
             <a:pPr lvl="1"/>
             <a:r>
-              <a:rPr lang="fr-FR" dirty="0" smtClean="0"/>
+              <a:rPr lang="fr-FR" dirty="0"/>
               <a:t>Tension de travail maxi : 500 VDC</a:t>
             </a:r>
           </a:p>
@@ -11518,10 +11308,9 @@
           <a:lstStyle/>
           <a:p>
             <a:r>
-              <a:rPr lang="fr-BE" smtClean="0"/>
+              <a:rPr lang="fr-BE"/>
               <a:t>Xavier Pessoles - Jean-Pierre Pupier</a:t>
             </a:r>
-            <a:endParaRPr lang="fr-BE"/>
           </a:p>
         </p:txBody>
       </p:sp>
@@ -11637,17 +11426,16 @@
           <a:lstStyle/>
           <a:p>
             <a:r>
-              <a:rPr lang="fr-FR" dirty="0" smtClean="0"/>
+              <a:rPr lang="fr-FR" dirty="0"/>
               <a:t>Acquisition potentiomètre</a:t>
             </a:r>
             <a:br>
-              <a:rPr lang="fr-FR" dirty="0" smtClean="0"/>
+              <a:rPr lang="fr-FR" dirty="0"/>
             </a:br>
             <a:r>
-              <a:rPr lang="fr-FR" dirty="0" smtClean="0"/>
+              <a:rPr lang="fr-FR" dirty="0"/>
               <a:t>Matériel et câblage</a:t>
             </a:r>
-            <a:endParaRPr lang="fr-FR" dirty="0"/>
           </a:p>
         </p:txBody>
       </p:sp>
@@ -11667,24 +11455,23 @@
           <a:lstStyle/>
           <a:p>
             <a:r>
-              <a:rPr lang="fr-FR" dirty="0" smtClean="0"/>
+              <a:rPr lang="fr-FR" dirty="0"/>
               <a:t>Une carte </a:t>
             </a:r>
             <a:r>
-              <a:rPr lang="fr-FR" dirty="0" err="1" smtClean="0"/>
+              <a:rPr lang="fr-FR" dirty="0" err="1"/>
               <a:t>arduino</a:t>
             </a:r>
             <a:r>
-              <a:rPr lang="fr-FR" dirty="0" smtClean="0"/>
+              <a:rPr lang="fr-FR" dirty="0"/>
               <a:t> UNO</a:t>
             </a:r>
           </a:p>
           <a:p>
             <a:r>
-              <a:rPr lang="fr-FR" dirty="0" smtClean="0"/>
+              <a:rPr lang="fr-FR" dirty="0"/>
               <a:t>Un potentiomètre rotatif</a:t>
             </a:r>
-            <a:endParaRPr lang="fr-FR" dirty="0"/>
           </a:p>
         </p:txBody>
       </p:sp>
@@ -11728,10 +11515,9 @@
           <a:lstStyle/>
           <a:p>
             <a:r>
-              <a:rPr lang="fr-BE" smtClean="0"/>
+              <a:rPr lang="fr-BE"/>
               <a:t>Xavier Pessoles - Jean-Pierre Pupier</a:t>
             </a:r>
-            <a:endParaRPr lang="fr-BE"/>
           </a:p>
         </p:txBody>
       </p:sp>
@@ -11822,10 +11608,9 @@
           <a:lstStyle/>
           <a:p>
             <a:r>
-              <a:rPr lang="fr-FR" dirty="0" smtClean="0"/>
+              <a:rPr lang="fr-FR" dirty="0"/>
               <a:t>Travail à réaliser</a:t>
             </a:r>
-            <a:endParaRPr lang="fr-FR" dirty="0"/>
           </a:p>
         </p:txBody>
       </p:sp>
@@ -11845,13 +11630,13 @@
           <a:lstStyle/>
           <a:p>
             <a:r>
-              <a:rPr lang="fr-FR" dirty="0" smtClean="0"/>
+              <a:rPr lang="fr-FR" dirty="0"/>
               <a:t>Réaliser le câblage</a:t>
             </a:r>
           </a:p>
           <a:p>
             <a:r>
-              <a:rPr lang="fr-FR" dirty="0" smtClean="0"/>
+              <a:rPr lang="fr-FR" dirty="0"/>
               <a:t>Écrire et tester le programme</a:t>
             </a:r>
           </a:p>
@@ -11897,10 +11682,9 @@
           <a:lstStyle/>
           <a:p>
             <a:r>
-              <a:rPr lang="fr-BE" smtClean="0"/>
+              <a:rPr lang="fr-BE"/>
               <a:t>Xavier Pessoles - Jean-Pierre Pupier</a:t>
             </a:r>
-            <a:endParaRPr lang="fr-BE"/>
           </a:p>
         </p:txBody>
       </p:sp>
@@ -11941,85 +11725,35 @@
               <a:t> </a:t>
             </a:r>
             <a:r>
-              <a:rPr lang="fr-FR" sz="1100" dirty="0" err="1" smtClean="0">
+              <a:rPr lang="fr-FR" sz="1100" dirty="0" err="1">
                 <a:latin typeface="Courier New" panose="02070309020205020404" pitchFamily="49" charset="0"/>
                 <a:cs typeface="Courier New" panose="02070309020205020404" pitchFamily="49" charset="0"/>
               </a:rPr>
               <a:t>IOcapteur</a:t>
             </a:r>
             <a:r>
-              <a:rPr lang="fr-FR" sz="1100" dirty="0" smtClean="0">
-                <a:latin typeface="Courier New" panose="02070309020205020404" pitchFamily="49" charset="0"/>
-                <a:cs typeface="Courier New" panose="02070309020205020404" pitchFamily="49" charset="0"/>
-              </a:rPr>
-              <a:t> </a:t>
-            </a:r>
-            <a:r>
               <a:rPr lang="fr-FR" sz="1100" dirty="0">
                 <a:latin typeface="Courier New" panose="02070309020205020404" pitchFamily="49" charset="0"/>
                 <a:cs typeface="Courier New" panose="02070309020205020404" pitchFamily="49" charset="0"/>
               </a:rPr>
-              <a:t>= </a:t>
-            </a:r>
-            <a:r>
-              <a:rPr lang="fr-FR" sz="1100" dirty="0" smtClean="0">
+              <a:t> = A5;    // Déclaration de l’entrée du potentiomètre</a:t>
+            </a:r>
+          </a:p>
+          <a:p>
+            <a:r>
+              <a:rPr lang="fr-FR" sz="1100" dirty="0" err="1">
                 <a:latin typeface="Courier New" panose="02070309020205020404" pitchFamily="49" charset="0"/>
                 <a:cs typeface="Courier New" panose="02070309020205020404" pitchFamily="49" charset="0"/>
               </a:rPr>
-              <a:t>A5;    </a:t>
+              <a:t>int</a:t>
             </a:r>
             <a:r>
               <a:rPr lang="fr-FR" sz="1100" dirty="0">
                 <a:latin typeface="Courier New" panose="02070309020205020404" pitchFamily="49" charset="0"/>
                 <a:cs typeface="Courier New" panose="02070309020205020404" pitchFamily="49" charset="0"/>
               </a:rPr>
-              <a:t>// </a:t>
-            </a:r>
-            <a:r>
-              <a:rPr lang="fr-FR" sz="1100" dirty="0" smtClean="0">
-                <a:latin typeface="Courier New" panose="02070309020205020404" pitchFamily="49" charset="0"/>
-                <a:cs typeface="Courier New" panose="02070309020205020404" pitchFamily="49" charset="0"/>
-              </a:rPr>
-              <a:t>Déclaration de l’entrée du potentiomètre</a:t>
-            </a:r>
-            <a:endParaRPr lang="fr-FR" sz="1100" dirty="0">
-              <a:latin typeface="Courier New" panose="02070309020205020404" pitchFamily="49" charset="0"/>
-              <a:cs typeface="Courier New" panose="02070309020205020404" pitchFamily="49" charset="0"/>
-            </a:endParaRPr>
-          </a:p>
-          <a:p>
-            <a:r>
-              <a:rPr lang="fr-FR" sz="1100" dirty="0" err="1" smtClean="0">
-                <a:latin typeface="Courier New" panose="02070309020205020404" pitchFamily="49" charset="0"/>
-                <a:cs typeface="Courier New" panose="02070309020205020404" pitchFamily="49" charset="0"/>
-              </a:rPr>
-              <a:t>int</a:t>
-            </a:r>
-            <a:r>
-              <a:rPr lang="fr-FR" sz="1100" dirty="0" smtClean="0">
-                <a:latin typeface="Courier New" panose="02070309020205020404" pitchFamily="49" charset="0"/>
-                <a:cs typeface="Courier New" panose="02070309020205020404" pitchFamily="49" charset="0"/>
-              </a:rPr>
-              <a:t> valeur </a:t>
-            </a:r>
-            <a:r>
-              <a:rPr lang="fr-FR" sz="1100" dirty="0">
-                <a:latin typeface="Courier New" panose="02070309020205020404" pitchFamily="49" charset="0"/>
-                <a:cs typeface="Courier New" panose="02070309020205020404" pitchFamily="49" charset="0"/>
-              </a:rPr>
-              <a:t>= 0;  </a:t>
-            </a:r>
-            <a:r>
-              <a:rPr lang="fr-FR" sz="1100" dirty="0" smtClean="0">
-                <a:latin typeface="Courier New" panose="02070309020205020404" pitchFamily="49" charset="0"/>
-                <a:cs typeface="Courier New" panose="02070309020205020404" pitchFamily="49" charset="0"/>
-              </a:rPr>
-              <a:t>      // Déclaration de la valeur lue</a:t>
-            </a:r>
-            <a:endParaRPr lang="fr-FR" sz="1100" dirty="0">
-              <a:latin typeface="Courier New" panose="02070309020205020404" pitchFamily="49" charset="0"/>
-              <a:cs typeface="Courier New" panose="02070309020205020404" pitchFamily="49" charset="0"/>
-            </a:endParaRPr>
+              <a:t> valeur = 0;        // Déclaration de la valeur lue</a:t>
+            </a:r>
           </a:p>
           <a:p>
             <a:endParaRPr lang="fr-FR" sz="1100" dirty="0">
@@ -12040,58 +11774,44 @@
                 <a:latin typeface="Courier New" panose="02070309020205020404" pitchFamily="49" charset="0"/>
                 <a:cs typeface="Courier New" panose="02070309020205020404" pitchFamily="49" charset="0"/>
               </a:rPr>
-              <a:t> setup() </a:t>
-            </a:r>
-            <a:r>
-              <a:rPr lang="fr-FR" sz="1100" dirty="0" smtClean="0">
-                <a:latin typeface="Courier New" panose="02070309020205020404" pitchFamily="49" charset="0"/>
-                <a:cs typeface="Courier New" panose="02070309020205020404" pitchFamily="49" charset="0"/>
-              </a:rPr>
-              <a:t>{</a:t>
-            </a:r>
-          </a:p>
-          <a:p>
-            <a:r>
-              <a:rPr lang="fr-FR" sz="1100" dirty="0" smtClean="0">
+              <a:t> setup() {</a:t>
+            </a:r>
+          </a:p>
+          <a:p>
+            <a:r>
+              <a:rPr lang="fr-FR" sz="1100" dirty="0">
                 <a:latin typeface="Courier New" panose="02070309020205020404" pitchFamily="49" charset="0"/>
                 <a:cs typeface="Courier New" panose="02070309020205020404" pitchFamily="49" charset="0"/>
               </a:rPr>
               <a:t>  </a:t>
             </a:r>
             <a:r>
-              <a:rPr lang="en-US" sz="1100" dirty="0" err="1" smtClean="0">
+              <a:rPr lang="en-US" sz="1100" dirty="0" err="1">
                 <a:latin typeface="Courier New" panose="02070309020205020404" pitchFamily="49" charset="0"/>
                 <a:cs typeface="Courier New" panose="02070309020205020404" pitchFamily="49" charset="0"/>
               </a:rPr>
               <a:t>pinMode</a:t>
             </a:r>
             <a:r>
-              <a:rPr lang="en-US" sz="1100" dirty="0" smtClean="0">
+              <a:rPr lang="en-US" sz="1100" dirty="0">
                 <a:latin typeface="Courier New" panose="02070309020205020404" pitchFamily="49" charset="0"/>
                 <a:cs typeface="Courier New" panose="02070309020205020404" pitchFamily="49" charset="0"/>
               </a:rPr>
               <a:t>(</a:t>
             </a:r>
             <a:r>
-              <a:rPr lang="en-US" sz="1100" dirty="0" err="1" smtClean="0">
+              <a:rPr lang="en-US" sz="1100" dirty="0" err="1">
                 <a:latin typeface="Courier New" panose="02070309020205020404" pitchFamily="49" charset="0"/>
                 <a:cs typeface="Courier New" panose="02070309020205020404" pitchFamily="49" charset="0"/>
               </a:rPr>
               <a:t>IOcapteur</a:t>
             </a:r>
             <a:r>
-              <a:rPr lang="en-US" sz="1100" smtClean="0">
+              <a:rPr lang="en-US" sz="1100">
                 <a:latin typeface="Courier New" panose="02070309020205020404" pitchFamily="49" charset="0"/>
                 <a:cs typeface="Courier New" panose="02070309020205020404" pitchFamily="49" charset="0"/>
               </a:rPr>
-              <a:t>, </a:t>
-            </a:r>
-            <a:r>
-              <a:rPr lang="en-US" sz="1100" smtClean="0">
-                <a:latin typeface="Courier New" panose="02070309020205020404" pitchFamily="49" charset="0"/>
-                <a:cs typeface="Courier New" panose="02070309020205020404" pitchFamily="49" charset="0"/>
-              </a:rPr>
-              <a:t>INPUT</a:t>
+              <a:t>, INPUT</a:t>
             </a:r>
             <a:r>
               <a:rPr lang="en-US" sz="1100" dirty="0">
@@ -12107,30 +11827,26 @@
           </a:p>
           <a:p>
             <a:r>
-              <a:rPr lang="fr-FR" sz="1100" dirty="0" smtClean="0">
+              <a:rPr lang="fr-FR" sz="1100" dirty="0">
                 <a:latin typeface="Courier New" panose="02070309020205020404" pitchFamily="49" charset="0"/>
                 <a:cs typeface="Courier New" panose="02070309020205020404" pitchFamily="49" charset="0"/>
               </a:rPr>
               <a:t>  </a:t>
             </a:r>
             <a:r>
-              <a:rPr lang="fr-FR" sz="1100" dirty="0" err="1" smtClean="0">
+              <a:rPr lang="fr-FR" sz="1100" dirty="0" err="1">
                 <a:latin typeface="Courier New" panose="02070309020205020404" pitchFamily="49" charset="0"/>
                 <a:cs typeface="Courier New" panose="02070309020205020404" pitchFamily="49" charset="0"/>
               </a:rPr>
               <a:t>Serial.begin</a:t>
             </a:r>
             <a:r>
-              <a:rPr lang="fr-FR" sz="1100" dirty="0" smtClean="0">
+              <a:rPr lang="fr-FR" sz="1100" dirty="0">
                 <a:latin typeface="Courier New" panose="02070309020205020404" pitchFamily="49" charset="0"/>
                 <a:cs typeface="Courier New" panose="02070309020205020404" pitchFamily="49" charset="0"/>
               </a:rPr>
               <a:t>(57600);      // ouverture du port série</a:t>
             </a:r>
-            <a:endParaRPr lang="fr-FR" sz="1100" dirty="0">
-              <a:latin typeface="Courier New" panose="02070309020205020404" pitchFamily="49" charset="0"/>
-              <a:cs typeface="Courier New" panose="02070309020205020404" pitchFamily="49" charset="0"/>
-            </a:endParaRPr>
           </a:p>
           <a:p>
             <a:r>
@@ -12179,87 +11895,62 @@
           </a:p>
           <a:p>
             <a:r>
-              <a:rPr lang="fr-FR" sz="1100" dirty="0" smtClean="0">
+              <a:rPr lang="fr-FR" sz="1100" dirty="0">
                 <a:latin typeface="Courier New" panose="02070309020205020404" pitchFamily="49" charset="0"/>
                 <a:cs typeface="Courier New" panose="02070309020205020404" pitchFamily="49" charset="0"/>
               </a:rPr>
               <a:t>  valeur = </a:t>
             </a:r>
             <a:r>
-              <a:rPr lang="fr-FR" sz="1100" dirty="0" err="1" smtClean="0">
+              <a:rPr lang="fr-FR" sz="1100" dirty="0" err="1">
                 <a:latin typeface="Courier New" panose="02070309020205020404" pitchFamily="49" charset="0"/>
                 <a:cs typeface="Courier New" panose="02070309020205020404" pitchFamily="49" charset="0"/>
               </a:rPr>
               <a:t>analogRead</a:t>
             </a:r>
             <a:r>
-              <a:rPr lang="fr-FR" sz="1100" dirty="0" smtClean="0">
+              <a:rPr lang="fr-FR" sz="1100" dirty="0">
                 <a:latin typeface="Courier New" panose="02070309020205020404" pitchFamily="49" charset="0"/>
                 <a:cs typeface="Courier New" panose="02070309020205020404" pitchFamily="49" charset="0"/>
               </a:rPr>
               <a:t>(</a:t>
             </a:r>
             <a:r>
-              <a:rPr lang="fr-FR" sz="1100" dirty="0" err="1" smtClean="0">
+              <a:rPr lang="fr-FR" sz="1100" dirty="0" err="1">
                 <a:latin typeface="Courier New" panose="02070309020205020404" pitchFamily="49" charset="0"/>
                 <a:cs typeface="Courier New" panose="02070309020205020404" pitchFamily="49" charset="0"/>
               </a:rPr>
               <a:t>IOcapteur</a:t>
             </a:r>
             <a:r>
-              <a:rPr lang="fr-FR" sz="1100" dirty="0" smtClean="0">
+              <a:rPr lang="fr-FR" sz="1100" dirty="0">
                 <a:latin typeface="Courier New" panose="02070309020205020404" pitchFamily="49" charset="0"/>
                 <a:cs typeface="Courier New" panose="02070309020205020404" pitchFamily="49" charset="0"/>
               </a:rPr>
               <a:t>); // Lecture et affectation de la valeur</a:t>
             </a:r>
-            <a:endParaRPr lang="fr-FR" sz="1100" dirty="0">
-              <a:latin typeface="Courier New" panose="02070309020205020404" pitchFamily="49" charset="0"/>
-              <a:cs typeface="Courier New" panose="02070309020205020404" pitchFamily="49" charset="0"/>
-            </a:endParaRPr>
-          </a:p>
-          <a:p>
-            <a:r>
-              <a:rPr lang="fr-FR" sz="1100" dirty="0" smtClean="0">
+          </a:p>
+          <a:p>
+            <a:r>
+              <a:rPr lang="fr-FR" sz="1100" dirty="0">
                 <a:latin typeface="Courier New" panose="02070309020205020404" pitchFamily="49" charset="0"/>
                 <a:cs typeface="Courier New" panose="02070309020205020404" pitchFamily="49" charset="0"/>
               </a:rPr>
               <a:t>  </a:t>
             </a:r>
             <a:r>
-              <a:rPr lang="fr-FR" sz="1100" dirty="0" err="1" smtClean="0">
+              <a:rPr lang="fr-FR" sz="1100" dirty="0" err="1">
                 <a:latin typeface="Courier New" panose="02070309020205020404" pitchFamily="49" charset="0"/>
                 <a:cs typeface="Courier New" panose="02070309020205020404" pitchFamily="49" charset="0"/>
               </a:rPr>
               <a:t>Serial.print</a:t>
             </a:r>
             <a:r>
-              <a:rPr lang="fr-FR" sz="1100" dirty="0" smtClean="0">
-                <a:latin typeface="Courier New" panose="02070309020205020404" pitchFamily="49" charset="0"/>
-                <a:cs typeface="Courier New" panose="02070309020205020404" pitchFamily="49" charset="0"/>
-              </a:rPr>
-              <a:t>(valeur); </a:t>
-            </a:r>
-            <a:r>
               <a:rPr lang="fr-FR" sz="1100" dirty="0">
                 <a:latin typeface="Courier New" panose="02070309020205020404" pitchFamily="49" charset="0"/>
                 <a:cs typeface="Courier New" panose="02070309020205020404" pitchFamily="49" charset="0"/>
               </a:rPr>
-              <a:t>// </a:t>
-            </a:r>
-            <a:r>
-              <a:rPr lang="fr-FR" sz="1100" dirty="0" smtClean="0">
-                <a:latin typeface="Courier New" panose="02070309020205020404" pitchFamily="49" charset="0"/>
-                <a:cs typeface="Courier New" panose="02070309020205020404" pitchFamily="49" charset="0"/>
-              </a:rPr>
-              <a:t>Affichage de la </a:t>
-            </a:r>
-            <a:r>
-              <a:rPr lang="fr-FR" sz="1100" dirty="0">
-                <a:latin typeface="Courier New" panose="02070309020205020404" pitchFamily="49" charset="0"/>
-                <a:cs typeface="Courier New" panose="02070309020205020404" pitchFamily="49" charset="0"/>
-              </a:rPr>
-              <a:t>valeur</a:t>
+              <a:t>(valeur); // Affichage de la valeur</a:t>
             </a:r>
           </a:p>
           <a:p>
@@ -12342,10 +12033,9 @@
           <a:lstStyle/>
           <a:p>
             <a:r>
-              <a:rPr lang="fr-FR" dirty="0" smtClean="0"/>
+              <a:rPr lang="fr-FR" dirty="0"/>
               <a:t>Pilotage d’un moteur</a:t>
             </a:r>
-            <a:endParaRPr lang="fr-FR" dirty="0"/>
           </a:p>
         </p:txBody>
       </p:sp>
@@ -12367,18 +12057,13 @@
           <a:lstStyle/>
           <a:p>
             <a:r>
-              <a:rPr lang="fr-FR" sz="4000" dirty="0" smtClean="0">
+              <a:rPr lang="fr-FR" sz="4000" dirty="0">
                 <a:solidFill>
                   <a:srgbClr val="FF0000"/>
                 </a:solidFill>
               </a:rPr>
               <a:t>DEBRANCHER LE PORT USB</a:t>
             </a:r>
-            <a:endParaRPr lang="fr-FR" sz="4000" dirty="0">
-              <a:solidFill>
-                <a:srgbClr val="FF0000"/>
-              </a:solidFill>
-            </a:endParaRPr>
           </a:p>
         </p:txBody>
       </p:sp>
@@ -12398,10 +12083,9 @@
           <a:lstStyle/>
           <a:p>
             <a:r>
-              <a:rPr lang="fr-BE" smtClean="0"/>
+              <a:rPr lang="fr-BE"/>
               <a:t>Xavier Pessoles - Jean-Pierre Pupier</a:t>
             </a:r>
-            <a:endParaRPr lang="fr-BE"/>
           </a:p>
         </p:txBody>
       </p:sp>
@@ -12477,23 +12161,19 @@
           <a:lstStyle/>
           <a:p>
             <a:r>
-              <a:rPr lang="fr-FR" dirty="0" smtClean="0"/>
+              <a:rPr lang="fr-FR" dirty="0"/>
               <a:t>Spécifications du moteur et de la carte </a:t>
             </a:r>
             <a:r>
               <a:rPr lang="fr-FR" dirty="0" err="1"/>
-              <a:t>M</a:t>
-            </a:r>
-            <a:r>
-              <a:rPr lang="fr-FR" dirty="0" err="1" smtClean="0"/>
-              <a:t>otor</a:t>
-            </a:r>
-            <a:r>
-              <a:rPr lang="fr-FR" dirty="0" smtClean="0"/>
+              <a:t>Motor</a:t>
+            </a:r>
+            <a:r>
+              <a:rPr lang="fr-FR" dirty="0"/>
               <a:t> </a:t>
             </a:r>
             <a:r>
-              <a:rPr lang="fr-FR" dirty="0" err="1" smtClean="0"/>
+              <a:rPr lang="fr-FR" dirty="0" err="1"/>
               <a:t>Shield</a:t>
             </a:r>
             <a:endParaRPr lang="fr-FR" dirty="0"/>
@@ -12523,185 +12203,128 @@
           <a:lstStyle/>
           <a:p>
             <a:r>
-              <a:rPr lang="fr-FR" dirty="0" smtClean="0"/>
+              <a:rPr lang="fr-FR" dirty="0"/>
               <a:t>Matériel nécessaire : </a:t>
             </a:r>
           </a:p>
           <a:p>
             <a:pPr lvl="1"/>
             <a:r>
-              <a:rPr lang="fr-FR" dirty="0" smtClean="0"/>
+              <a:rPr lang="fr-FR" dirty="0"/>
               <a:t>Carte </a:t>
             </a:r>
             <a:r>
-              <a:rPr lang="fr-FR" dirty="0" err="1" smtClean="0"/>
+              <a:rPr lang="fr-FR" dirty="0" err="1"/>
               <a:t>arduino</a:t>
             </a:r>
             <a:r>
-              <a:rPr lang="fr-FR" dirty="0" smtClean="0"/>
+              <a:rPr lang="fr-FR" dirty="0"/>
               <a:t> UNO</a:t>
             </a:r>
           </a:p>
           <a:p>
             <a:pPr lvl="1"/>
             <a:r>
-              <a:rPr lang="fr-FR" dirty="0" smtClean="0"/>
+              <a:rPr lang="fr-FR" dirty="0"/>
               <a:t>Carte </a:t>
             </a:r>
             <a:r>
-              <a:rPr lang="fr-FR" dirty="0" err="1" smtClean="0"/>
+              <a:rPr lang="fr-FR" dirty="0" err="1"/>
               <a:t>Motor</a:t>
             </a:r>
             <a:r>
-              <a:rPr lang="fr-FR" dirty="0" smtClean="0"/>
+              <a:rPr lang="fr-FR" dirty="0"/>
               <a:t> </a:t>
             </a:r>
             <a:r>
-              <a:rPr lang="fr-FR" dirty="0" err="1" smtClean="0"/>
+              <a:rPr lang="fr-FR" dirty="0" err="1"/>
               <a:t>Shield</a:t>
             </a:r>
-            <a:endParaRPr lang="fr-FR" dirty="0" smtClean="0"/>
+            <a:endParaRPr lang="fr-FR" dirty="0"/>
           </a:p>
           <a:p>
             <a:pPr lvl="1"/>
             <a:r>
-              <a:rPr lang="fr-FR" dirty="0" smtClean="0"/>
+              <a:rPr lang="fr-FR" dirty="0"/>
               <a:t>Un moteur électrique</a:t>
             </a:r>
           </a:p>
           <a:p>
             <a:pPr lvl="1"/>
             <a:r>
-              <a:rPr lang="fr-FR" dirty="0" smtClean="0"/>
+              <a:rPr lang="fr-FR" dirty="0"/>
               <a:t>Batterie (attention, il n’y en a pas assez pour tous, mais elle n’est pas indispensable)</a:t>
             </a:r>
           </a:p>
           <a:p>
             <a:r>
-              <a:rPr lang="fr-FR" dirty="0" err="1" smtClean="0"/>
+              <a:rPr lang="fr-FR" dirty="0" err="1"/>
               <a:t>Motor</a:t>
             </a:r>
             <a:r>
-              <a:rPr lang="fr-FR" dirty="0" smtClean="0"/>
+              <a:rPr lang="fr-FR" dirty="0"/>
               <a:t> </a:t>
             </a:r>
             <a:r>
-              <a:rPr lang="fr-FR" dirty="0" err="1" smtClean="0"/>
+              <a:rPr lang="fr-FR" dirty="0" err="1"/>
               <a:t>Shield</a:t>
             </a:r>
-            <a:endParaRPr lang="fr-FR" dirty="0" smtClean="0"/>
+            <a:endParaRPr lang="fr-FR" dirty="0"/>
           </a:p>
           <a:p>
             <a:pPr lvl="1"/>
             <a:r>
               <a:rPr lang="en-US" dirty="0"/>
-              <a:t>Operating </a:t>
-            </a:r>
-            <a:r>
-              <a:rPr lang="en-US" dirty="0" smtClean="0"/>
-              <a:t>Voltage : 5V </a:t>
-            </a:r>
+              <a:t>Operating Voltage : 5V to 12V</a:t>
+            </a:r>
+          </a:p>
+          <a:p>
+            <a:pPr lvl="1"/>
             <a:r>
               <a:rPr lang="en-US" dirty="0"/>
-              <a:t>to 12V</a:t>
+              <a:t>Motor controller : L298P, Drives 2 DC motors or 1 stepper motor</a:t>
             </a:r>
           </a:p>
           <a:p>
             <a:pPr lvl="1"/>
             <a:r>
               <a:rPr lang="en-US" dirty="0"/>
-              <a:t>Motor </a:t>
-            </a:r>
-            <a:r>
-              <a:rPr lang="en-US" dirty="0" smtClean="0"/>
-              <a:t>controller</a:t>
-            </a:r>
+              <a:t>Max current : 2A per channel or 4A max (with external power supply)</a:t>
+            </a:r>
+          </a:p>
+          <a:p>
+            <a:pPr lvl="1"/>
             <a:r>
               <a:rPr lang="en-US" dirty="0"/>
-              <a:t> : </a:t>
-            </a:r>
-            <a:r>
-              <a:rPr lang="en-US" dirty="0" smtClean="0"/>
-              <a:t>L298P</a:t>
-            </a:r>
+              <a:t>Current sensing : 1.65V/A</a:t>
+            </a:r>
+          </a:p>
+          <a:p>
+            <a:pPr lvl="1"/>
             <a:r>
               <a:rPr lang="en-US" dirty="0"/>
-              <a:t>, Drives 2 DC motors or 1 stepper motor</a:t>
-            </a:r>
-          </a:p>
-          <a:p>
-            <a:pPr lvl="1"/>
+              <a:t>Free running stop and brake function</a:t>
+            </a:r>
+          </a:p>
+          <a:p>
+            <a:r>
+              <a:rPr lang="en-US" dirty="0" err="1"/>
+              <a:t>Moteur</a:t>
+            </a:r>
             <a:r>
               <a:rPr lang="en-US" dirty="0"/>
-              <a:t>Max </a:t>
-            </a:r>
-            <a:r>
-              <a:rPr lang="en-US" dirty="0" smtClean="0"/>
-              <a:t>current</a:t>
+              <a:t> </a:t>
+            </a:r>
+            <a:r>
+              <a:rPr lang="en-US" dirty="0" err="1"/>
+              <a:t>électrique</a:t>
             </a:r>
             <a:r>
               <a:rPr lang="en-US" dirty="0"/>
-              <a:t> : </a:t>
-            </a:r>
-            <a:r>
-              <a:rPr lang="en-US" dirty="0" smtClean="0"/>
-              <a:t>2A </a:t>
-            </a:r>
-            <a:r>
-              <a:rPr lang="en-US" dirty="0"/>
-              <a:t>per channel or 4A max (with external power supply)</a:t>
-            </a:r>
-          </a:p>
-          <a:p>
-            <a:pPr lvl="1"/>
-            <a:r>
-              <a:rPr lang="en-US" dirty="0"/>
-              <a:t>Current </a:t>
-            </a:r>
-            <a:r>
-              <a:rPr lang="en-US" dirty="0" smtClean="0"/>
-              <a:t>sensing</a:t>
-            </a:r>
-            <a:r>
-              <a:rPr lang="en-US" dirty="0"/>
-              <a:t> : </a:t>
-            </a:r>
-            <a:r>
-              <a:rPr lang="en-US" dirty="0" smtClean="0"/>
-              <a:t>1.65V/A</a:t>
-            </a:r>
-            <a:endParaRPr lang="en-US" dirty="0"/>
-          </a:p>
-          <a:p>
-            <a:pPr lvl="1"/>
-            <a:r>
-              <a:rPr lang="en-US" dirty="0"/>
-              <a:t>Free running stop and brake </a:t>
-            </a:r>
-            <a:r>
-              <a:rPr lang="en-US" dirty="0" smtClean="0"/>
-              <a:t>function</a:t>
-            </a:r>
-          </a:p>
-          <a:p>
-            <a:r>
-              <a:rPr lang="en-US" dirty="0" err="1" smtClean="0"/>
-              <a:t>Moteur</a:t>
-            </a:r>
-            <a:r>
-              <a:rPr lang="en-US" dirty="0" smtClean="0"/>
-              <a:t> </a:t>
-            </a:r>
-            <a:r>
-              <a:rPr lang="en-US" dirty="0" err="1" smtClean="0"/>
-              <a:t>électrique</a:t>
-            </a:r>
-            <a:r>
-              <a:rPr lang="en-US" dirty="0" smtClean="0"/>
               <a:t> à courant </a:t>
             </a:r>
             <a:r>
-              <a:rPr lang="en-US" dirty="0" err="1" smtClean="0"/>
+              <a:rPr lang="en-US" dirty="0" err="1"/>
               <a:t>continu</a:t>
             </a:r>
             <a:endParaRPr lang="fr-FR" dirty="0"/>
@@ -12748,10 +12371,9 @@
           <a:lstStyle/>
           <a:p>
             <a:r>
-              <a:rPr lang="fr-BE" smtClean="0"/>
+              <a:rPr lang="fr-BE"/>
               <a:t>Xavier Pessoles - Jean-Pierre Pupier</a:t>
             </a:r>
-            <a:endParaRPr lang="fr-BE"/>
           </a:p>
         </p:txBody>
       </p:sp>
@@ -12931,17 +12553,16 @@
           <a:lstStyle/>
           <a:p>
             <a:r>
-              <a:rPr lang="fr-FR" dirty="0" smtClean="0"/>
+              <a:rPr lang="fr-FR" dirty="0"/>
               <a:t>Pilotage d’un moteur</a:t>
             </a:r>
             <a:br>
-              <a:rPr lang="fr-FR" dirty="0" smtClean="0"/>
+              <a:rPr lang="fr-FR" dirty="0"/>
             </a:br>
             <a:r>
-              <a:rPr lang="fr-FR" dirty="0" smtClean="0"/>
+              <a:rPr lang="fr-FR" dirty="0"/>
               <a:t>Câblage et Programme</a:t>
             </a:r>
-            <a:endParaRPr lang="fr-FR" dirty="0"/>
           </a:p>
         </p:txBody>
       </p:sp>
@@ -12970,29 +12591,27 @@
               <a:lstStyle/>
               <a:p>
                 <a:r>
-                  <a:rPr lang="fr-FR" sz="1800" dirty="0" smtClean="0"/>
+                  <a:rPr lang="fr-FR" sz="1800" dirty="0"/>
                   <a:t>Réaliser le câblage ci-contre. Les deux cartes doivent être branchées l’une sur l’autre.</a:t>
                 </a:r>
-                <a:endParaRPr lang="fr-FR" sz="1800" dirty="0"/>
               </a:p>
               <a:p>
                 <a:r>
-                  <a:rPr lang="fr-FR" sz="1800" dirty="0" smtClean="0"/>
+                  <a:rPr lang="fr-FR" sz="1800" dirty="0"/>
                   <a:t>Pour piloter la sortie B du moteur, il faut utiliser la sortie PWM B à savoir la sortie 11.</a:t>
                 </a:r>
               </a:p>
               <a:p>
                 <a:pPr lvl="1"/>
                 <a:r>
-                  <a:rPr lang="fr-FR" sz="1800" dirty="0" smtClean="0"/>
+                  <a:rPr lang="fr-FR" sz="1800" dirty="0"/>
                   <a:t>Pour piloter la sortie PWM, il faut écrire un nombre de 0 à 255 qui sera proportionnel à la tension d’alimentation.</a:t>
                 </a:r>
-                <a:endParaRPr lang="fr-FR" sz="1800" dirty="0"/>
               </a:p>
               <a:p>
                 <a:pPr lvl="1"/>
                 <a:r>
-                  <a:rPr lang="fr-FR" sz="1800" dirty="0" smtClean="0"/>
+                  <a:rPr lang="fr-FR" sz="1800" dirty="0"/>
                   <a:t>Exemple, si la batterie est de 6V et qu’on envoie le nombre 64 sur le PWM, le moteur sera alimenté à </a:t>
                 </a:r>
                 <a14:m>
@@ -13007,7 +12626,7 @@
                       <m:fPr>
                         <m:ctrlPr>
                           <a:rPr lang="fr-FR" sz="1800" b="0" i="1" smtClean="0">
-                            <a:latin typeface="Cambria Math"/>
+                            <a:latin typeface="Cambria Math" panose="02040503050406030204" pitchFamily="18" charset="0"/>
                           </a:rPr>
                         </m:ctrlPr>
                       </m:fPr>
@@ -13042,7 +12661,7 @@
                     </m:r>
                   </m:oMath>
                 </a14:m>
-                <a:endParaRPr lang="fr-FR" sz="1800" dirty="0" smtClean="0"/>
+                <a:endParaRPr lang="fr-FR" sz="1800" dirty="0"/>
               </a:p>
             </p:txBody>
           </p:sp>
@@ -13125,10 +12744,9 @@
           <a:lstStyle/>
           <a:p>
             <a:r>
-              <a:rPr lang="fr-BE" smtClean="0"/>
+              <a:rPr lang="fr-BE"/>
               <a:t>Xavier Pessoles - Jean-Pierre Pupier</a:t>
             </a:r>
-            <a:endParaRPr lang="fr-BE"/>
           </a:p>
         </p:txBody>
       </p:sp>
@@ -13155,39 +12773,32 @@
           <a:lstStyle/>
           <a:p>
             <a:r>
-              <a:rPr lang="fr-FR" sz="800" dirty="0" err="1" smtClean="0">
+              <a:rPr lang="fr-FR" sz="800" dirty="0" err="1">
                 <a:latin typeface="Courier New" panose="02070309020205020404" pitchFamily="49" charset="0"/>
                 <a:cs typeface="Courier New" panose="02070309020205020404" pitchFamily="49" charset="0"/>
               </a:rPr>
               <a:t>int</a:t>
             </a:r>
             <a:r>
-              <a:rPr lang="fr-FR" sz="800" dirty="0" smtClean="0">
+              <a:rPr lang="fr-FR" sz="800" dirty="0">
                 <a:latin typeface="Courier New" panose="02070309020205020404" pitchFamily="49" charset="0"/>
                 <a:cs typeface="Courier New" panose="02070309020205020404" pitchFamily="49" charset="0"/>
               </a:rPr>
               <a:t> </a:t>
             </a:r>
             <a:r>
-              <a:rPr lang="fr-FR" sz="800" dirty="0" err="1" smtClean="0">
+              <a:rPr lang="fr-FR" sz="800" dirty="0" err="1">
                 <a:latin typeface="Courier New" panose="02070309020205020404" pitchFamily="49" charset="0"/>
                 <a:cs typeface="Courier New" panose="02070309020205020404" pitchFamily="49" charset="0"/>
               </a:rPr>
               <a:t>pwmPin</a:t>
             </a:r>
             <a:r>
-              <a:rPr lang="fr-FR" sz="800" dirty="0" smtClean="0">
-                <a:latin typeface="Courier New" panose="02070309020205020404" pitchFamily="49" charset="0"/>
-                <a:cs typeface="Courier New" panose="02070309020205020404" pitchFamily="49" charset="0"/>
-              </a:rPr>
-              <a:t> </a:t>
-            </a:r>
-            <a:r>
               <a:rPr lang="fr-FR" sz="800" dirty="0">
                 <a:latin typeface="Courier New" panose="02070309020205020404" pitchFamily="49" charset="0"/>
                 <a:cs typeface="Courier New" panose="02070309020205020404" pitchFamily="49" charset="0"/>
               </a:rPr>
-              <a:t>= 11;    // LED </a:t>
+              <a:t> = 11;    // LED </a:t>
             </a:r>
             <a:r>
               <a:rPr lang="fr-FR" sz="800" dirty="0" err="1">
@@ -13201,19 +12812,8 @@
                 <a:latin typeface="Courier New" panose="02070309020205020404" pitchFamily="49" charset="0"/>
                 <a:cs typeface="Courier New" panose="02070309020205020404" pitchFamily="49" charset="0"/>
               </a:rPr>
-              <a:t> to digital pin </a:t>
-            </a:r>
-            <a:r>
-              <a:rPr lang="fr-FR" sz="800" dirty="0" smtClean="0">
-                <a:latin typeface="Courier New" panose="02070309020205020404" pitchFamily="49" charset="0"/>
-                <a:cs typeface="Courier New" panose="02070309020205020404" pitchFamily="49" charset="0"/>
-              </a:rPr>
-              <a:t>11</a:t>
-            </a:r>
-            <a:endParaRPr lang="fr-FR" sz="800" dirty="0">
-              <a:latin typeface="Courier New" panose="02070309020205020404" pitchFamily="49" charset="0"/>
-              <a:cs typeface="Courier New" panose="02070309020205020404" pitchFamily="49" charset="0"/>
-            </a:endParaRPr>
+              <a:t> to digital pin 11</a:t>
+            </a:r>
           </a:p>
           <a:p>
             <a:r>
@@ -13240,14 +12840,14 @@
               <a:t>   </a:t>
             </a:r>
             <a:r>
-              <a:rPr lang="en-US" sz="800" dirty="0" err="1" smtClean="0">
+              <a:rPr lang="en-US" sz="800" dirty="0" err="1">
                 <a:latin typeface="Courier New" panose="02070309020205020404" pitchFamily="49" charset="0"/>
                 <a:cs typeface="Courier New" panose="02070309020205020404" pitchFamily="49" charset="0"/>
               </a:rPr>
               <a:t>pinMode</a:t>
             </a:r>
             <a:r>
-              <a:rPr lang="en-US" sz="800" dirty="0" smtClean="0">
+              <a:rPr lang="en-US" sz="800" dirty="0">
                 <a:latin typeface="Courier New" panose="02070309020205020404" pitchFamily="49" charset="0"/>
                 <a:cs typeface="Courier New" panose="02070309020205020404" pitchFamily="49" charset="0"/>
               </a:rPr>
@@ -13261,23 +12861,19 @@
               <a:t>pwmPin</a:t>
             </a:r>
             <a:r>
-              <a:rPr lang="en-US" sz="800" dirty="0" smtClean="0">
+              <a:rPr lang="en-US" sz="800" dirty="0">
                 <a:latin typeface="Courier New" panose="02070309020205020404" pitchFamily="49" charset="0"/>
                 <a:cs typeface="Courier New" panose="02070309020205020404" pitchFamily="49" charset="0"/>
               </a:rPr>
               <a:t>, OUTPUT);</a:t>
             </a:r>
             <a:r>
-              <a:rPr lang="fr-FR" sz="800" dirty="0" smtClean="0">
+              <a:rPr lang="fr-FR" sz="800" dirty="0">
                 <a:latin typeface="Courier New" panose="02070309020205020404" pitchFamily="49" charset="0"/>
                 <a:cs typeface="Courier New" panose="02070309020205020404" pitchFamily="49" charset="0"/>
               </a:rPr>
               <a:t> </a:t>
             </a:r>
-            <a:endParaRPr lang="fr-FR" sz="800" dirty="0">
-              <a:latin typeface="Courier New" panose="02070309020205020404" pitchFamily="49" charset="0"/>
-              <a:cs typeface="Courier New" panose="02070309020205020404" pitchFamily="49" charset="0"/>
-            </a:endParaRPr>
           </a:p>
           <a:p>
             <a:r>
@@ -13317,12 +12913,59 @@
               </a:rPr>
               <a:t>()  { </a:t>
             </a:r>
-            <a:endParaRPr lang="fr-FR" sz="800" dirty="0" smtClean="0">
-              <a:latin typeface="Courier New" panose="02070309020205020404" pitchFamily="49" charset="0"/>
-              <a:cs typeface="Courier New" panose="02070309020205020404" pitchFamily="49" charset="0"/>
-            </a:endParaRPr>
-          </a:p>
-          <a:p>
+          </a:p>
+          <a:p>
+            <a:r>
+              <a:rPr lang="fr-FR" sz="800" dirty="0">
+                <a:latin typeface="Courier New" panose="02070309020205020404" pitchFamily="49" charset="0"/>
+                <a:cs typeface="Courier New" panose="02070309020205020404" pitchFamily="49" charset="0"/>
+              </a:rPr>
+              <a:t>  // fade in </a:t>
+            </a:r>
+            <a:r>
+              <a:rPr lang="fr-FR" sz="800" dirty="0" err="1">
+                <a:latin typeface="Courier New" panose="02070309020205020404" pitchFamily="49" charset="0"/>
+                <a:cs typeface="Courier New" panose="02070309020205020404" pitchFamily="49" charset="0"/>
+              </a:rPr>
+              <a:t>from</a:t>
+            </a:r>
+            <a:r>
+              <a:rPr lang="fr-FR" sz="800" dirty="0">
+                <a:latin typeface="Courier New" panose="02070309020205020404" pitchFamily="49" charset="0"/>
+                <a:cs typeface="Courier New" panose="02070309020205020404" pitchFamily="49" charset="0"/>
+              </a:rPr>
+              <a:t> min to max in </a:t>
+            </a:r>
+            <a:r>
+              <a:rPr lang="fr-FR" sz="800" dirty="0" err="1">
+                <a:latin typeface="Courier New" panose="02070309020205020404" pitchFamily="49" charset="0"/>
+                <a:cs typeface="Courier New" panose="02070309020205020404" pitchFamily="49" charset="0"/>
+              </a:rPr>
+              <a:t>increments</a:t>
+            </a:r>
+            <a:r>
+              <a:rPr lang="fr-FR" sz="800" dirty="0">
+                <a:latin typeface="Courier New" panose="02070309020205020404" pitchFamily="49" charset="0"/>
+                <a:cs typeface="Courier New" panose="02070309020205020404" pitchFamily="49" charset="0"/>
+              </a:rPr>
+              <a:t> of 5 points:</a:t>
+            </a:r>
+          </a:p>
+          <a:p>
+            <a:r>
+              <a:rPr lang="fr-FR" sz="800" dirty="0">
+                <a:latin typeface="Courier New" panose="02070309020205020404" pitchFamily="49" charset="0"/>
+                <a:cs typeface="Courier New" panose="02070309020205020404" pitchFamily="49" charset="0"/>
+              </a:rPr>
+              <a:t>  for(</a:t>
+            </a:r>
+            <a:r>
+              <a:rPr lang="fr-FR" sz="800" dirty="0" err="1">
+                <a:latin typeface="Courier New" panose="02070309020205020404" pitchFamily="49" charset="0"/>
+                <a:cs typeface="Courier New" panose="02070309020205020404" pitchFamily="49" charset="0"/>
+              </a:rPr>
+              <a:t>int</a:t>
+            </a:r>
             <a:r>
               <a:rPr lang="fr-FR" sz="800" dirty="0">
                 <a:latin typeface="Courier New" panose="02070309020205020404" pitchFamily="49" charset="0"/>
@@ -13331,18 +12974,55 @@
               <a:t> </a:t>
             </a:r>
             <a:r>
-              <a:rPr lang="fr-FR" sz="800" dirty="0" smtClean="0">
+              <a:rPr lang="fr-FR" sz="800" dirty="0" err="1">
                 <a:latin typeface="Courier New" panose="02070309020205020404" pitchFamily="49" charset="0"/>
                 <a:cs typeface="Courier New" panose="02070309020205020404" pitchFamily="49" charset="0"/>
               </a:rPr>
-              <a:t> // </a:t>
+              <a:t>fadeValue</a:t>
             </a:r>
             <a:r>
               <a:rPr lang="fr-FR" sz="800" dirty="0">
                 <a:latin typeface="Courier New" panose="02070309020205020404" pitchFamily="49" charset="0"/>
                 <a:cs typeface="Courier New" panose="02070309020205020404" pitchFamily="49" charset="0"/>
               </a:rPr>
-              <a:t>fade in </a:t>
+              <a:t> = 0 ; </a:t>
+            </a:r>
+            <a:r>
+              <a:rPr lang="fr-FR" sz="800" dirty="0" err="1">
+                <a:latin typeface="Courier New" panose="02070309020205020404" pitchFamily="49" charset="0"/>
+                <a:cs typeface="Courier New" panose="02070309020205020404" pitchFamily="49" charset="0"/>
+              </a:rPr>
+              <a:t>fadeValue</a:t>
+            </a:r>
+            <a:r>
+              <a:rPr lang="fr-FR" sz="800" dirty="0">
+                <a:latin typeface="Courier New" panose="02070309020205020404" pitchFamily="49" charset="0"/>
+                <a:cs typeface="Courier New" panose="02070309020205020404" pitchFamily="49" charset="0"/>
+              </a:rPr>
+              <a:t> &lt;= 255; </a:t>
+            </a:r>
+            <a:r>
+              <a:rPr lang="fr-FR" sz="800" dirty="0" err="1">
+                <a:latin typeface="Courier New" panose="02070309020205020404" pitchFamily="49" charset="0"/>
+                <a:cs typeface="Courier New" panose="02070309020205020404" pitchFamily="49" charset="0"/>
+              </a:rPr>
+              <a:t>fadeValue</a:t>
+            </a:r>
+            <a:r>
+              <a:rPr lang="fr-FR" sz="800" dirty="0">
+                <a:latin typeface="Courier New" panose="02070309020205020404" pitchFamily="49" charset="0"/>
+                <a:cs typeface="Courier New" panose="02070309020205020404" pitchFamily="49" charset="0"/>
+              </a:rPr>
+              <a:t> +=25) { </a:t>
+            </a:r>
+          </a:p>
+          <a:p>
+            <a:r>
+              <a:rPr lang="fr-FR" sz="800" dirty="0">
+                <a:latin typeface="Courier New" panose="02070309020205020404" pitchFamily="49" charset="0"/>
+                <a:cs typeface="Courier New" panose="02070309020205020404" pitchFamily="49" charset="0"/>
+              </a:rPr>
+              <a:t>    // sets the value (range </a:t>
             </a:r>
             <a:r>
               <a:rPr lang="fr-FR" sz="800" dirty="0" err="1">
@@ -13356,7 +13036,178 @@
                 <a:latin typeface="Courier New" panose="02070309020205020404" pitchFamily="49" charset="0"/>
                 <a:cs typeface="Courier New" panose="02070309020205020404" pitchFamily="49" charset="0"/>
               </a:rPr>
-              <a:t> min to max in </a:t>
+              <a:t> 0 to 255):</a:t>
+            </a:r>
+          </a:p>
+          <a:p>
+            <a:r>
+              <a:rPr lang="fr-FR" sz="800" dirty="0">
+                <a:latin typeface="Courier New" panose="02070309020205020404" pitchFamily="49" charset="0"/>
+                <a:cs typeface="Courier New" panose="02070309020205020404" pitchFamily="49" charset="0"/>
+              </a:rPr>
+              <a:t>    </a:t>
+            </a:r>
+            <a:r>
+              <a:rPr lang="fr-FR" sz="800" dirty="0" err="1">
+                <a:latin typeface="Courier New" panose="02070309020205020404" pitchFamily="49" charset="0"/>
+                <a:cs typeface="Courier New" panose="02070309020205020404" pitchFamily="49" charset="0"/>
+              </a:rPr>
+              <a:t>analogWrite</a:t>
+            </a:r>
+            <a:r>
+              <a:rPr lang="fr-FR" sz="800" dirty="0">
+                <a:latin typeface="Courier New" panose="02070309020205020404" pitchFamily="49" charset="0"/>
+                <a:cs typeface="Courier New" panose="02070309020205020404" pitchFamily="49" charset="0"/>
+              </a:rPr>
+              <a:t>(</a:t>
+            </a:r>
+            <a:r>
+              <a:rPr lang="fr-FR" sz="800" dirty="0" err="1">
+                <a:latin typeface="Courier New" panose="02070309020205020404" pitchFamily="49" charset="0"/>
+                <a:cs typeface="Courier New" panose="02070309020205020404" pitchFamily="49" charset="0"/>
+              </a:rPr>
+              <a:t>pwmPin</a:t>
+            </a:r>
+            <a:r>
+              <a:rPr lang="fr-FR" sz="800" dirty="0">
+                <a:latin typeface="Courier New" panose="02070309020205020404" pitchFamily="49" charset="0"/>
+                <a:cs typeface="Courier New" panose="02070309020205020404" pitchFamily="49" charset="0"/>
+              </a:rPr>
+              <a:t>, </a:t>
+            </a:r>
+            <a:r>
+              <a:rPr lang="fr-FR" sz="800" dirty="0" err="1">
+                <a:latin typeface="Courier New" panose="02070309020205020404" pitchFamily="49" charset="0"/>
+                <a:cs typeface="Courier New" panose="02070309020205020404" pitchFamily="49" charset="0"/>
+              </a:rPr>
+              <a:t>fadeValue</a:t>
+            </a:r>
+            <a:r>
+              <a:rPr lang="fr-FR" sz="800" dirty="0">
+                <a:latin typeface="Courier New" panose="02070309020205020404" pitchFamily="49" charset="0"/>
+                <a:cs typeface="Courier New" panose="02070309020205020404" pitchFamily="49" charset="0"/>
+              </a:rPr>
+              <a:t>);         </a:t>
+            </a:r>
+          </a:p>
+          <a:p>
+            <a:r>
+              <a:rPr lang="fr-FR" sz="800" dirty="0">
+                <a:latin typeface="Courier New" panose="02070309020205020404" pitchFamily="49" charset="0"/>
+                <a:cs typeface="Courier New" panose="02070309020205020404" pitchFamily="49" charset="0"/>
+              </a:rPr>
+              <a:t>    // </a:t>
+            </a:r>
+            <a:r>
+              <a:rPr lang="fr-FR" sz="800" dirty="0" err="1">
+                <a:latin typeface="Courier New" panose="02070309020205020404" pitchFamily="49" charset="0"/>
+                <a:cs typeface="Courier New" panose="02070309020205020404" pitchFamily="49" charset="0"/>
+              </a:rPr>
+              <a:t>wait</a:t>
+            </a:r>
+            <a:r>
+              <a:rPr lang="fr-FR" sz="800" dirty="0">
+                <a:latin typeface="Courier New" panose="02070309020205020404" pitchFamily="49" charset="0"/>
+                <a:cs typeface="Courier New" panose="02070309020205020404" pitchFamily="49" charset="0"/>
+              </a:rPr>
+              <a:t> to </a:t>
+            </a:r>
+            <a:r>
+              <a:rPr lang="fr-FR" sz="800" dirty="0" err="1">
+                <a:latin typeface="Courier New" panose="02070309020205020404" pitchFamily="49" charset="0"/>
+                <a:cs typeface="Courier New" panose="02070309020205020404" pitchFamily="49" charset="0"/>
+              </a:rPr>
+              <a:t>see</a:t>
+            </a:r>
+            <a:r>
+              <a:rPr lang="fr-FR" sz="800" dirty="0">
+                <a:latin typeface="Courier New" panose="02070309020205020404" pitchFamily="49" charset="0"/>
+                <a:cs typeface="Courier New" panose="02070309020205020404" pitchFamily="49" charset="0"/>
+              </a:rPr>
+              <a:t> the </a:t>
+            </a:r>
+            <a:r>
+              <a:rPr lang="fr-FR" sz="800" dirty="0" err="1">
+                <a:latin typeface="Courier New" panose="02070309020205020404" pitchFamily="49" charset="0"/>
+                <a:cs typeface="Courier New" panose="02070309020205020404" pitchFamily="49" charset="0"/>
+              </a:rPr>
+              <a:t>dimming</a:t>
+            </a:r>
+            <a:r>
+              <a:rPr lang="fr-FR" sz="800" dirty="0">
+                <a:latin typeface="Courier New" panose="02070309020205020404" pitchFamily="49" charset="0"/>
+                <a:cs typeface="Courier New" panose="02070309020205020404" pitchFamily="49" charset="0"/>
+              </a:rPr>
+              <a:t> </a:t>
+            </a:r>
+            <a:r>
+              <a:rPr lang="fr-FR" sz="800" dirty="0" err="1">
+                <a:latin typeface="Courier New" panose="02070309020205020404" pitchFamily="49" charset="0"/>
+                <a:cs typeface="Courier New" panose="02070309020205020404" pitchFamily="49" charset="0"/>
+              </a:rPr>
+              <a:t>effect</a:t>
+            </a:r>
+            <a:r>
+              <a:rPr lang="fr-FR" sz="800" dirty="0">
+                <a:latin typeface="Courier New" panose="02070309020205020404" pitchFamily="49" charset="0"/>
+                <a:cs typeface="Courier New" panose="02070309020205020404" pitchFamily="49" charset="0"/>
+              </a:rPr>
+              <a:t>    </a:t>
+            </a:r>
+          </a:p>
+          <a:p>
+            <a:r>
+              <a:rPr lang="fr-FR" sz="800" dirty="0">
+                <a:latin typeface="Courier New" panose="02070309020205020404" pitchFamily="49" charset="0"/>
+                <a:cs typeface="Courier New" panose="02070309020205020404" pitchFamily="49" charset="0"/>
+              </a:rPr>
+              <a:t>    </a:t>
+            </a:r>
+            <a:r>
+              <a:rPr lang="fr-FR" sz="800" dirty="0" err="1">
+                <a:latin typeface="Courier New" panose="02070309020205020404" pitchFamily="49" charset="0"/>
+                <a:cs typeface="Courier New" panose="02070309020205020404" pitchFamily="49" charset="0"/>
+              </a:rPr>
+              <a:t>delay</a:t>
+            </a:r>
+            <a:r>
+              <a:rPr lang="fr-FR" sz="800" dirty="0">
+                <a:latin typeface="Courier New" panose="02070309020205020404" pitchFamily="49" charset="0"/>
+                <a:cs typeface="Courier New" panose="02070309020205020404" pitchFamily="49" charset="0"/>
+              </a:rPr>
+              <a:t>(500);                            </a:t>
+            </a:r>
+          </a:p>
+          <a:p>
+            <a:r>
+              <a:rPr lang="fr-FR" sz="800" dirty="0">
+                <a:latin typeface="Courier New" panose="02070309020205020404" pitchFamily="49" charset="0"/>
+                <a:cs typeface="Courier New" panose="02070309020205020404" pitchFamily="49" charset="0"/>
+              </a:rPr>
+              <a:t>  } </a:t>
+            </a:r>
+          </a:p>
+          <a:p>
+            <a:r>
+              <a:rPr lang="fr-FR" sz="800" dirty="0">
+                <a:latin typeface="Courier New" panose="02070309020205020404" pitchFamily="49" charset="0"/>
+                <a:cs typeface="Courier New" panose="02070309020205020404" pitchFamily="49" charset="0"/>
+              </a:rPr>
+              <a:t>  // fade out </a:t>
+            </a:r>
+            <a:r>
+              <a:rPr lang="fr-FR" sz="800" dirty="0" err="1">
+                <a:latin typeface="Courier New" panose="02070309020205020404" pitchFamily="49" charset="0"/>
+                <a:cs typeface="Courier New" panose="02070309020205020404" pitchFamily="49" charset="0"/>
+              </a:rPr>
+              <a:t>from</a:t>
+            </a:r>
+            <a:r>
+              <a:rPr lang="fr-FR" sz="800" dirty="0">
+                <a:latin typeface="Courier New" panose="02070309020205020404" pitchFamily="49" charset="0"/>
+                <a:cs typeface="Courier New" panose="02070309020205020404" pitchFamily="49" charset="0"/>
+              </a:rPr>
+              <a:t> max to min in </a:t>
             </a:r>
             <a:r>
               <a:rPr lang="fr-FR" sz="800" dirty="0" err="1">
@@ -13407,7 +13258,7 @@
                 <a:latin typeface="Courier New" panose="02070309020205020404" pitchFamily="49" charset="0"/>
                 <a:cs typeface="Courier New" panose="02070309020205020404" pitchFamily="49" charset="0"/>
               </a:rPr>
-              <a:t> = 0 ; </a:t>
+              <a:t> = 255 ; </a:t>
             </a:r>
             <a:r>
               <a:rPr lang="fr-FR" sz="800" dirty="0" err="1">
@@ -13421,7 +13272,7 @@
                 <a:latin typeface="Courier New" panose="02070309020205020404" pitchFamily="49" charset="0"/>
                 <a:cs typeface="Courier New" panose="02070309020205020404" pitchFamily="49" charset="0"/>
               </a:rPr>
-              <a:t> &lt;= 255; </a:t>
+              <a:t> &gt;= 0; </a:t>
             </a:r>
             <a:r>
               <a:rPr lang="fr-FR" sz="800" dirty="0" err="1">
@@ -13435,21 +13286,7 @@
                 <a:latin typeface="Courier New" panose="02070309020205020404" pitchFamily="49" charset="0"/>
                 <a:cs typeface="Courier New" panose="02070309020205020404" pitchFamily="49" charset="0"/>
               </a:rPr>
-              <a:t> </a:t>
-            </a:r>
-            <a:r>
-              <a:rPr lang="fr-FR" sz="800" dirty="0" smtClean="0">
-                <a:latin typeface="Courier New" panose="02070309020205020404" pitchFamily="49" charset="0"/>
-                <a:cs typeface="Courier New" panose="02070309020205020404" pitchFamily="49" charset="0"/>
-              </a:rPr>
-              <a:t>+=25</a:t>
-            </a:r>
-            <a:r>
-              <a:rPr lang="fr-FR" sz="800" dirty="0">
-                <a:latin typeface="Courier New" panose="02070309020205020404" pitchFamily="49" charset="0"/>
-                <a:cs typeface="Courier New" panose="02070309020205020404" pitchFamily="49" charset="0"/>
-              </a:rPr>
-              <a:t>) { </a:t>
+              <a:t> -=25) { </a:t>
             </a:r>
           </a:p>
           <a:p>
@@ -13546,14 +13383,7 @@
                 <a:latin typeface="Courier New" panose="02070309020205020404" pitchFamily="49" charset="0"/>
                 <a:cs typeface="Courier New" panose="02070309020205020404" pitchFamily="49" charset="0"/>
               </a:rPr>
-              <a:t> </a:t>
-            </a:r>
-            <a:r>
-              <a:rPr lang="fr-FR" sz="800" dirty="0" smtClean="0">
-                <a:latin typeface="Courier New" panose="02070309020205020404" pitchFamily="49" charset="0"/>
-                <a:cs typeface="Courier New" panose="02070309020205020404" pitchFamily="49" charset="0"/>
-              </a:rPr>
-              <a:t>to </a:t>
+              <a:t> to </a:t>
             </a:r>
             <a:r>
               <a:rPr lang="fr-FR" sz="800" dirty="0" err="1">
@@ -13607,326 +13437,18 @@
               <a:t>    </a:t>
             </a:r>
             <a:r>
-              <a:rPr lang="fr-FR" sz="800" dirty="0" err="1" smtClean="0">
+              <a:rPr lang="fr-FR" sz="800" dirty="0" err="1">
                 <a:latin typeface="Courier New" panose="02070309020205020404" pitchFamily="49" charset="0"/>
                 <a:cs typeface="Courier New" panose="02070309020205020404" pitchFamily="49" charset="0"/>
               </a:rPr>
               <a:t>delay</a:t>
             </a:r>
             <a:r>
-              <a:rPr lang="fr-FR" sz="800" dirty="0" smtClean="0">
-                <a:latin typeface="Courier New" panose="02070309020205020404" pitchFamily="49" charset="0"/>
-                <a:cs typeface="Courier New" panose="02070309020205020404" pitchFamily="49" charset="0"/>
-              </a:rPr>
-              <a:t>(500</a:t>
-            </a:r>
-            <a:r>
               <a:rPr lang="fr-FR" sz="800" dirty="0">
                 <a:latin typeface="Courier New" panose="02070309020205020404" pitchFamily="49" charset="0"/>
                 <a:cs typeface="Courier New" panose="02070309020205020404" pitchFamily="49" charset="0"/>
               </a:rPr>
-              <a:t>);                            </a:t>
-            </a:r>
-          </a:p>
-          <a:p>
-            <a:r>
-              <a:rPr lang="fr-FR" sz="800" dirty="0">
-                <a:latin typeface="Courier New" panose="02070309020205020404" pitchFamily="49" charset="0"/>
-                <a:cs typeface="Courier New" panose="02070309020205020404" pitchFamily="49" charset="0"/>
-              </a:rPr>
-              <a:t>  } </a:t>
-            </a:r>
-          </a:p>
-          <a:p>
-            <a:r>
-              <a:rPr lang="fr-FR" sz="800" dirty="0">
-                <a:latin typeface="Courier New" panose="02070309020205020404" pitchFamily="49" charset="0"/>
-                <a:cs typeface="Courier New" panose="02070309020205020404" pitchFamily="49" charset="0"/>
-              </a:rPr>
-              <a:t>  // fade out </a:t>
-            </a:r>
-            <a:r>
-              <a:rPr lang="fr-FR" sz="800" dirty="0" err="1">
-                <a:latin typeface="Courier New" panose="02070309020205020404" pitchFamily="49" charset="0"/>
-                <a:cs typeface="Courier New" panose="02070309020205020404" pitchFamily="49" charset="0"/>
-              </a:rPr>
-              <a:t>from</a:t>
-            </a:r>
-            <a:r>
-              <a:rPr lang="fr-FR" sz="800" dirty="0">
-                <a:latin typeface="Courier New" panose="02070309020205020404" pitchFamily="49" charset="0"/>
-                <a:cs typeface="Courier New" panose="02070309020205020404" pitchFamily="49" charset="0"/>
-              </a:rPr>
-              <a:t> max to min in </a:t>
-            </a:r>
-            <a:r>
-              <a:rPr lang="fr-FR" sz="800" dirty="0" err="1">
-                <a:latin typeface="Courier New" panose="02070309020205020404" pitchFamily="49" charset="0"/>
-                <a:cs typeface="Courier New" panose="02070309020205020404" pitchFamily="49" charset="0"/>
-              </a:rPr>
-              <a:t>increments</a:t>
-            </a:r>
-            <a:r>
-              <a:rPr lang="fr-FR" sz="800" dirty="0">
-                <a:latin typeface="Courier New" panose="02070309020205020404" pitchFamily="49" charset="0"/>
-                <a:cs typeface="Courier New" panose="02070309020205020404" pitchFamily="49" charset="0"/>
-              </a:rPr>
-              <a:t> of 5 points:</a:t>
-            </a:r>
-          </a:p>
-          <a:p>
-            <a:r>
-              <a:rPr lang="fr-FR" sz="800" dirty="0">
-                <a:latin typeface="Courier New" panose="02070309020205020404" pitchFamily="49" charset="0"/>
-                <a:cs typeface="Courier New" panose="02070309020205020404" pitchFamily="49" charset="0"/>
-              </a:rPr>
-              <a:t>  for(</a:t>
-            </a:r>
-            <a:r>
-              <a:rPr lang="fr-FR" sz="800" dirty="0" err="1">
-                <a:latin typeface="Courier New" panose="02070309020205020404" pitchFamily="49" charset="0"/>
-                <a:cs typeface="Courier New" panose="02070309020205020404" pitchFamily="49" charset="0"/>
-              </a:rPr>
-              <a:t>int</a:t>
-            </a:r>
-            <a:r>
-              <a:rPr lang="fr-FR" sz="800" dirty="0">
-                <a:latin typeface="Courier New" panose="02070309020205020404" pitchFamily="49" charset="0"/>
-                <a:cs typeface="Courier New" panose="02070309020205020404" pitchFamily="49" charset="0"/>
-              </a:rPr>
-              <a:t> </a:t>
-            </a:r>
-            <a:r>
-              <a:rPr lang="fr-FR" sz="800" dirty="0" err="1">
-                <a:latin typeface="Courier New" panose="02070309020205020404" pitchFamily="49" charset="0"/>
-                <a:cs typeface="Courier New" panose="02070309020205020404" pitchFamily="49" charset="0"/>
-              </a:rPr>
-              <a:t>fadeValue</a:t>
-            </a:r>
-            <a:r>
-              <a:rPr lang="fr-FR" sz="800" dirty="0">
-                <a:latin typeface="Courier New" panose="02070309020205020404" pitchFamily="49" charset="0"/>
-                <a:cs typeface="Courier New" panose="02070309020205020404" pitchFamily="49" charset="0"/>
-              </a:rPr>
-              <a:t> = 255 ; </a:t>
-            </a:r>
-            <a:r>
-              <a:rPr lang="fr-FR" sz="800" dirty="0" err="1">
-                <a:latin typeface="Courier New" panose="02070309020205020404" pitchFamily="49" charset="0"/>
-                <a:cs typeface="Courier New" panose="02070309020205020404" pitchFamily="49" charset="0"/>
-              </a:rPr>
-              <a:t>fadeValue</a:t>
-            </a:r>
-            <a:r>
-              <a:rPr lang="fr-FR" sz="800" dirty="0">
-                <a:latin typeface="Courier New" panose="02070309020205020404" pitchFamily="49" charset="0"/>
-                <a:cs typeface="Courier New" panose="02070309020205020404" pitchFamily="49" charset="0"/>
-              </a:rPr>
-              <a:t> &gt;= 0; </a:t>
-            </a:r>
-            <a:r>
-              <a:rPr lang="fr-FR" sz="800" dirty="0" err="1">
-                <a:latin typeface="Courier New" panose="02070309020205020404" pitchFamily="49" charset="0"/>
-                <a:cs typeface="Courier New" panose="02070309020205020404" pitchFamily="49" charset="0"/>
-              </a:rPr>
-              <a:t>fadeValue</a:t>
-            </a:r>
-            <a:r>
-              <a:rPr lang="fr-FR" sz="800" dirty="0">
-                <a:latin typeface="Courier New" panose="02070309020205020404" pitchFamily="49" charset="0"/>
-                <a:cs typeface="Courier New" panose="02070309020205020404" pitchFamily="49" charset="0"/>
-              </a:rPr>
-              <a:t> </a:t>
-            </a:r>
-            <a:r>
-              <a:rPr lang="fr-FR" sz="800" dirty="0" smtClean="0">
-                <a:latin typeface="Courier New" panose="02070309020205020404" pitchFamily="49" charset="0"/>
-                <a:cs typeface="Courier New" panose="02070309020205020404" pitchFamily="49" charset="0"/>
-              </a:rPr>
-              <a:t>-=25</a:t>
-            </a:r>
-            <a:r>
-              <a:rPr lang="fr-FR" sz="800" dirty="0">
-                <a:latin typeface="Courier New" panose="02070309020205020404" pitchFamily="49" charset="0"/>
-                <a:cs typeface="Courier New" panose="02070309020205020404" pitchFamily="49" charset="0"/>
-              </a:rPr>
-              <a:t>) { </a:t>
-            </a:r>
-          </a:p>
-          <a:p>
-            <a:r>
-              <a:rPr lang="fr-FR" sz="800" dirty="0">
-                <a:latin typeface="Courier New" panose="02070309020205020404" pitchFamily="49" charset="0"/>
-                <a:cs typeface="Courier New" panose="02070309020205020404" pitchFamily="49" charset="0"/>
-              </a:rPr>
-              <a:t>    // sets the value (range </a:t>
-            </a:r>
-            <a:r>
-              <a:rPr lang="fr-FR" sz="800" dirty="0" err="1">
-                <a:latin typeface="Courier New" panose="02070309020205020404" pitchFamily="49" charset="0"/>
-                <a:cs typeface="Courier New" panose="02070309020205020404" pitchFamily="49" charset="0"/>
-              </a:rPr>
-              <a:t>from</a:t>
-            </a:r>
-            <a:r>
-              <a:rPr lang="fr-FR" sz="800" dirty="0">
-                <a:latin typeface="Courier New" panose="02070309020205020404" pitchFamily="49" charset="0"/>
-                <a:cs typeface="Courier New" panose="02070309020205020404" pitchFamily="49" charset="0"/>
-              </a:rPr>
-              <a:t> 0 to 255):</a:t>
-            </a:r>
-          </a:p>
-          <a:p>
-            <a:r>
-              <a:rPr lang="fr-FR" sz="800" dirty="0">
-                <a:latin typeface="Courier New" panose="02070309020205020404" pitchFamily="49" charset="0"/>
-                <a:cs typeface="Courier New" panose="02070309020205020404" pitchFamily="49" charset="0"/>
-              </a:rPr>
-              <a:t>    </a:t>
-            </a:r>
-            <a:r>
-              <a:rPr lang="fr-FR" sz="800" dirty="0" err="1">
-                <a:latin typeface="Courier New" panose="02070309020205020404" pitchFamily="49" charset="0"/>
-                <a:cs typeface="Courier New" panose="02070309020205020404" pitchFamily="49" charset="0"/>
-              </a:rPr>
-              <a:t>analogWrite</a:t>
-            </a:r>
-            <a:r>
-              <a:rPr lang="fr-FR" sz="800" dirty="0">
-                <a:latin typeface="Courier New" panose="02070309020205020404" pitchFamily="49" charset="0"/>
-                <a:cs typeface="Courier New" panose="02070309020205020404" pitchFamily="49" charset="0"/>
-              </a:rPr>
-              <a:t>(</a:t>
-            </a:r>
-            <a:r>
-              <a:rPr lang="fr-FR" sz="800" dirty="0" err="1">
-                <a:latin typeface="Courier New" panose="02070309020205020404" pitchFamily="49" charset="0"/>
-                <a:cs typeface="Courier New" panose="02070309020205020404" pitchFamily="49" charset="0"/>
-              </a:rPr>
-              <a:t>pwmPin</a:t>
-            </a:r>
-            <a:r>
-              <a:rPr lang="fr-FR" sz="800" dirty="0">
-                <a:latin typeface="Courier New" panose="02070309020205020404" pitchFamily="49" charset="0"/>
-                <a:cs typeface="Courier New" panose="02070309020205020404" pitchFamily="49" charset="0"/>
-              </a:rPr>
-              <a:t>, </a:t>
-            </a:r>
-            <a:r>
-              <a:rPr lang="fr-FR" sz="800" dirty="0" err="1">
-                <a:latin typeface="Courier New" panose="02070309020205020404" pitchFamily="49" charset="0"/>
-                <a:cs typeface="Courier New" panose="02070309020205020404" pitchFamily="49" charset="0"/>
-              </a:rPr>
-              <a:t>fadeValue</a:t>
-            </a:r>
-            <a:r>
-              <a:rPr lang="fr-FR" sz="800" dirty="0">
-                <a:latin typeface="Courier New" panose="02070309020205020404" pitchFamily="49" charset="0"/>
-                <a:cs typeface="Courier New" panose="02070309020205020404" pitchFamily="49" charset="0"/>
-              </a:rPr>
-              <a:t>);         </a:t>
-            </a:r>
-          </a:p>
-          <a:p>
-            <a:r>
-              <a:rPr lang="fr-FR" sz="800" dirty="0">
-                <a:latin typeface="Courier New" panose="02070309020205020404" pitchFamily="49" charset="0"/>
-                <a:cs typeface="Courier New" panose="02070309020205020404" pitchFamily="49" charset="0"/>
-              </a:rPr>
-              <a:t>    // </a:t>
-            </a:r>
-            <a:r>
-              <a:rPr lang="fr-FR" sz="800" dirty="0" err="1">
-                <a:latin typeface="Courier New" panose="02070309020205020404" pitchFamily="49" charset="0"/>
-                <a:cs typeface="Courier New" panose="02070309020205020404" pitchFamily="49" charset="0"/>
-              </a:rPr>
-              <a:t>wait</a:t>
-            </a:r>
-            <a:r>
-              <a:rPr lang="fr-FR" sz="800" dirty="0">
-                <a:latin typeface="Courier New" panose="02070309020205020404" pitchFamily="49" charset="0"/>
-                <a:cs typeface="Courier New" panose="02070309020205020404" pitchFamily="49" charset="0"/>
-              </a:rPr>
-              <a:t> </a:t>
-            </a:r>
-            <a:r>
-              <a:rPr lang="fr-FR" sz="800" dirty="0" smtClean="0">
-                <a:latin typeface="Courier New" panose="02070309020205020404" pitchFamily="49" charset="0"/>
-                <a:cs typeface="Courier New" panose="02070309020205020404" pitchFamily="49" charset="0"/>
-              </a:rPr>
-              <a:t>to </a:t>
-            </a:r>
-            <a:r>
-              <a:rPr lang="fr-FR" sz="800" dirty="0" err="1">
-                <a:latin typeface="Courier New" panose="02070309020205020404" pitchFamily="49" charset="0"/>
-                <a:cs typeface="Courier New" panose="02070309020205020404" pitchFamily="49" charset="0"/>
-              </a:rPr>
-              <a:t>see</a:t>
-            </a:r>
-            <a:r>
-              <a:rPr lang="fr-FR" sz="800" dirty="0">
-                <a:latin typeface="Courier New" panose="02070309020205020404" pitchFamily="49" charset="0"/>
-                <a:cs typeface="Courier New" panose="02070309020205020404" pitchFamily="49" charset="0"/>
-              </a:rPr>
-              <a:t> the </a:t>
-            </a:r>
-            <a:r>
-              <a:rPr lang="fr-FR" sz="800" dirty="0" err="1">
-                <a:latin typeface="Courier New" panose="02070309020205020404" pitchFamily="49" charset="0"/>
-                <a:cs typeface="Courier New" panose="02070309020205020404" pitchFamily="49" charset="0"/>
-              </a:rPr>
-              <a:t>dimming</a:t>
-            </a:r>
-            <a:r>
-              <a:rPr lang="fr-FR" sz="800" dirty="0">
-                <a:latin typeface="Courier New" panose="02070309020205020404" pitchFamily="49" charset="0"/>
-                <a:cs typeface="Courier New" panose="02070309020205020404" pitchFamily="49" charset="0"/>
-              </a:rPr>
-              <a:t> </a:t>
-            </a:r>
-            <a:r>
-              <a:rPr lang="fr-FR" sz="800" dirty="0" err="1">
-                <a:latin typeface="Courier New" panose="02070309020205020404" pitchFamily="49" charset="0"/>
-                <a:cs typeface="Courier New" panose="02070309020205020404" pitchFamily="49" charset="0"/>
-              </a:rPr>
-              <a:t>effect</a:t>
-            </a:r>
-            <a:r>
-              <a:rPr lang="fr-FR" sz="800" dirty="0">
-                <a:latin typeface="Courier New" panose="02070309020205020404" pitchFamily="49" charset="0"/>
-                <a:cs typeface="Courier New" panose="02070309020205020404" pitchFamily="49" charset="0"/>
-              </a:rPr>
-              <a:t>    </a:t>
-            </a:r>
-          </a:p>
-          <a:p>
-            <a:r>
-              <a:rPr lang="fr-FR" sz="800" dirty="0">
-                <a:latin typeface="Courier New" panose="02070309020205020404" pitchFamily="49" charset="0"/>
-                <a:cs typeface="Courier New" panose="02070309020205020404" pitchFamily="49" charset="0"/>
-              </a:rPr>
-              <a:t>    </a:t>
-            </a:r>
-            <a:r>
-              <a:rPr lang="fr-FR" sz="800" dirty="0" err="1" smtClean="0">
-                <a:latin typeface="Courier New" panose="02070309020205020404" pitchFamily="49" charset="0"/>
-                <a:cs typeface="Courier New" panose="02070309020205020404" pitchFamily="49" charset="0"/>
-              </a:rPr>
-              <a:t>delay</a:t>
-            </a:r>
-            <a:r>
-              <a:rPr lang="fr-FR" sz="800" dirty="0" smtClean="0">
-                <a:latin typeface="Courier New" panose="02070309020205020404" pitchFamily="49" charset="0"/>
-                <a:cs typeface="Courier New" panose="02070309020205020404" pitchFamily="49" charset="0"/>
-              </a:rPr>
-              <a:t>(500</a:t>
-            </a:r>
-            <a:r>
-              <a:rPr lang="fr-FR" sz="800" dirty="0">
-                <a:latin typeface="Courier New" panose="02070309020205020404" pitchFamily="49" charset="0"/>
-                <a:cs typeface="Courier New" panose="02070309020205020404" pitchFamily="49" charset="0"/>
-              </a:rPr>
-              <a:t>);                            </a:t>
+              <a:t>(500);                            </a:t>
             </a:r>
           </a:p>
           <a:p>
@@ -14045,10 +13567,9 @@
               <a:rPr lang="fr-FR" dirty="0"/>
             </a:br>
             <a:r>
-              <a:rPr lang="fr-FR" dirty="0" smtClean="0"/>
+              <a:rPr lang="fr-FR" dirty="0"/>
               <a:t>Travail à réaliser</a:t>
             </a:r>
-            <a:endParaRPr lang="fr-FR" dirty="0"/>
           </a:p>
         </p:txBody>
       </p:sp>
@@ -14068,19 +13589,19 @@
           <a:lstStyle/>
           <a:p>
             <a:r>
-              <a:rPr lang="fr-FR" dirty="0" smtClean="0"/>
+              <a:rPr lang="fr-FR" dirty="0"/>
               <a:t>Câbler et saisir le programme.</a:t>
             </a:r>
           </a:p>
           <a:p>
             <a:r>
-              <a:rPr lang="fr-FR" dirty="0" smtClean="0"/>
+              <a:rPr lang="fr-FR" dirty="0"/>
               <a:t>Expliquer le déroulement du programme.</a:t>
             </a:r>
           </a:p>
           <a:p>
             <a:r>
-              <a:rPr lang="fr-FR" dirty="0" smtClean="0"/>
+              <a:rPr lang="fr-FR" dirty="0"/>
               <a:t>Tester le programme</a:t>
             </a:r>
           </a:p>
@@ -14129,10 +13650,9 @@
           <a:lstStyle/>
           <a:p>
             <a:r>
-              <a:rPr lang="fr-BE" smtClean="0"/>
+              <a:rPr lang="fr-BE"/>
               <a:t>Xavier Pessoles - Jean-Pierre Pupier</a:t>
             </a:r>
-            <a:endParaRPr lang="fr-BE"/>
           </a:p>
         </p:txBody>
       </p:sp>
@@ -14182,10 +13702,9 @@
           <a:lstStyle/>
           <a:p>
             <a:r>
-              <a:rPr lang="fr-FR" dirty="0" smtClean="0"/>
+              <a:rPr lang="fr-FR" dirty="0"/>
               <a:t>Pilotage d’un moteur en boucle ouverte</a:t>
             </a:r>
-            <a:endParaRPr lang="fr-FR" dirty="0"/>
           </a:p>
         </p:txBody>
       </p:sp>
@@ -14212,21 +13731,8 @@
                   <a:srgbClr val="FF0000"/>
                 </a:solidFill>
               </a:rPr>
-              <a:t>DEBRANCHER LE PORT </a:t>
-            </a:r>
-            <a:r>
-              <a:rPr lang="fr-FR" sz="3200" dirty="0" smtClean="0">
-                <a:solidFill>
-                  <a:srgbClr val="FF0000"/>
-                </a:solidFill>
-              </a:rPr>
-              <a:t>USB</a:t>
-            </a:r>
-            <a:endParaRPr lang="fr-FR" sz="3200" dirty="0">
-              <a:solidFill>
-                <a:srgbClr val="FF0000"/>
-              </a:solidFill>
-            </a:endParaRPr>
+              <a:t>DEBRANCHER LE PORT USB</a:t>
+            </a:r>
           </a:p>
         </p:txBody>
       </p:sp>
@@ -14246,10 +13752,9 @@
           <a:lstStyle/>
           <a:p>
             <a:r>
-              <a:rPr lang="fr-BE" smtClean="0"/>
+              <a:rPr lang="fr-BE"/>
               <a:t>Xavier Pessoles - Jean-Pierre Pupier</a:t>
             </a:r>
-            <a:endParaRPr lang="fr-BE"/>
           </a:p>
         </p:txBody>
       </p:sp>
@@ -14323,10 +13828,9 @@
           <a:lstStyle/>
           <a:p>
             <a:r>
-              <a:rPr lang="fr-FR" dirty="0" smtClean="0"/>
+              <a:rPr lang="fr-FR" dirty="0"/>
               <a:t>Travail à réaliser</a:t>
             </a:r>
-            <a:endParaRPr lang="fr-FR" dirty="0"/>
           </a:p>
         </p:txBody>
       </p:sp>
@@ -14346,17 +13850,17 @@
           <a:lstStyle/>
           <a:p>
             <a:r>
-              <a:rPr lang="fr-FR" dirty="0" smtClean="0"/>
+              <a:rPr lang="fr-FR" dirty="0"/>
               <a:t>A l’aide du travail réalisé trouver une solution permettant de faire en sorte que la vitesse du moteur soit fonction de l’angle du potentiomètre.</a:t>
             </a:r>
           </a:p>
           <a:p>
             <a:r>
-              <a:rPr lang="fr-FR" dirty="0" smtClean="0"/>
+              <a:rPr lang="fr-FR" dirty="0"/>
               <a:t>Détecter la commande de seuil du moteur et ajuster </a:t>
             </a:r>
             <a:r>
-              <a:rPr lang="fr-FR" smtClean="0"/>
+              <a:rPr lang="fr-FR"/>
               <a:t>votre programme.</a:t>
             </a:r>
           </a:p>
@@ -14402,10 +13906,9 @@
           <a:lstStyle/>
           <a:p>
             <a:r>
-              <a:rPr lang="fr-BE" smtClean="0"/>
+              <a:rPr lang="fr-BE"/>
               <a:t>Xavier Pessoles - Jean-Pierre Pupier</a:t>
             </a:r>
-            <a:endParaRPr lang="fr-BE"/>
           </a:p>
         </p:txBody>
       </p:sp>
@@ -14455,18 +13958,17 @@
           <a:lstStyle/>
           <a:p>
             <a:r>
-              <a:rPr lang="fr-FR" dirty="0" smtClean="0"/>
+              <a:rPr lang="fr-FR" dirty="0"/>
               <a:t>Une carte </a:t>
             </a:r>
             <a:r>
-              <a:rPr lang="fr-FR" dirty="0" err="1" smtClean="0"/>
+              <a:rPr lang="fr-FR" dirty="0" err="1"/>
               <a:t>arduino</a:t>
             </a:r>
             <a:r>
-              <a:rPr lang="fr-FR" dirty="0" smtClean="0"/>
+              <a:rPr lang="fr-FR" dirty="0"/>
               <a:t> pour quoi faire …</a:t>
             </a:r>
-            <a:endParaRPr lang="fr-FR" dirty="0"/>
           </a:p>
         </p:txBody>
       </p:sp>
@@ -14510,10 +14012,9 @@
           <a:lstStyle/>
           <a:p>
             <a:r>
-              <a:rPr lang="fr-BE" smtClean="0"/>
+              <a:rPr lang="fr-BE"/>
               <a:t>Xavier Pessoles - Jean-Pierre Pupier</a:t>
             </a:r>
-            <a:endParaRPr lang="fr-BE"/>
           </a:p>
         </p:txBody>
       </p:sp>
@@ -14538,10 +14039,9 @@
           <a:lstStyle/>
           <a:p>
             <a:r>
-              <a:rPr lang="fr-FR" dirty="0" smtClean="0"/>
+              <a:rPr lang="fr-FR" dirty="0"/>
               <a:t>… pour réaliser des (mini ?) projets </a:t>
             </a:r>
-            <a:endParaRPr lang="fr-FR" dirty="0"/>
           </a:p>
         </p:txBody>
       </p:sp>
@@ -14608,18 +14108,14 @@
           <a:lstStyle/>
           <a:p>
             <a:r>
-              <a:rPr lang="fr-FR" sz="1600" dirty="0" smtClean="0"/>
+              <a:rPr lang="fr-FR" sz="1600" dirty="0"/>
               <a:t>Harpe laser</a:t>
             </a:r>
           </a:p>
           <a:p>
             <a:r>
-              <a:rPr lang="fr-FR" sz="1600" dirty="0" smtClean="0"/>
-              <a:t>http</a:t>
-            </a:r>
-            <a:r>
               <a:rPr lang="fr-FR" sz="1600" dirty="0"/>
-              <a:t>://makezine.com/projects/laser-harp/</a:t>
+              <a:t>http://makezine.com/projects/laser-harp/</a:t>
             </a:r>
           </a:p>
         </p:txBody>
@@ -14687,19 +14183,14 @@
           <a:lstStyle/>
           <a:p>
             <a:r>
-              <a:rPr lang="fr-FR" sz="1600" dirty="0" smtClean="0"/>
+              <a:rPr lang="fr-FR" sz="1600" dirty="0"/>
               <a:t>Joute  robotique</a:t>
             </a:r>
-            <a:endParaRPr lang="fr-FR" sz="1600" dirty="0"/>
-          </a:p>
-          <a:p>
-            <a:r>
-              <a:rPr lang="fr-FR" sz="1600" dirty="0" smtClean="0"/>
-              <a:t>http</a:t>
-            </a:r>
+          </a:p>
+          <a:p>
             <a:r>
               <a:rPr lang="fr-FR" sz="1600" dirty="0"/>
-              <a:t>://makezine.com/video/ready-set-joust/</a:t>
+              <a:t>http://makezine.com/video/ready-set-joust/</a:t>
             </a:r>
           </a:p>
         </p:txBody>
@@ -14726,18 +14217,14 @@
           <a:lstStyle/>
           <a:p>
             <a:r>
-              <a:rPr lang="fr-FR" sz="1600" dirty="0" smtClean="0"/>
+              <a:rPr lang="fr-FR" sz="1600" dirty="0"/>
               <a:t>Réveil</a:t>
             </a:r>
           </a:p>
           <a:p>
             <a:r>
-              <a:rPr lang="fr-FR" sz="1600" dirty="0" smtClean="0"/>
-              <a:t>http</a:t>
-            </a:r>
-            <a:r>
               <a:rPr lang="fr-FR" sz="1600" dirty="0"/>
-              <a:t>://makezine.com/video/never-forget-to-set-an-alarm-because-this-alarm-clock-sets-itself/</a:t>
+              <a:t>http://makezine.com/video/never-forget-to-set-an-alarm-because-this-alarm-clock-sets-itself/</a:t>
             </a:r>
           </a:p>
         </p:txBody>
@@ -14829,18 +14316,17 @@
           <a:lstStyle/>
           <a:p>
             <a:r>
-              <a:rPr lang="fr-FR" dirty="0" smtClean="0"/>
+              <a:rPr lang="fr-FR" dirty="0"/>
               <a:t>La carte </a:t>
             </a:r>
             <a:r>
-              <a:rPr lang="fr-FR" dirty="0" err="1" smtClean="0"/>
+              <a:rPr lang="fr-FR" dirty="0" err="1"/>
               <a:t>Arduino</a:t>
             </a:r>
             <a:r>
-              <a:rPr lang="fr-FR" dirty="0" smtClean="0"/>
+              <a:rPr lang="fr-FR" dirty="0"/>
               <a:t> UNO</a:t>
             </a:r>
-            <a:endParaRPr lang="fr-FR" dirty="0"/>
           </a:p>
         </p:txBody>
       </p:sp>
@@ -14870,25 +14356,19 @@
           </a:p>
           <a:p>
             <a:r>
-              <a:rPr lang="fr-FR" dirty="0" err="1" smtClean="0"/>
+              <a:rPr lang="fr-FR" dirty="0" err="1"/>
               <a:t>Microcontroller</a:t>
             </a:r>
             <a:r>
-              <a:rPr lang="fr-FR" dirty="0" smtClean="0"/>
+              <a:rPr lang="fr-FR" dirty="0"/>
               <a:t> : ATmega328</a:t>
             </a:r>
-            <a:endParaRPr lang="fr-FR" dirty="0"/>
           </a:p>
           <a:p>
             <a:r>
               <a:rPr lang="fr-FR" dirty="0"/>
-              <a:t>Operating </a:t>
-            </a:r>
-            <a:r>
-              <a:rPr lang="fr-FR" dirty="0" smtClean="0"/>
-              <a:t>Voltage : 5V</a:t>
-            </a:r>
-            <a:endParaRPr lang="fr-FR" dirty="0"/>
+              <a:t>Operating Voltage : 5V</a:t>
+            </a:r>
           </a:p>
           <a:p>
             <a:r>
@@ -14900,18 +14380,9 @@
               <a:t>recommended</a:t>
             </a:r>
             <a:r>
-              <a:rPr lang="fr-FR" dirty="0" smtClean="0"/>
-              <a:t>)</a:t>
-            </a:r>
-            <a:r>
               <a:rPr lang="fr-FR" dirty="0"/>
-              <a:t> : </a:t>
-            </a:r>
-            <a:r>
-              <a:rPr lang="fr-FR" dirty="0" smtClean="0"/>
-              <a:t>7-12V</a:t>
-            </a:r>
-            <a:endParaRPr lang="fr-FR" dirty="0"/>
+              <a:t>) : 7-12V</a:t>
+            </a:r>
           </a:p>
           <a:p>
             <a:r>
@@ -14923,39 +14394,14 @@
               <a:t>limits</a:t>
             </a:r>
             <a:r>
-              <a:rPr lang="fr-FR" dirty="0" smtClean="0"/>
-              <a:t>)</a:t>
-            </a:r>
-            <a:r>
               <a:rPr lang="fr-FR" dirty="0"/>
-              <a:t> : </a:t>
-            </a:r>
-            <a:r>
-              <a:rPr lang="fr-FR" dirty="0" smtClean="0"/>
-              <a:t>6-20V</a:t>
-            </a:r>
-            <a:endParaRPr lang="fr-FR" dirty="0"/>
+              <a:t>) : 6-20V</a:t>
+            </a:r>
           </a:p>
           <a:p>
             <a:r>
               <a:rPr lang="fr-FR" dirty="0"/>
-              <a:t>Digital I/O </a:t>
-            </a:r>
-            <a:r>
-              <a:rPr lang="fr-FR" dirty="0" smtClean="0"/>
-              <a:t>Pins</a:t>
-            </a:r>
-            <a:r>
-              <a:rPr lang="fr-FR" dirty="0"/>
-              <a:t> : </a:t>
-            </a:r>
-            <a:r>
-              <a:rPr lang="fr-FR" dirty="0" smtClean="0"/>
-              <a:t>14 </a:t>
-            </a:r>
-            <a:r>
-              <a:rPr lang="fr-FR" dirty="0"/>
-              <a:t>(of </a:t>
+              <a:t>Digital I/O Pins : 14 (of </a:t>
             </a:r>
             <a:r>
               <a:rPr lang="fr-FR" dirty="0" err="1"/>
@@ -14981,21 +14427,8 @@
             </a:r>
             <a:r>
               <a:rPr lang="fr-FR" dirty="0"/>
-              <a:t> Input </a:t>
-            </a:r>
-            <a:r>
-              <a:rPr lang="fr-FR" dirty="0" smtClean="0"/>
-              <a:t>Pins</a:t>
-            </a:r>
-            <a:r>
-              <a:rPr lang="fr-FR" dirty="0"/>
-              <a:t> : </a:t>
-            </a:r>
-            <a:r>
-              <a:rPr lang="fr-FR" dirty="0" smtClean="0"/>
-              <a:t>6</a:t>
-            </a:r>
-            <a:endParaRPr lang="fr-FR" dirty="0"/>
+              <a:t> Input Pins : 6</a:t>
+            </a:r>
           </a:p>
           <a:p>
             <a:r>
@@ -15008,23 +14441,7 @@
             </a:r>
             <a:r>
               <a:rPr lang="fr-FR" dirty="0"/>
-              <a:t> per I/O </a:t>
-            </a:r>
-            <a:r>
-              <a:rPr lang="fr-FR" dirty="0" smtClean="0"/>
-              <a:t>Pin</a:t>
-            </a:r>
-            <a:r>
-              <a:rPr lang="fr-FR" dirty="0"/>
-              <a:t> : </a:t>
-            </a:r>
-            <a:r>
-              <a:rPr lang="fr-FR" dirty="0" smtClean="0"/>
-              <a:t>40 </a:t>
-            </a:r>
-            <a:r>
-              <a:rPr lang="fr-FR" dirty="0"/>
-              <a:t>mA</a:t>
+              <a:t> per I/O Pin : 40 mA</a:t>
             </a:r>
           </a:p>
           <a:p>
@@ -15038,45 +14455,13 @@
             </a:r>
             <a:r>
               <a:rPr lang="fr-FR" dirty="0"/>
-              <a:t> for 3.3V </a:t>
-            </a:r>
-            <a:r>
-              <a:rPr lang="fr-FR" dirty="0" smtClean="0"/>
-              <a:t>Pin</a:t>
-            </a:r>
+              <a:t> for 3.3V Pin : 50 mA</a:t>
+            </a:r>
+          </a:p>
+          <a:p>
             <a:r>
               <a:rPr lang="fr-FR" dirty="0"/>
-              <a:t> : </a:t>
-            </a:r>
-            <a:r>
-              <a:rPr lang="fr-FR" dirty="0" smtClean="0"/>
-              <a:t>50 </a:t>
-            </a:r>
-            <a:r>
-              <a:rPr lang="fr-FR" dirty="0"/>
-              <a:t>mA</a:t>
-            </a:r>
-          </a:p>
-          <a:p>
-            <a:r>
-              <a:rPr lang="fr-FR" dirty="0"/>
-              <a:t>Flash </a:t>
-            </a:r>
-            <a:r>
-              <a:rPr lang="fr-FR" dirty="0" smtClean="0"/>
-              <a:t>Memory</a:t>
-            </a:r>
-            <a:r>
-              <a:rPr lang="fr-FR" dirty="0"/>
-              <a:t> : </a:t>
-            </a:r>
-            <a:r>
-              <a:rPr lang="fr-FR" dirty="0" smtClean="0"/>
-              <a:t>32 </a:t>
-            </a:r>
-            <a:r>
-              <a:rPr lang="fr-FR" dirty="0"/>
-              <a:t>KB (ATmega328) of </a:t>
+              <a:t>Flash Memory : 32 KB (ATmega328) of </a:t>
             </a:r>
             <a:r>
               <a:rPr lang="fr-FR" dirty="0" err="1"/>
@@ -15102,38 +14487,14 @@
           </a:p>
           <a:p>
             <a:r>
-              <a:rPr lang="fr-FR" dirty="0" smtClean="0"/>
-              <a:t>SRAM</a:t>
-            </a:r>
-            <a:r>
               <a:rPr lang="fr-FR" dirty="0"/>
-              <a:t> : </a:t>
-            </a:r>
-            <a:r>
-              <a:rPr lang="fr-FR" dirty="0" smtClean="0"/>
-              <a:t>2 </a:t>
-            </a:r>
+              <a:t>SRAM : 2 KB (ATmega328)</a:t>
+            </a:r>
+          </a:p>
+          <a:p>
             <a:r>
               <a:rPr lang="fr-FR" dirty="0"/>
-              <a:t>KB (ATmega328)</a:t>
-            </a:r>
-          </a:p>
-          <a:p>
-            <a:r>
-              <a:rPr lang="fr-FR" dirty="0" smtClean="0"/>
-              <a:t>EEPROM</a:t>
-            </a:r>
-            <a:r>
-              <a:rPr lang="fr-FR" dirty="0"/>
-              <a:t> : </a:t>
-            </a:r>
-            <a:r>
-              <a:rPr lang="fr-FR" dirty="0" smtClean="0"/>
-              <a:t>1 </a:t>
-            </a:r>
-            <a:r>
-              <a:rPr lang="fr-FR" dirty="0"/>
-              <a:t>KB (ATmega328)</a:t>
+              <a:t>EEPROM : 1 KB (ATmega328)</a:t>
             </a:r>
           </a:p>
           <a:p>
@@ -15143,77 +14504,37 @@
             </a:r>
             <a:r>
               <a:rPr lang="fr-FR" dirty="0"/>
-              <a:t> </a:t>
-            </a:r>
-            <a:r>
-              <a:rPr lang="fr-FR" dirty="0" smtClean="0"/>
-              <a:t>Speed</a:t>
+              <a:t> Speed : 16 MHz</a:t>
+            </a:r>
+          </a:p>
+          <a:p>
+            <a:r>
+              <a:rPr lang="fr-FR" dirty="0" err="1"/>
+              <a:t>Length</a:t>
             </a:r>
             <a:r>
               <a:rPr lang="fr-FR" dirty="0"/>
-              <a:t> : </a:t>
-            </a:r>
-            <a:r>
-              <a:rPr lang="fr-FR" dirty="0" smtClean="0"/>
-              <a:t>16 </a:t>
+              <a:t> : 68.6 mm</a:t>
+            </a:r>
+          </a:p>
+          <a:p>
+            <a:r>
+              <a:rPr lang="fr-FR" dirty="0" err="1"/>
+              <a:t>Width</a:t>
             </a:r>
             <a:r>
               <a:rPr lang="fr-FR" dirty="0"/>
-              <a:t>MHz</a:t>
-            </a:r>
-          </a:p>
-          <a:p>
-            <a:r>
-              <a:rPr lang="fr-FR" dirty="0" err="1" smtClean="0"/>
-              <a:t>Length</a:t>
+              <a:t> : 53.4 mm</a:t>
+            </a:r>
+          </a:p>
+          <a:p>
+            <a:r>
+              <a:rPr lang="fr-FR" dirty="0" err="1"/>
+              <a:t>Weight</a:t>
             </a:r>
             <a:r>
               <a:rPr lang="fr-FR" dirty="0"/>
-              <a:t> : </a:t>
-            </a:r>
-            <a:r>
-              <a:rPr lang="fr-FR" dirty="0" smtClean="0"/>
-              <a:t>68.6 </a:t>
-            </a:r>
-            <a:r>
-              <a:rPr lang="fr-FR" dirty="0"/>
-              <a:t>mm</a:t>
-            </a:r>
-          </a:p>
-          <a:p>
-            <a:r>
-              <a:rPr lang="fr-FR" dirty="0" err="1" smtClean="0"/>
-              <a:t>Width</a:t>
-            </a:r>
-            <a:r>
-              <a:rPr lang="fr-FR" dirty="0"/>
-              <a:t> : </a:t>
-            </a:r>
-            <a:r>
-              <a:rPr lang="fr-FR" dirty="0" smtClean="0"/>
-              <a:t>53.4 </a:t>
-            </a:r>
-            <a:r>
-              <a:rPr lang="fr-FR" dirty="0"/>
-              <a:t>mm</a:t>
-            </a:r>
-          </a:p>
-          <a:p>
-            <a:r>
-              <a:rPr lang="fr-FR" dirty="0" err="1" smtClean="0"/>
-              <a:t>Weight</a:t>
-            </a:r>
-            <a:r>
-              <a:rPr lang="fr-FR" dirty="0"/>
-              <a:t> : </a:t>
-            </a:r>
-            <a:r>
-              <a:rPr lang="fr-FR" dirty="0" smtClean="0"/>
-              <a:t>25 </a:t>
-            </a:r>
-            <a:r>
-              <a:rPr lang="fr-FR" dirty="0"/>
-              <a:t>g</a:t>
+              <a:t> : 25 g</a:t>
             </a:r>
           </a:p>
         </p:txBody>
@@ -15258,10 +14579,9 @@
           <a:lstStyle/>
           <a:p>
             <a:r>
-              <a:rPr lang="fr-BE" smtClean="0"/>
+              <a:rPr lang="fr-BE"/>
               <a:t>Xavier Pessoles - Jean-Pierre Pupier</a:t>
             </a:r>
-            <a:endParaRPr lang="fr-BE"/>
           </a:p>
         </p:txBody>
       </p:sp>
@@ -15416,10 +14736,9 @@
           <a:lstStyle/>
           <a:p>
             <a:r>
-              <a:rPr lang="fr-FR" dirty="0" smtClean="0"/>
+              <a:rPr lang="fr-FR" dirty="0"/>
               <a:t>L’interface Logicielle</a:t>
             </a:r>
-            <a:endParaRPr lang="fr-FR" dirty="0"/>
           </a:p>
         </p:txBody>
       </p:sp>
@@ -15463,10 +14782,9 @@
           <a:lstStyle/>
           <a:p>
             <a:r>
-              <a:rPr lang="fr-BE" smtClean="0"/>
+              <a:rPr lang="fr-BE"/>
               <a:t>Xavier Pessoles - Jean-Pierre Pupier</a:t>
             </a:r>
-            <a:endParaRPr lang="fr-BE"/>
           </a:p>
         </p:txBody>
       </p:sp>
@@ -15643,7 +14961,7 @@
           <a:p>
             <a:pPr algn="ctr"/>
             <a:r>
-              <a:rPr lang="fr-FR" sz="2400" dirty="0" smtClean="0">
+              <a:rPr lang="fr-FR" sz="2400" dirty="0">
                 <a:solidFill>
                   <a:sysClr val="windowText" lastClr="000000"/>
                 </a:solidFill>
@@ -15655,7 +14973,7 @@
           <a:p>
             <a:pPr algn="ctr"/>
             <a:r>
-              <a:rPr lang="fr-FR" sz="2400" dirty="0" smtClean="0">
+              <a:rPr lang="fr-FR" sz="2400" dirty="0">
                 <a:solidFill>
                   <a:sysClr val="windowText" lastClr="000000"/>
                 </a:solidFill>
@@ -15663,12 +14981,6 @@
               </a:rPr>
               <a:t>Zone de programmation</a:t>
             </a:r>
-            <a:endParaRPr lang="fr-FR" sz="2400" dirty="0">
-              <a:solidFill>
-                <a:sysClr val="windowText" lastClr="000000"/>
-              </a:solidFill>
-              <a:latin typeface="Calibri" panose="020F0502020204030204" pitchFamily="34" charset="0"/>
-            </a:endParaRPr>
           </a:p>
         </p:txBody>
       </p:sp>
@@ -15712,7 +15024,7 @@
           <a:lstStyle/>
           <a:p>
             <a:r>
-              <a:rPr lang="fr-FR" sz="1600" dirty="0" smtClean="0">
+              <a:rPr lang="fr-FR" sz="1600" dirty="0">
                 <a:solidFill>
                   <a:sysClr val="windowText" lastClr="000000"/>
                 </a:solidFill>
@@ -15720,12 +15032,6 @@
               </a:rPr>
               <a:t>Vérification du programme</a:t>
             </a:r>
-            <a:endParaRPr lang="fr-FR" sz="1600" dirty="0">
-              <a:solidFill>
-                <a:sysClr val="windowText" lastClr="000000"/>
-              </a:solidFill>
-              <a:latin typeface="Calibri" panose="020F0502020204030204" pitchFamily="34" charset="0"/>
-            </a:endParaRPr>
           </a:p>
         </p:txBody>
       </p:sp>
@@ -15771,7 +15077,7 @@
           <a:lstStyle/>
           <a:p>
             <a:r>
-              <a:rPr lang="fr-FR" sz="1600" dirty="0" smtClean="0">
+              <a:rPr lang="fr-FR" sz="1600" dirty="0">
                 <a:solidFill>
                   <a:sysClr val="windowText" lastClr="000000"/>
                 </a:solidFill>
@@ -15779,12 +15085,6 @@
               </a:rPr>
               <a:t>Envoi du programme vers la carte</a:t>
             </a:r>
-            <a:endParaRPr lang="fr-FR" sz="1600" dirty="0">
-              <a:solidFill>
-                <a:sysClr val="windowText" lastClr="000000"/>
-              </a:solidFill>
-              <a:latin typeface="Calibri" panose="020F0502020204030204" pitchFamily="34" charset="0"/>
-            </a:endParaRPr>
           </a:p>
         </p:txBody>
       </p:sp>
@@ -15829,7 +15129,7 @@
           <a:p>
             <a:pPr algn="r"/>
             <a:r>
-              <a:rPr lang="fr-FR" sz="1600" dirty="0" smtClean="0">
+              <a:rPr lang="fr-FR" sz="1600" dirty="0">
                 <a:solidFill>
                   <a:sysClr val="windowText" lastClr="000000"/>
                 </a:solidFill>
@@ -15837,12 +15137,6 @@
               </a:rPr>
               <a:t>Choix du type de carte</a:t>
             </a:r>
-            <a:endParaRPr lang="fr-FR" sz="1600" dirty="0">
-              <a:solidFill>
-                <a:sysClr val="windowText" lastClr="000000"/>
-              </a:solidFill>
-              <a:latin typeface="Calibri" panose="020F0502020204030204" pitchFamily="34" charset="0"/>
-            </a:endParaRPr>
           </a:p>
         </p:txBody>
       </p:sp>
@@ -15887,7 +15181,7 @@
           <a:p>
             <a:pPr algn="r"/>
             <a:r>
-              <a:rPr lang="fr-FR" sz="1600" dirty="0" smtClean="0">
+              <a:rPr lang="fr-FR" sz="1600" dirty="0">
                 <a:solidFill>
                   <a:sysClr val="windowText" lastClr="000000"/>
                 </a:solidFill>
@@ -15895,12 +15189,6 @@
               </a:rPr>
               <a:t>Choix du type de port</a:t>
             </a:r>
-            <a:endParaRPr lang="fr-FR" sz="1600" dirty="0">
-              <a:solidFill>
-                <a:sysClr val="windowText" lastClr="000000"/>
-              </a:solidFill>
-              <a:latin typeface="Calibri" panose="020F0502020204030204" pitchFamily="34" charset="0"/>
-            </a:endParaRPr>
           </a:p>
         </p:txBody>
       </p:sp>
@@ -16094,18 +15382,18 @@
           <a:lstStyle/>
           <a:p>
             <a:r>
-              <a:rPr lang="fr-FR" dirty="0" smtClean="0"/>
+              <a:rPr lang="fr-FR" dirty="0"/>
               <a:t>Première réalisation</a:t>
             </a:r>
             <a:br>
-              <a:rPr lang="fr-FR" dirty="0" smtClean="0"/>
+              <a:rPr lang="fr-FR" dirty="0"/>
             </a:br>
             <a:r>
-              <a:rPr lang="fr-FR" dirty="0" smtClean="0"/>
+              <a:rPr lang="fr-FR" dirty="0"/>
               <a:t>Clignotement d’une </a:t>
             </a:r>
             <a:r>
-              <a:rPr lang="fr-FR" dirty="0" err="1" smtClean="0"/>
+              <a:rPr lang="fr-FR" dirty="0" err="1"/>
               <a:t>led</a:t>
             </a:r>
             <a:endParaRPr lang="fr-FR" dirty="0"/>
@@ -16147,10 +15435,9 @@
           <a:lstStyle/>
           <a:p>
             <a:r>
-              <a:rPr lang="fr-BE" smtClean="0"/>
+              <a:rPr lang="fr-BE"/>
               <a:t>Xavier Pessoles - Jean-Pierre Pupier</a:t>
             </a:r>
-            <a:endParaRPr lang="fr-BE"/>
           </a:p>
         </p:txBody>
       </p:sp>
@@ -16226,22 +15513,17 @@
           <a:lstStyle/>
           <a:p>
             <a:r>
-              <a:rPr lang="fr-FR" dirty="0" smtClean="0"/>
+              <a:rPr lang="fr-FR" dirty="0"/>
               <a:t>Allumer et éteindre une </a:t>
             </a:r>
             <a:r>
-              <a:rPr lang="fr-FR" dirty="0" err="1" smtClean="0"/>
+              <a:rPr lang="fr-FR" dirty="0" err="1"/>
               <a:t>Led</a:t>
             </a:r>
             <a:r>
               <a:rPr lang="fr-FR" dirty="0"/>
-              <a:t> </a:t>
-            </a:r>
-            <a:r>
-              <a:rPr lang="fr-FR" dirty="0" smtClean="0"/>
-              <a:t>par période de 1 seconde</a:t>
-            </a:r>
-            <a:endParaRPr lang="fr-FR" dirty="0"/>
+              <a:t> par période de 1 seconde</a:t>
+            </a:r>
           </a:p>
         </p:txBody>
       </p:sp>
@@ -16285,10 +15567,9 @@
           <a:lstStyle/>
           <a:p>
             <a:r>
-              <a:rPr lang="fr-BE" smtClean="0"/>
+              <a:rPr lang="fr-BE"/>
               <a:t>Xavier Pessoles - Jean-Pierre Pupier</a:t>
             </a:r>
-            <a:endParaRPr lang="fr-BE"/>
           </a:p>
         </p:txBody>
       </p:sp>
@@ -16315,32 +15596,31 @@
           <a:lstStyle/>
           <a:p>
             <a:r>
-              <a:rPr lang="fr-FR" dirty="0" smtClean="0"/>
+              <a:rPr lang="fr-FR" dirty="0"/>
               <a:t>A la différence de Python, il faut déclarer les variables et leur type.</a:t>
             </a:r>
           </a:p>
           <a:p>
             <a:r>
-              <a:rPr lang="fr-FR" dirty="0" smtClean="0"/>
+              <a:rPr lang="fr-FR" dirty="0"/>
               <a:t>Les lignes doivent se terminer par des </a:t>
             </a:r>
           </a:p>
           <a:p>
             <a:r>
-              <a:rPr lang="fr-FR" dirty="0" err="1" smtClean="0"/>
+              <a:rPr lang="fr-FR" dirty="0" err="1"/>
               <a:t>Void</a:t>
             </a:r>
             <a:r>
-              <a:rPr lang="fr-FR" dirty="0" smtClean="0"/>
+              <a:rPr lang="fr-FR" dirty="0"/>
               <a:t> désigne la déclaration d’une fonction</a:t>
             </a:r>
           </a:p>
           <a:p>
             <a:r>
-              <a:rPr lang="fr-FR" dirty="0" smtClean="0"/>
+              <a:rPr lang="fr-FR" dirty="0"/>
               <a:t>Pour réaliser un commentaire il faut faire précéder le commentaire de //</a:t>
             </a:r>
-            <a:endParaRPr lang="fr-FR" dirty="0"/>
           </a:p>
         </p:txBody>
       </p:sp>
@@ -16369,8 +15649,20 @@
                 <a:tableStyleId>{9D7B26C5-4107-4FEC-AEDC-1716B250A1EF}</a:tableStyleId>
               </a:tblPr>
               <a:tblGrid>
-                <a:gridCol w="3190813"/>
-                <a:gridCol w="5090107"/>
+                <a:gridCol w="3190813">
+                  <a:extLst>
+                    <a:ext uri="{9D8B030D-6E8A-4147-A177-3AD203B41FA5}">
+                      <a16:colId xmlns:a16="http://schemas.microsoft.com/office/drawing/2014/main" val="20000"/>
+                    </a:ext>
+                  </a:extLst>
+                </a:gridCol>
+                <a:gridCol w="5090107">
+                  <a:extLst>
+                    <a:ext uri="{9D8B030D-6E8A-4147-A177-3AD203B41FA5}">
+                      <a16:colId xmlns:a16="http://schemas.microsoft.com/office/drawing/2014/main" val="20001"/>
+                    </a:ext>
+                  </a:extLst>
+                </a:gridCol>
               </a:tblGrid>
               <a:tr h="370840">
                 <a:tc>
@@ -16396,14 +15688,14 @@
                         <a:defRPr/>
                       </a:pPr>
                       <a:r>
-                        <a:rPr lang="en-US" sz="1400" b="0" dirty="0" err="1" smtClean="0">
+                        <a:rPr lang="en-US" sz="1400" b="0" dirty="0" err="1">
                           <a:latin typeface="Courier New" panose="02070309020205020404" pitchFamily="49" charset="0"/>
                           <a:cs typeface="Courier New" panose="02070309020205020404" pitchFamily="49" charset="0"/>
                         </a:rPr>
                         <a:t>int</a:t>
                       </a:r>
                       <a:r>
-                        <a:rPr lang="en-US" sz="1400" b="0" dirty="0" smtClean="0">
+                        <a:rPr lang="en-US" sz="1400" b="0" dirty="0">
                           <a:latin typeface="Courier New" panose="02070309020205020404" pitchFamily="49" charset="0"/>
                           <a:cs typeface="Courier New" panose="02070309020205020404" pitchFamily="49" charset="0"/>
                         </a:rPr>
@@ -16419,35 +15711,35 @@
                     <a:lstStyle/>
                     <a:p>
                       <a:r>
-                        <a:rPr lang="fr-FR" b="0" baseline="0" dirty="0" smtClean="0">
+                        <a:rPr lang="fr-FR" b="0" baseline="0" dirty="0">
                           <a:latin typeface="Calibri" panose="020F0502020204030204" pitchFamily="34" charset="0"/>
                           <a:cs typeface="Courier New" panose="02070309020205020404" pitchFamily="49" charset="0"/>
                         </a:rPr>
                         <a:t>Déclaration de la variable entière </a:t>
                       </a:r>
                       <a:r>
-                        <a:rPr lang="fr-FR" b="0" baseline="0" dirty="0" err="1" smtClean="0">
+                        <a:rPr lang="fr-FR" b="0" baseline="0" dirty="0" err="1">
                           <a:latin typeface="Calibri" panose="020F0502020204030204" pitchFamily="34" charset="0"/>
                           <a:cs typeface="Courier New" panose="02070309020205020404" pitchFamily="49" charset="0"/>
                         </a:rPr>
                         <a:t>led</a:t>
                       </a:r>
                       <a:r>
-                        <a:rPr lang="fr-FR" b="0" baseline="0" dirty="0" smtClean="0">
+                        <a:rPr lang="fr-FR" b="0" baseline="0" dirty="0">
                           <a:latin typeface="Calibri" panose="020F0502020204030204" pitchFamily="34" charset="0"/>
                           <a:cs typeface="Courier New" panose="02070309020205020404" pitchFamily="49" charset="0"/>
                         </a:rPr>
                         <a:t> et  affectation du nombre 13 à la variable </a:t>
                       </a:r>
                       <a:r>
-                        <a:rPr lang="fr-FR" b="0" baseline="0" dirty="0" err="1" smtClean="0">
+                        <a:rPr lang="fr-FR" b="0" baseline="0" dirty="0" err="1">
                           <a:latin typeface="Calibri" panose="020F0502020204030204" pitchFamily="34" charset="0"/>
                           <a:cs typeface="Courier New" panose="02070309020205020404" pitchFamily="49" charset="0"/>
                         </a:rPr>
                         <a:t>led</a:t>
                       </a:r>
                       <a:r>
-                        <a:rPr lang="fr-FR" b="0" baseline="0" dirty="0" smtClean="0">
+                        <a:rPr lang="fr-FR" b="0" baseline="0" dirty="0">
                           <a:latin typeface="Calibri" panose="020F0502020204030204" pitchFamily="34" charset="0"/>
                           <a:cs typeface="Courier New" panose="02070309020205020404" pitchFamily="49" charset="0"/>
                         </a:rPr>
@@ -16456,35 +15748,35 @@
                     </a:p>
                     <a:p>
                       <a:r>
-                        <a:rPr lang="fr-FR" b="0" baseline="0" dirty="0" smtClean="0">
+                        <a:rPr lang="fr-FR" b="0" baseline="0" dirty="0">
                           <a:latin typeface="Calibri" panose="020F0502020204030204" pitchFamily="34" charset="0"/>
                           <a:cs typeface="Courier New" panose="02070309020205020404" pitchFamily="49" charset="0"/>
                         </a:rPr>
                         <a:t>13 correspond à une sortie de la carte </a:t>
                       </a:r>
                       <a:r>
-                        <a:rPr lang="fr-FR" b="0" baseline="0" dirty="0" err="1" smtClean="0">
+                        <a:rPr lang="fr-FR" b="0" baseline="0" dirty="0" err="1">
                           <a:latin typeface="Calibri" panose="020F0502020204030204" pitchFamily="34" charset="0"/>
                           <a:cs typeface="Courier New" panose="02070309020205020404" pitchFamily="49" charset="0"/>
                         </a:rPr>
                         <a:t>Arduino</a:t>
                       </a:r>
                       <a:r>
-                        <a:rPr lang="fr-FR" b="0" baseline="0" dirty="0" smtClean="0">
+                        <a:rPr lang="fr-FR" b="0" baseline="0" dirty="0">
                           <a:latin typeface="Calibri" panose="020F0502020204030204" pitchFamily="34" charset="0"/>
                           <a:cs typeface="Courier New" panose="02070309020205020404" pitchFamily="49" charset="0"/>
                         </a:rPr>
                         <a:t> possédant une </a:t>
                       </a:r>
                       <a:r>
-                        <a:rPr lang="fr-FR" b="0" baseline="0" dirty="0" err="1" smtClean="0">
+                        <a:rPr lang="fr-FR" b="0" baseline="0" dirty="0" err="1">
                           <a:latin typeface="Calibri" panose="020F0502020204030204" pitchFamily="34" charset="0"/>
                           <a:cs typeface="Courier New" panose="02070309020205020404" pitchFamily="49" charset="0"/>
                         </a:rPr>
                         <a:t>led</a:t>
                       </a:r>
                       <a:r>
-                        <a:rPr lang="fr-FR" b="0" baseline="0" dirty="0" smtClean="0">
+                        <a:rPr lang="fr-FR" b="0" baseline="0" dirty="0">
                           <a:latin typeface="Calibri" panose="020F0502020204030204" pitchFamily="34" charset="0"/>
                           <a:cs typeface="Courier New" panose="02070309020205020404" pitchFamily="49" charset="0"/>
                         </a:rPr>
@@ -16498,6 +15790,11 @@
                   </a:txBody>
                   <a:tcPr/>
                 </a:tc>
+                <a:extLst>
+                  <a:ext uri="{0D108BD9-81ED-4DB2-BD59-A6C34878D82A}">
+                    <a16:rowId xmlns:a16="http://schemas.microsoft.com/office/drawing/2014/main" val="10000"/>
+                  </a:ext>
+                </a:extLst>
               </a:tr>
               <a:tr h="370840">
                 <a:tc>
@@ -16506,7 +15803,7 @@
                     <a:lstStyle/>
                     <a:p>
                       <a:r>
-                        <a:rPr lang="en-US" sz="1400" dirty="0" smtClean="0">
+                        <a:rPr lang="en-US" sz="1400" dirty="0">
                           <a:latin typeface="Courier New" panose="02070309020205020404" pitchFamily="49" charset="0"/>
                           <a:cs typeface="Courier New" panose="02070309020205020404" pitchFamily="49" charset="0"/>
                         </a:rPr>
@@ -16515,21 +15812,21 @@
                     </a:p>
                     <a:p>
                       <a:r>
-                        <a:rPr lang="en-US" sz="1400" baseline="0" dirty="0" smtClean="0">
+                        <a:rPr lang="en-US" sz="1400" baseline="0" dirty="0">
                           <a:latin typeface="Courier New" panose="02070309020205020404" pitchFamily="49" charset="0"/>
                           <a:cs typeface="Courier New" panose="02070309020205020404" pitchFamily="49" charset="0"/>
                         </a:rPr>
                         <a:t>    </a:t>
                       </a:r>
                       <a:r>
-                        <a:rPr lang="en-US" sz="1400" dirty="0" err="1" smtClean="0">
+                        <a:rPr lang="en-US" sz="1400" dirty="0" err="1">
                           <a:latin typeface="Courier New" panose="02070309020205020404" pitchFamily="49" charset="0"/>
                           <a:cs typeface="Courier New" panose="02070309020205020404" pitchFamily="49" charset="0"/>
                         </a:rPr>
                         <a:t>pinMode</a:t>
                       </a:r>
                       <a:r>
-                        <a:rPr lang="en-US" sz="1400" dirty="0" smtClean="0">
+                        <a:rPr lang="en-US" sz="1400" dirty="0">
                           <a:latin typeface="Courier New" panose="02070309020205020404" pitchFamily="49" charset="0"/>
                           <a:cs typeface="Courier New" panose="02070309020205020404" pitchFamily="49" charset="0"/>
                         </a:rPr>
@@ -16538,7 +15835,7 @@
                     </a:p>
                     <a:p>
                       <a:r>
-                        <a:rPr lang="en-US" sz="1400" dirty="0" smtClean="0">
+                        <a:rPr lang="en-US" sz="1400" dirty="0">
                           <a:latin typeface="Courier New" panose="02070309020205020404" pitchFamily="49" charset="0"/>
                           <a:cs typeface="Courier New" panose="02070309020205020404" pitchFamily="49" charset="0"/>
                         </a:rPr>
@@ -16564,14 +15861,14 @@
                     <a:lstStyle/>
                     <a:p>
                       <a:r>
-                        <a:rPr lang="fr-FR" b="0" dirty="0" smtClean="0">
+                        <a:rPr lang="fr-FR" b="0" dirty="0">
                           <a:latin typeface="Calibri" panose="020F0502020204030204" pitchFamily="34" charset="0"/>
                           <a:cs typeface="Courier New" panose="02070309020205020404" pitchFamily="49" charset="0"/>
                         </a:rPr>
                         <a:t>Setup : configuration</a:t>
                       </a:r>
                       <a:r>
-                        <a:rPr lang="fr-FR" b="0" baseline="0" dirty="0" smtClean="0">
+                        <a:rPr lang="fr-FR" b="0" baseline="0" dirty="0">
                           <a:latin typeface="Calibri" panose="020F0502020204030204" pitchFamily="34" charset="0"/>
                           <a:cs typeface="Courier New" panose="02070309020205020404" pitchFamily="49" charset="0"/>
                         </a:rPr>
@@ -16580,21 +15877,21 @@
                     </a:p>
                     <a:p>
                       <a:r>
-                        <a:rPr lang="fr-FR" b="0" baseline="0" dirty="0" smtClean="0">
+                        <a:rPr lang="fr-FR" b="0" baseline="0" dirty="0">
                           <a:latin typeface="Calibri" panose="020F0502020204030204" pitchFamily="34" charset="0"/>
                           <a:cs typeface="Courier New" panose="02070309020205020404" pitchFamily="49" charset="0"/>
                         </a:rPr>
                         <a:t>La broche </a:t>
                       </a:r>
                       <a:r>
-                        <a:rPr lang="fr-FR" b="0" baseline="0" dirty="0" err="1" smtClean="0">
+                        <a:rPr lang="fr-FR" b="0" baseline="0" dirty="0" err="1">
                           <a:latin typeface="Calibri" panose="020F0502020204030204" pitchFamily="34" charset="0"/>
                           <a:cs typeface="Courier New" panose="02070309020205020404" pitchFamily="49" charset="0"/>
                         </a:rPr>
                         <a:t>led</a:t>
                       </a:r>
                       <a:r>
-                        <a:rPr lang="fr-FR" b="0" baseline="0" dirty="0" smtClean="0">
+                        <a:rPr lang="fr-FR" b="0" baseline="0" dirty="0">
                           <a:latin typeface="Calibri" panose="020F0502020204030204" pitchFamily="34" charset="0"/>
                           <a:cs typeface="Courier New" panose="02070309020205020404" pitchFamily="49" charset="0"/>
                         </a:rPr>
@@ -16618,6 +15915,11 @@
                     </a:lnB>
                   </a:tcPr>
                 </a:tc>
+                <a:extLst>
+                  <a:ext uri="{0D108BD9-81ED-4DB2-BD59-A6C34878D82A}">
+                    <a16:rowId xmlns:a16="http://schemas.microsoft.com/office/drawing/2014/main" val="10001"/>
+                  </a:ext>
+                </a:extLst>
               </a:tr>
               <a:tr h="370840">
                 <a:tc>
@@ -16626,7 +15928,7 @@
                     <a:lstStyle/>
                     <a:p>
                       <a:r>
-                        <a:rPr lang="en-US" sz="1400" dirty="0" smtClean="0">
+                        <a:rPr lang="en-US" sz="1400" dirty="0">
                           <a:latin typeface="Courier New" panose="02070309020205020404" pitchFamily="49" charset="0"/>
                           <a:cs typeface="Courier New" panose="02070309020205020404" pitchFamily="49" charset="0"/>
                         </a:rPr>
@@ -16635,28 +15937,28 @@
                     </a:p>
                     <a:p>
                       <a:r>
-                        <a:rPr lang="en-US" sz="1400" dirty="0" smtClean="0">
+                        <a:rPr lang="en-US" sz="1400" dirty="0">
                           <a:latin typeface="Courier New" panose="02070309020205020404" pitchFamily="49" charset="0"/>
                           <a:cs typeface="Courier New" panose="02070309020205020404" pitchFamily="49" charset="0"/>
                         </a:rPr>
                         <a:t>  </a:t>
                       </a:r>
                       <a:r>
-                        <a:rPr lang="en-US" sz="1400" dirty="0" err="1" smtClean="0">
+                        <a:rPr lang="en-US" sz="1400" dirty="0" err="1">
                           <a:latin typeface="Courier New" panose="02070309020205020404" pitchFamily="49" charset="0"/>
                           <a:cs typeface="Courier New" panose="02070309020205020404" pitchFamily="49" charset="0"/>
                         </a:rPr>
                         <a:t>digitalWrite</a:t>
                       </a:r>
                       <a:r>
-                        <a:rPr lang="en-US" sz="1400" dirty="0" smtClean="0">
+                        <a:rPr lang="en-US" sz="1400" dirty="0">
                           <a:latin typeface="Courier New" panose="02070309020205020404" pitchFamily="49" charset="0"/>
                           <a:cs typeface="Courier New" panose="02070309020205020404" pitchFamily="49" charset="0"/>
                         </a:rPr>
                         <a:t>(led, </a:t>
                       </a:r>
                       <a:r>
-                        <a:rPr lang="en-US" sz="1400" smtClean="0">
+                        <a:rPr lang="en-US" sz="1400">
                           <a:latin typeface="Courier New" panose="02070309020205020404" pitchFamily="49" charset="0"/>
                           <a:cs typeface="Courier New" panose="02070309020205020404" pitchFamily="49" charset="0"/>
                         </a:rPr>
@@ -16665,14 +15967,14 @@
                     </a:p>
                     <a:p>
                       <a:r>
-                        <a:rPr lang="en-US" sz="1400" smtClean="0">
+                        <a:rPr lang="en-US" sz="1400">
                           <a:latin typeface="Courier New" panose="02070309020205020404" pitchFamily="49" charset="0"/>
                           <a:cs typeface="Courier New" panose="02070309020205020404" pitchFamily="49" charset="0"/>
                         </a:rPr>
                         <a:t>  </a:t>
                       </a:r>
                       <a:r>
-                        <a:rPr lang="en-US" sz="1400" dirty="0" smtClean="0">
+                        <a:rPr lang="en-US" sz="1400" dirty="0">
                           <a:latin typeface="Courier New" panose="02070309020205020404" pitchFamily="49" charset="0"/>
                           <a:cs typeface="Courier New" panose="02070309020205020404" pitchFamily="49" charset="0"/>
                         </a:rPr>
@@ -16681,28 +15983,28 @@
                     </a:p>
                     <a:p>
                       <a:r>
-                        <a:rPr lang="en-US" sz="1400" dirty="0" smtClean="0">
+                        <a:rPr lang="en-US" sz="1400" dirty="0">
                           <a:latin typeface="Courier New" panose="02070309020205020404" pitchFamily="49" charset="0"/>
                           <a:cs typeface="Courier New" panose="02070309020205020404" pitchFamily="49" charset="0"/>
                         </a:rPr>
                         <a:t>  </a:t>
                       </a:r>
                       <a:r>
-                        <a:rPr lang="en-US" sz="1400" dirty="0" err="1" smtClean="0">
+                        <a:rPr lang="en-US" sz="1400" dirty="0" err="1">
                           <a:latin typeface="Courier New" panose="02070309020205020404" pitchFamily="49" charset="0"/>
                           <a:cs typeface="Courier New" panose="02070309020205020404" pitchFamily="49" charset="0"/>
                         </a:rPr>
                         <a:t>digitalWrite</a:t>
                       </a:r>
                       <a:r>
-                        <a:rPr lang="en-US" sz="1400" dirty="0" smtClean="0">
+                        <a:rPr lang="en-US" sz="1400" dirty="0">
                           <a:latin typeface="Courier New" panose="02070309020205020404" pitchFamily="49" charset="0"/>
                           <a:cs typeface="Courier New" panose="02070309020205020404" pitchFamily="49" charset="0"/>
                         </a:rPr>
                         <a:t>(led, LOW</a:t>
                       </a:r>
                       <a:r>
-                        <a:rPr lang="en-US" sz="1400" smtClean="0">
+                        <a:rPr lang="en-US" sz="1400">
                           <a:latin typeface="Courier New" panose="02070309020205020404" pitchFamily="49" charset="0"/>
                           <a:cs typeface="Courier New" panose="02070309020205020404" pitchFamily="49" charset="0"/>
                         </a:rPr>
@@ -16711,21 +16013,21 @@
                     </a:p>
                     <a:p>
                       <a:r>
-                        <a:rPr lang="en-US" sz="1400" baseline="0" smtClean="0">
+                        <a:rPr lang="en-US" sz="1400" baseline="0">
                           <a:latin typeface="Courier New" panose="02070309020205020404" pitchFamily="49" charset="0"/>
                           <a:cs typeface="Courier New" panose="02070309020205020404" pitchFamily="49" charset="0"/>
                         </a:rPr>
                         <a:t>  </a:t>
                       </a:r>
                       <a:r>
-                        <a:rPr lang="en-US" sz="1400" smtClean="0">
+                        <a:rPr lang="en-US" sz="1400">
                           <a:latin typeface="Courier New" panose="02070309020205020404" pitchFamily="49" charset="0"/>
                           <a:cs typeface="Courier New" panose="02070309020205020404" pitchFamily="49" charset="0"/>
                         </a:rPr>
                         <a:t>delay(1000</a:t>
                       </a:r>
                       <a:r>
-                        <a:rPr lang="en-US" sz="1400" dirty="0" smtClean="0">
+                        <a:rPr lang="en-US" sz="1400" dirty="0">
                           <a:latin typeface="Courier New" panose="02070309020205020404" pitchFamily="49" charset="0"/>
                           <a:cs typeface="Courier New" panose="02070309020205020404" pitchFamily="49" charset="0"/>
                         </a:rPr>
@@ -16734,13 +16036,13 @@
                     </a:p>
                     <a:p>
                       <a:r>
-                        <a:rPr lang="en-US" sz="1400" dirty="0" smtClean="0">
+                        <a:rPr lang="en-US" sz="1400" dirty="0">
                           <a:latin typeface="Courier New" panose="02070309020205020404" pitchFamily="49" charset="0"/>
                           <a:cs typeface="Courier New" panose="02070309020205020404" pitchFamily="49" charset="0"/>
                         </a:rPr>
                         <a:t>}</a:t>
                       </a:r>
-                      <a:endParaRPr lang="fr-FR" sz="1400" dirty="0" smtClean="0">
+                      <a:endParaRPr lang="fr-FR" sz="1400" dirty="0">
                         <a:latin typeface="Courier New" panose="02070309020205020404" pitchFamily="49" charset="0"/>
                         <a:cs typeface="Courier New" panose="02070309020205020404" pitchFamily="49" charset="0"/>
                       </a:endParaRPr>
@@ -16764,28 +16066,28 @@
                     <a:lstStyle/>
                     <a:p>
                       <a:r>
-                        <a:rPr lang="fr-FR" b="0" dirty="0" smtClean="0">
+                        <a:rPr lang="fr-FR" b="0" dirty="0">
                           <a:latin typeface="Calibri" panose="020F0502020204030204" pitchFamily="34" charset="0"/>
                           <a:cs typeface="Courier New" panose="02070309020205020404" pitchFamily="49" charset="0"/>
                         </a:rPr>
                         <a:t>La boucle </a:t>
                       </a:r>
                       <a:r>
-                        <a:rPr lang="fr-FR" b="0" dirty="0" err="1" smtClean="0">
+                        <a:rPr lang="fr-FR" b="0" dirty="0" err="1">
                           <a:latin typeface="Calibri" panose="020F0502020204030204" pitchFamily="34" charset="0"/>
                           <a:cs typeface="Courier New" panose="02070309020205020404" pitchFamily="49" charset="0"/>
                         </a:rPr>
                         <a:t>loop</a:t>
                       </a:r>
                       <a:r>
-                        <a:rPr lang="fr-FR" b="0" dirty="0" smtClean="0">
+                        <a:rPr lang="fr-FR" b="0" dirty="0">
                           <a:latin typeface="Calibri" panose="020F0502020204030204" pitchFamily="34" charset="0"/>
                           <a:cs typeface="Courier New" panose="02070309020205020404" pitchFamily="49" charset="0"/>
                         </a:rPr>
                         <a:t> est lancée</a:t>
                       </a:r>
                       <a:r>
-                        <a:rPr lang="fr-FR" b="0" baseline="0" dirty="0" smtClean="0">
+                        <a:rPr lang="fr-FR" b="0" baseline="0" dirty="0">
                           <a:latin typeface="Calibri" panose="020F0502020204030204" pitchFamily="34" charset="0"/>
                           <a:cs typeface="Courier New" panose="02070309020205020404" pitchFamily="49" charset="0"/>
                         </a:rPr>
@@ -16793,28 +16095,28 @@
                       </a:r>
                     </a:p>
                     <a:p>
-                      <a:endParaRPr lang="fr-FR" b="0" baseline="0" dirty="0" smtClean="0">
+                      <a:endParaRPr lang="fr-FR" b="0" baseline="0" dirty="0">
                         <a:latin typeface="Calibri" panose="020F0502020204030204" pitchFamily="34" charset="0"/>
                         <a:cs typeface="Courier New" panose="02070309020205020404" pitchFamily="49" charset="0"/>
                       </a:endParaRPr>
                     </a:p>
                     <a:p>
                       <a:r>
-                        <a:rPr lang="fr-FR" b="0" baseline="0" dirty="0" smtClean="0">
+                        <a:rPr lang="fr-FR" b="0" baseline="0" dirty="0">
                           <a:latin typeface="Calibri" panose="020F0502020204030204" pitchFamily="34" charset="0"/>
                           <a:cs typeface="Courier New" panose="02070309020205020404" pitchFamily="49" charset="0"/>
                         </a:rPr>
                         <a:t>Cette séquence permet d’allumer et d’éteindre la </a:t>
                       </a:r>
                       <a:r>
-                        <a:rPr lang="fr-FR" b="0" baseline="0" dirty="0" err="1" smtClean="0">
+                        <a:rPr lang="fr-FR" b="0" baseline="0" dirty="0" err="1">
                           <a:latin typeface="Calibri" panose="020F0502020204030204" pitchFamily="34" charset="0"/>
                           <a:cs typeface="Courier New" panose="02070309020205020404" pitchFamily="49" charset="0"/>
                         </a:rPr>
                         <a:t>led</a:t>
                       </a:r>
                       <a:r>
-                        <a:rPr lang="fr-FR" b="0" baseline="0" dirty="0" smtClean="0">
+                        <a:rPr lang="fr-FR" b="0" baseline="0" dirty="0">
                           <a:latin typeface="Calibri" panose="020F0502020204030204" pitchFamily="34" charset="0"/>
                           <a:cs typeface="Courier New" panose="02070309020205020404" pitchFamily="49" charset="0"/>
                         </a:rPr>
@@ -16838,6 +16140,11 @@
                     </a:lnT>
                   </a:tcPr>
                 </a:tc>
+                <a:extLst>
+                  <a:ext uri="{0D108BD9-81ED-4DB2-BD59-A6C34878D82A}">
+                    <a16:rowId xmlns:a16="http://schemas.microsoft.com/office/drawing/2014/main" val="10002"/>
+                  </a:ext>
+                </a:extLst>
               </a:tr>
             </a:tbl>
           </a:graphicData>
@@ -16896,10 +16203,9 @@
           <a:lstStyle/>
           <a:p>
             <a:r>
-              <a:rPr lang="fr-FR" dirty="0" smtClean="0"/>
+              <a:rPr lang="fr-FR" dirty="0"/>
               <a:t>Travail à réaliser – Clignotement d’une LED</a:t>
             </a:r>
-            <a:endParaRPr lang="fr-FR" dirty="0"/>
           </a:p>
         </p:txBody>
       </p:sp>
@@ -16919,41 +16225,41 @@
           <a:lstStyle/>
           <a:p>
             <a:r>
-              <a:rPr lang="fr-FR" dirty="0" smtClean="0"/>
+              <a:rPr lang="fr-FR" dirty="0"/>
               <a:t>A l’aide de l’image page 3 et de la carte situer la </a:t>
             </a:r>
             <a:r>
-              <a:rPr lang="fr-FR" dirty="0" err="1" smtClean="0"/>
+              <a:rPr lang="fr-FR" dirty="0" err="1"/>
               <a:t>led</a:t>
             </a:r>
-            <a:endParaRPr lang="fr-FR" dirty="0" smtClean="0"/>
-          </a:p>
-          <a:p>
-            <a:r>
-              <a:rPr lang="fr-FR" dirty="0" smtClean="0"/>
+            <a:endParaRPr lang="fr-FR" dirty="0"/>
+          </a:p>
+          <a:p>
+            <a:r>
+              <a:rPr lang="fr-FR" dirty="0"/>
               <a:t>Saisir le code suivant sur le logiciel </a:t>
             </a:r>
             <a:r>
-              <a:rPr lang="fr-FR" dirty="0" err="1" smtClean="0"/>
+              <a:rPr lang="fr-FR" dirty="0" err="1"/>
               <a:t>Arduino</a:t>
             </a:r>
-            <a:endParaRPr lang="fr-FR" dirty="0" smtClean="0"/>
-          </a:p>
-          <a:p>
-            <a:r>
-              <a:rPr lang="fr-FR" dirty="0" smtClean="0"/>
+            <a:endParaRPr lang="fr-FR" dirty="0"/>
+          </a:p>
+          <a:p>
+            <a:r>
+              <a:rPr lang="fr-FR" dirty="0"/>
               <a:t>Lancer la vérification</a:t>
             </a:r>
           </a:p>
           <a:p>
             <a:r>
-              <a:rPr lang="fr-FR" dirty="0" smtClean="0"/>
+              <a:rPr lang="fr-FR" dirty="0"/>
               <a:t>Implanter le programme sur la carte</a:t>
             </a:r>
           </a:p>
           <a:p>
             <a:r>
-              <a:rPr lang="fr-FR" dirty="0" smtClean="0"/>
+              <a:rPr lang="fr-FR" dirty="0"/>
               <a:t>Vérifier son bon fonctionnement</a:t>
             </a:r>
           </a:p>
@@ -16962,10 +16268,9 @@
           </a:p>
           <a:p>
             <a:r>
-              <a:rPr lang="fr-FR" dirty="0" smtClean="0"/>
+              <a:rPr lang="fr-FR" dirty="0"/>
               <a:t>Modifier le programme pour déterminer la fréquence correspondant à la persistance rétinienne.</a:t>
             </a:r>
-            <a:endParaRPr lang="fr-FR" dirty="0"/>
           </a:p>
         </p:txBody>
       </p:sp>
@@ -17009,10 +16314,9 @@
           <a:lstStyle/>
           <a:p>
             <a:r>
-              <a:rPr lang="fr-BE" smtClean="0"/>
+              <a:rPr lang="fr-BE"/>
               <a:t>Xavier Pessoles - Jean-Pierre Pupier</a:t>
             </a:r>
-            <a:endParaRPr lang="fr-BE"/>
           </a:p>
         </p:txBody>
       </p:sp>
@@ -17099,7 +16403,7 @@
           <a:lstStyle/>
           <a:p>
             <a:r>
-              <a:rPr lang="fr-FR" dirty="0" smtClean="0"/>
+              <a:rPr lang="fr-FR" dirty="0"/>
               <a:t>Modifier  le code précédent en utilisant le code ci-contre</a:t>
             </a:r>
           </a:p>
@@ -17108,24 +16412,23 @@
           </a:p>
           <a:p>
             <a:r>
-              <a:rPr lang="fr-FR" dirty="0" smtClean="0"/>
+              <a:rPr lang="fr-FR" dirty="0"/>
               <a:t>Pour afficher les messages :</a:t>
             </a:r>
           </a:p>
           <a:p>
             <a:pPr lvl="1"/>
             <a:r>
-              <a:rPr lang="fr-FR" dirty="0" smtClean="0"/>
+              <a:rPr lang="fr-FR" dirty="0"/>
               <a:t>Menu Outils</a:t>
             </a:r>
           </a:p>
           <a:p>
             <a:pPr lvl="1"/>
             <a:r>
-              <a:rPr lang="fr-FR" dirty="0" smtClean="0"/>
+              <a:rPr lang="fr-FR" dirty="0"/>
               <a:t>Moniteur série</a:t>
             </a:r>
-            <a:endParaRPr lang="fr-FR" dirty="0"/>
           </a:p>
         </p:txBody>
       </p:sp>
@@ -17169,10 +16472,9 @@
           <a:lstStyle/>
           <a:p>
             <a:r>
-              <a:rPr lang="fr-BE" smtClean="0"/>
+              <a:rPr lang="fr-BE"/>
               <a:t>Xavier Pessoles - Jean-Pierre Pupier</a:t>
             </a:r>
-            <a:endParaRPr lang="fr-BE"/>
           </a:p>
         </p:txBody>
       </p:sp>
@@ -17254,15 +16556,11 @@
               </a:rPr>
               <a:t>(led, OUTPUT);  </a:t>
             </a:r>
-            <a:endParaRPr lang="en-US" dirty="0" smtClean="0">
-              <a:latin typeface="Courier New" panose="02070309020205020404" pitchFamily="49" charset="0"/>
-              <a:cs typeface="Courier New" panose="02070309020205020404" pitchFamily="49" charset="0"/>
-            </a:endParaRPr>
           </a:p>
           <a:p>
             <a:pPr fontAlgn="t"/>
             <a:r>
-              <a:rPr lang="en-US" dirty="0" smtClean="0">
+              <a:rPr lang="en-US" dirty="0">
                 <a:latin typeface="Courier New" panose="02070309020205020404" pitchFamily="49" charset="0"/>
                 <a:cs typeface="Courier New" panose="02070309020205020404" pitchFamily="49" charset="0"/>
               </a:rPr>
@@ -17336,36 +16634,18 @@
                 <a:latin typeface="Courier New" panose="02070309020205020404" pitchFamily="49" charset="0"/>
                 <a:cs typeface="Courier New" panose="02070309020205020404" pitchFamily="49" charset="0"/>
               </a:rPr>
-              <a:t>(led, HIGH</a:t>
-            </a:r>
-            <a:r>
-              <a:rPr lang="en-US" dirty="0" smtClean="0">
-                <a:latin typeface="Courier New" panose="02070309020205020404" pitchFamily="49" charset="0"/>
-                <a:cs typeface="Courier New" panose="02070309020205020404" pitchFamily="49" charset="0"/>
-              </a:rPr>
-              <a:t>);</a:t>
+              <a:t>(led, HIGH);</a:t>
             </a:r>
           </a:p>
           <a:p>
             <a:pPr fontAlgn="t"/>
-            <a:r>
-              <a:rPr lang="en-US" dirty="0" smtClean="0">
-                <a:latin typeface="Courier New" panose="02070309020205020404" pitchFamily="49" charset="0"/>
-                <a:cs typeface="Courier New" panose="02070309020205020404" pitchFamily="49" charset="0"/>
-              </a:rPr>
-              <a:t>  delay(1000</a:t>
-            </a:r>
             <a:r>
               <a:rPr lang="en-US" dirty="0">
                 <a:latin typeface="Courier New" panose="02070309020205020404" pitchFamily="49" charset="0"/>
                 <a:cs typeface="Courier New" panose="02070309020205020404" pitchFamily="49" charset="0"/>
               </a:rPr>
-              <a:t>); </a:t>
-            </a:r>
-            <a:endParaRPr lang="en-US" dirty="0" smtClean="0">
-              <a:latin typeface="Courier New" panose="02070309020205020404" pitchFamily="49" charset="0"/>
-              <a:cs typeface="Courier New" panose="02070309020205020404" pitchFamily="49" charset="0"/>
-            </a:endParaRPr>
+              <a:t>  delay(1000); </a:t>
+            </a:r>
           </a:p>
           <a:p>
             <a:pPr fontAlgn="t"/>
@@ -17384,7 +16664,7 @@
               <a:t>Serial.print</a:t>
             </a:r>
             <a:r>
-              <a:rPr lang="en-US" dirty="0" smtClean="0">
+              <a:rPr lang="en-US" dirty="0">
                 <a:latin typeface="Courier New" panose="02070309020205020404" pitchFamily="49" charset="0"/>
                 <a:cs typeface="Courier New" panose="02070309020205020404" pitchFamily="49" charset="0"/>
               </a:rPr>
@@ -17422,7 +16702,7 @@
           <a:p>
             <a:pPr fontAlgn="t"/>
             <a:r>
-              <a:rPr lang="en-US" dirty="0" smtClean="0">
+              <a:rPr lang="en-US" dirty="0">
                 <a:latin typeface="Courier New" panose="02070309020205020404" pitchFamily="49" charset="0"/>
                 <a:cs typeface="Courier New" panose="02070309020205020404" pitchFamily="49" charset="0"/>
               </a:rPr>
@@ -17432,32 +16712,25 @@
           <a:p>
             <a:pPr fontAlgn="t"/>
             <a:r>
-              <a:rPr lang="en-US" dirty="0" smtClean="0">
+              <a:rPr lang="en-US" dirty="0">
                 <a:latin typeface="Courier New" panose="02070309020205020404" pitchFamily="49" charset="0"/>
                 <a:cs typeface="Courier New" panose="02070309020205020404" pitchFamily="49" charset="0"/>
               </a:rPr>
               <a:t>  </a:t>
             </a:r>
             <a:r>
-              <a:rPr lang="en-US" dirty="0" err="1" smtClean="0">
+              <a:rPr lang="en-US" dirty="0" err="1">
                 <a:latin typeface="Courier New" panose="02070309020205020404" pitchFamily="49" charset="0"/>
                 <a:cs typeface="Courier New" panose="02070309020205020404" pitchFamily="49" charset="0"/>
               </a:rPr>
               <a:t>Serial.print</a:t>
             </a:r>
             <a:r>
-              <a:rPr lang="en-US" dirty="0" smtClean="0">
-                <a:latin typeface="Courier New" panose="02070309020205020404" pitchFamily="49" charset="0"/>
-                <a:cs typeface="Courier New" panose="02070309020205020404" pitchFamily="49" charset="0"/>
-              </a:rPr>
-              <a:t>(“NUIT </a:t>
-            </a:r>
-            <a:r>
               <a:rPr lang="en-US" dirty="0">
                 <a:latin typeface="Courier New" panose="02070309020205020404" pitchFamily="49" charset="0"/>
                 <a:cs typeface="Courier New" panose="02070309020205020404" pitchFamily="49" charset="0"/>
               </a:rPr>
-              <a:t>\n");</a:t>
+              <a:t>(“NUIT \n");</a:t>
             </a:r>
             <a:endParaRPr lang="fr-FR" dirty="0">
               <a:latin typeface="Courier New" panose="02070309020205020404" pitchFamily="49" charset="0"/>
@@ -17686,13 +16959,13 @@
           </a:lstStyle>
           <a:p>
             <a:r>
-              <a:rPr lang="fr-FR" smtClean="0"/>
+              <a:rPr lang="fr-FR"/>
               <a:t>La console série permet d’afficher sur l’écran de l’ordinateur des informations à destination de l’utilisateur</a:t>
             </a:r>
           </a:p>
           <a:p>
             <a:r>
-              <a:rPr lang="fr-FR" smtClean="0"/>
+              <a:rPr lang="fr-FR"/>
               <a:t>Modifier le programme précédent de la manière suivante</a:t>
             </a:r>
             <a:endParaRPr lang="fr-FR" dirty="0"/>
@@ -17745,10 +17018,9 @@
           <a:lstStyle/>
           <a:p>
             <a:r>
-              <a:rPr lang="fr-FR" dirty="0" smtClean="0"/>
+              <a:rPr lang="fr-FR" dirty="0"/>
               <a:t>Acquérir les informations d’un potentiomètre rotatif</a:t>
             </a:r>
-            <a:endParaRPr lang="fr-FR" dirty="0"/>
           </a:p>
         </p:txBody>
       </p:sp>
@@ -17787,10 +17059,9 @@
           <a:lstStyle/>
           <a:p>
             <a:r>
-              <a:rPr lang="fr-BE" smtClean="0"/>
+              <a:rPr lang="fr-BE"/>
               <a:t>Xavier Pessoles - Jean-Pierre Pupier</a:t>
             </a:r>
-            <a:endParaRPr lang="fr-BE"/>
           </a:p>
         </p:txBody>
       </p:sp>
